--- a/LearnWithLlew/src/main/org/learnwithllew/courseware/section01forloops/ForStatements.pptx
+++ b/LearnWithLlew/src/main/org/learnwithllew/courseware/section01forloops/ForStatements.pptx
@@ -1,6 +1,6 @@
 
 <file path=ppt/presentation.xml><?xml version="1.0" encoding="utf-8"?>
-<p:presentation xmlns:a="http://schemas.openxmlformats.org/drawingml/2006/main" xmlns:r="http://schemas.openxmlformats.org/officeDocument/2006/relationships" xmlns:p="http://schemas.openxmlformats.org/presentationml/2006/main" embedTrueTypeFonts="1" saveSubsetFonts="1">
+<p:presentation xmlns:a="http://schemas.openxmlformats.org/drawingml/2006/main" xmlns:r="http://schemas.openxmlformats.org/officeDocument/2006/relationships" xmlns:p="http://schemas.openxmlformats.org/presentationml/2006/main">
   <p:sldMasterIdLst>
     <p:sldMasterId id="2147483648" r:id="rId1"/>
   </p:sldMasterIdLst>
@@ -158,6 +158,22 @@
       </a:defRPr>
     </a:lvl9pPr>
   </p:defaultTextStyle>
+  <p:extLst>
+    <p:ext uri="{EFAFB233-063F-42B5-8137-9DF3F51BA10A}">
+      <p15:sldGuideLst xmlns:p15="http://schemas.microsoft.com/office/powerpoint/2012/main">
+        <p15:guide id="1" orient="horz" pos="2160">
+          <p15:clr>
+            <a:srgbClr val="A4A3A4"/>
+          </p15:clr>
+        </p15:guide>
+        <p15:guide id="2" pos="2880">
+          <p15:clr>
+            <a:srgbClr val="A4A3A4"/>
+          </p15:clr>
+        </p15:guide>
+      </p15:sldGuideLst>
+    </p:ext>
+  </p:extLst>
 </p:presentation>
 </file>
 
@@ -243,7 +259,7 @@
           <a:p>
             <a:fld id="{BF231DB7-99AD-B54C-A263-814D8A66CD75}" type="datetimeFigureOut">
               <a:rPr lang="en-US" smtClean="0"/>
-              <a:t>6/1/16</a:t>
+              <a:t>4/2/21</a:t>
             </a:fld>
             <a:endParaRPr lang="en-US"/>
           </a:p>
@@ -307,35 +323,35 @@
           <a:p>
             <a:pPr lvl="0"/>
             <a:r>
-              <a:rPr lang="x-none" smtClean="0"/>
+              <a:rPr lang="x-none"/>
               <a:t>Click to edit Master text styles</a:t>
             </a:r>
           </a:p>
           <a:p>
             <a:pPr lvl="1"/>
             <a:r>
-              <a:rPr lang="x-none" smtClean="0"/>
+              <a:rPr lang="x-none"/>
               <a:t>Second level</a:t>
             </a:r>
           </a:p>
           <a:p>
             <a:pPr lvl="2"/>
             <a:r>
-              <a:rPr lang="x-none" smtClean="0"/>
+              <a:rPr lang="x-none"/>
               <a:t>Third level</a:t>
             </a:r>
           </a:p>
           <a:p>
             <a:pPr lvl="3"/>
             <a:r>
-              <a:rPr lang="x-none" smtClean="0"/>
+              <a:rPr lang="x-none"/>
               <a:t>Fourth level</a:t>
             </a:r>
           </a:p>
           <a:p>
             <a:pPr lvl="4"/>
             <a:r>
-              <a:rPr lang="x-none" smtClean="0"/>
+              <a:rPr lang="x-none"/>
               <a:t>Fifth level</a:t>
             </a:r>
             <a:endParaRPr lang="en-US"/>
@@ -2733,10 +2749,9 @@
           <a:lstStyle/>
           <a:p>
             <a:r>
-              <a:rPr lang="en-US" smtClean="0"/>
+              <a:rPr lang="en-US"/>
               <a:t>Click to edit Master title style</a:t>
             </a:r>
-            <a:endParaRPr lang="en-US"/>
           </a:p>
         </p:txBody>
       </p:sp>
@@ -2852,10 +2867,9 @@
           </a:lstStyle>
           <a:p>
             <a:r>
-              <a:rPr lang="en-US" smtClean="0"/>
+              <a:rPr lang="en-US"/>
               <a:t>Click to edit Master subtitle style</a:t>
             </a:r>
-            <a:endParaRPr lang="en-US"/>
           </a:p>
         </p:txBody>
       </p:sp>
@@ -2876,7 +2890,7 @@
           <a:p>
             <a:fld id="{F37D3E6C-FAA7-4417-ACE7-35D2F9A430A8}" type="datetimeFigureOut">
               <a:rPr lang="en-US" smtClean="0"/>
-              <a:t>6/1/16</a:t>
+              <a:t>4/2/21</a:t>
             </a:fld>
             <a:endParaRPr lang="en-US"/>
           </a:p>
@@ -2965,10 +2979,9 @@
           <a:lstStyle/>
           <a:p>
             <a:r>
-              <a:rPr lang="en-US" smtClean="0"/>
+              <a:rPr lang="en-US"/>
               <a:t>Click to edit Master title style</a:t>
             </a:r>
-            <a:endParaRPr lang="en-US"/>
           </a:p>
         </p:txBody>
       </p:sp>
@@ -2989,38 +3002,37 @@
           <a:p>
             <a:pPr lvl="0"/>
             <a:r>
-              <a:rPr lang="en-US" smtClean="0"/>
+              <a:rPr lang="en-US"/>
               <a:t>Click to edit Master text styles</a:t>
             </a:r>
           </a:p>
           <a:p>
             <a:pPr lvl="1"/>
             <a:r>
-              <a:rPr lang="en-US" smtClean="0"/>
+              <a:rPr lang="en-US"/>
               <a:t>Second level</a:t>
             </a:r>
           </a:p>
           <a:p>
             <a:pPr lvl="2"/>
             <a:r>
-              <a:rPr lang="en-US" smtClean="0"/>
+              <a:rPr lang="en-US"/>
               <a:t>Third level</a:t>
             </a:r>
           </a:p>
           <a:p>
             <a:pPr lvl="3"/>
             <a:r>
-              <a:rPr lang="en-US" smtClean="0"/>
+              <a:rPr lang="en-US"/>
               <a:t>Fourth level</a:t>
             </a:r>
           </a:p>
           <a:p>
             <a:pPr lvl="4"/>
             <a:r>
-              <a:rPr lang="en-US" smtClean="0"/>
+              <a:rPr lang="en-US"/>
               <a:t>Fifth level</a:t>
             </a:r>
-            <a:endParaRPr lang="en-US"/>
           </a:p>
         </p:txBody>
       </p:sp>
@@ -3041,7 +3053,7 @@
           <a:p>
             <a:fld id="{F37D3E6C-FAA7-4417-ACE7-35D2F9A430A8}" type="datetimeFigureOut">
               <a:rPr lang="en-US" smtClean="0"/>
-              <a:t>6/1/16</a:t>
+              <a:t>4/2/21</a:t>
             </a:fld>
             <a:endParaRPr lang="en-US"/>
           </a:p>
@@ -3135,10 +3147,9 @@
           <a:lstStyle/>
           <a:p>
             <a:r>
-              <a:rPr lang="en-US" smtClean="0"/>
+              <a:rPr lang="en-US"/>
               <a:t>Click to edit Master title style</a:t>
             </a:r>
-            <a:endParaRPr lang="en-US"/>
           </a:p>
         </p:txBody>
       </p:sp>
@@ -3164,38 +3175,37 @@
           <a:p>
             <a:pPr lvl="0"/>
             <a:r>
-              <a:rPr lang="en-US" smtClean="0"/>
+              <a:rPr lang="en-US"/>
               <a:t>Click to edit Master text styles</a:t>
             </a:r>
           </a:p>
           <a:p>
             <a:pPr lvl="1"/>
             <a:r>
-              <a:rPr lang="en-US" smtClean="0"/>
+              <a:rPr lang="en-US"/>
               <a:t>Second level</a:t>
             </a:r>
           </a:p>
           <a:p>
             <a:pPr lvl="2"/>
             <a:r>
-              <a:rPr lang="en-US" smtClean="0"/>
+              <a:rPr lang="en-US"/>
               <a:t>Third level</a:t>
             </a:r>
           </a:p>
           <a:p>
             <a:pPr lvl="3"/>
             <a:r>
-              <a:rPr lang="en-US" smtClean="0"/>
+              <a:rPr lang="en-US"/>
               <a:t>Fourth level</a:t>
             </a:r>
           </a:p>
           <a:p>
             <a:pPr lvl="4"/>
             <a:r>
-              <a:rPr lang="en-US" smtClean="0"/>
+              <a:rPr lang="en-US"/>
               <a:t>Fifth level</a:t>
             </a:r>
-            <a:endParaRPr lang="en-US"/>
           </a:p>
         </p:txBody>
       </p:sp>
@@ -3216,7 +3226,7 @@
           <a:p>
             <a:fld id="{F37D3E6C-FAA7-4417-ACE7-35D2F9A430A8}" type="datetimeFigureOut">
               <a:rPr lang="en-US" smtClean="0"/>
-              <a:t>6/1/16</a:t>
+              <a:t>4/2/21</a:t>
             </a:fld>
             <a:endParaRPr lang="en-US"/>
           </a:p>
@@ -3305,10 +3315,9 @@
           <a:lstStyle/>
           <a:p>
             <a:r>
-              <a:rPr lang="en-US" smtClean="0"/>
+              <a:rPr lang="en-US"/>
               <a:t>Click to edit Master title style</a:t>
             </a:r>
-            <a:endParaRPr lang="en-US"/>
           </a:p>
         </p:txBody>
       </p:sp>
@@ -3329,38 +3338,37 @@
           <a:p>
             <a:pPr lvl="0"/>
             <a:r>
-              <a:rPr lang="en-US" smtClean="0"/>
+              <a:rPr lang="en-US"/>
               <a:t>Click to edit Master text styles</a:t>
             </a:r>
           </a:p>
           <a:p>
             <a:pPr lvl="1"/>
             <a:r>
-              <a:rPr lang="en-US" smtClean="0"/>
+              <a:rPr lang="en-US"/>
               <a:t>Second level</a:t>
             </a:r>
           </a:p>
           <a:p>
             <a:pPr lvl="2"/>
             <a:r>
-              <a:rPr lang="en-US" smtClean="0"/>
+              <a:rPr lang="en-US"/>
               <a:t>Third level</a:t>
             </a:r>
           </a:p>
           <a:p>
             <a:pPr lvl="3"/>
             <a:r>
-              <a:rPr lang="en-US" smtClean="0"/>
+              <a:rPr lang="en-US"/>
               <a:t>Fourth level</a:t>
             </a:r>
           </a:p>
           <a:p>
             <a:pPr lvl="4"/>
             <a:r>
-              <a:rPr lang="en-US" smtClean="0"/>
+              <a:rPr lang="en-US"/>
               <a:t>Fifth level</a:t>
             </a:r>
-            <a:endParaRPr lang="en-US"/>
           </a:p>
         </p:txBody>
       </p:sp>
@@ -3381,7 +3389,7 @@
           <a:p>
             <a:fld id="{F37D3E6C-FAA7-4417-ACE7-35D2F9A430A8}" type="datetimeFigureOut">
               <a:rPr lang="en-US" smtClean="0"/>
-              <a:t>6/1/16</a:t>
+              <a:t>4/2/21</a:t>
             </a:fld>
             <a:endParaRPr lang="en-US"/>
           </a:p>
@@ -3479,10 +3487,9 @@
           </a:lstStyle>
           <a:p>
             <a:r>
-              <a:rPr lang="en-US" smtClean="0"/>
+              <a:rPr lang="en-US"/>
               <a:t>Click to edit Master title style</a:t>
             </a:r>
-            <a:endParaRPr lang="en-US"/>
           </a:p>
         </p:txBody>
       </p:sp>
@@ -3599,7 +3606,7 @@
           <a:p>
             <a:pPr lvl="0"/>
             <a:r>
-              <a:rPr lang="en-US" smtClean="0"/>
+              <a:rPr lang="en-US"/>
               <a:t>Click to edit Master text styles</a:t>
             </a:r>
           </a:p>
@@ -3622,7 +3629,7 @@
           <a:p>
             <a:fld id="{F37D3E6C-FAA7-4417-ACE7-35D2F9A430A8}" type="datetimeFigureOut">
               <a:rPr lang="en-US" smtClean="0"/>
-              <a:t>6/1/16</a:t>
+              <a:t>4/2/21</a:t>
             </a:fld>
             <a:endParaRPr lang="en-US"/>
           </a:p>
@@ -3711,10 +3718,9 @@
           <a:lstStyle/>
           <a:p>
             <a:r>
-              <a:rPr lang="en-US" smtClean="0"/>
+              <a:rPr lang="en-US"/>
               <a:t>Click to edit Master title style</a:t>
             </a:r>
-            <a:endParaRPr lang="en-US"/>
           </a:p>
         </p:txBody>
       </p:sp>
@@ -3768,38 +3774,37 @@
           <a:p>
             <a:pPr lvl="0"/>
             <a:r>
-              <a:rPr lang="en-US" smtClean="0"/>
+              <a:rPr lang="en-US"/>
               <a:t>Click to edit Master text styles</a:t>
             </a:r>
           </a:p>
           <a:p>
             <a:pPr lvl="1"/>
             <a:r>
-              <a:rPr lang="en-US" smtClean="0"/>
+              <a:rPr lang="en-US"/>
               <a:t>Second level</a:t>
             </a:r>
           </a:p>
           <a:p>
             <a:pPr lvl="2"/>
             <a:r>
-              <a:rPr lang="en-US" smtClean="0"/>
+              <a:rPr lang="en-US"/>
               <a:t>Third level</a:t>
             </a:r>
           </a:p>
           <a:p>
             <a:pPr lvl="3"/>
             <a:r>
-              <a:rPr lang="en-US" smtClean="0"/>
+              <a:rPr lang="en-US"/>
               <a:t>Fourth level</a:t>
             </a:r>
           </a:p>
           <a:p>
             <a:pPr lvl="4"/>
             <a:r>
-              <a:rPr lang="en-US" smtClean="0"/>
+              <a:rPr lang="en-US"/>
               <a:t>Fifth level</a:t>
             </a:r>
-            <a:endParaRPr lang="en-US"/>
           </a:p>
         </p:txBody>
       </p:sp>
@@ -3853,38 +3858,37 @@
           <a:p>
             <a:pPr lvl="0"/>
             <a:r>
-              <a:rPr lang="en-US" smtClean="0"/>
+              <a:rPr lang="en-US"/>
               <a:t>Click to edit Master text styles</a:t>
             </a:r>
           </a:p>
           <a:p>
             <a:pPr lvl="1"/>
             <a:r>
-              <a:rPr lang="en-US" smtClean="0"/>
+              <a:rPr lang="en-US"/>
               <a:t>Second level</a:t>
             </a:r>
           </a:p>
           <a:p>
             <a:pPr lvl="2"/>
             <a:r>
-              <a:rPr lang="en-US" smtClean="0"/>
+              <a:rPr lang="en-US"/>
               <a:t>Third level</a:t>
             </a:r>
           </a:p>
           <a:p>
             <a:pPr lvl="3"/>
             <a:r>
-              <a:rPr lang="en-US" smtClean="0"/>
+              <a:rPr lang="en-US"/>
               <a:t>Fourth level</a:t>
             </a:r>
           </a:p>
           <a:p>
             <a:pPr lvl="4"/>
             <a:r>
-              <a:rPr lang="en-US" smtClean="0"/>
+              <a:rPr lang="en-US"/>
               <a:t>Fifth level</a:t>
             </a:r>
-            <a:endParaRPr lang="en-US"/>
           </a:p>
         </p:txBody>
       </p:sp>
@@ -3905,7 +3909,7 @@
           <a:p>
             <a:fld id="{F37D3E6C-FAA7-4417-ACE7-35D2F9A430A8}" type="datetimeFigureOut">
               <a:rPr lang="en-US" smtClean="0"/>
-              <a:t>6/1/16</a:t>
+              <a:t>4/2/21</a:t>
             </a:fld>
             <a:endParaRPr lang="en-US"/>
           </a:p>
@@ -3998,10 +4002,9 @@
           </a:lstStyle>
           <a:p>
             <a:r>
-              <a:rPr lang="en-US" smtClean="0"/>
+              <a:rPr lang="en-US"/>
               <a:t>Click to edit Master title style</a:t>
             </a:r>
-            <a:endParaRPr lang="en-US"/>
           </a:p>
         </p:txBody>
       </p:sp>
@@ -4064,7 +4067,7 @@
           <a:p>
             <a:pPr lvl="0"/>
             <a:r>
-              <a:rPr lang="en-US" smtClean="0"/>
+              <a:rPr lang="en-US"/>
               <a:t>Click to edit Master text styles</a:t>
             </a:r>
           </a:p>
@@ -4120,38 +4123,37 @@
           <a:p>
             <a:pPr lvl="0"/>
             <a:r>
-              <a:rPr lang="en-US" smtClean="0"/>
+              <a:rPr lang="en-US"/>
               <a:t>Click to edit Master text styles</a:t>
             </a:r>
           </a:p>
           <a:p>
             <a:pPr lvl="1"/>
             <a:r>
-              <a:rPr lang="en-US" smtClean="0"/>
+              <a:rPr lang="en-US"/>
               <a:t>Second level</a:t>
             </a:r>
           </a:p>
           <a:p>
             <a:pPr lvl="2"/>
             <a:r>
-              <a:rPr lang="en-US" smtClean="0"/>
+              <a:rPr lang="en-US"/>
               <a:t>Third level</a:t>
             </a:r>
           </a:p>
           <a:p>
             <a:pPr lvl="3"/>
             <a:r>
-              <a:rPr lang="en-US" smtClean="0"/>
+              <a:rPr lang="en-US"/>
               <a:t>Fourth level</a:t>
             </a:r>
           </a:p>
           <a:p>
             <a:pPr lvl="4"/>
             <a:r>
-              <a:rPr lang="en-US" smtClean="0"/>
+              <a:rPr lang="en-US"/>
               <a:t>Fifth level</a:t>
             </a:r>
-            <a:endParaRPr lang="en-US"/>
           </a:p>
         </p:txBody>
       </p:sp>
@@ -4214,7 +4216,7 @@
           <a:p>
             <a:pPr lvl="0"/>
             <a:r>
-              <a:rPr lang="en-US" smtClean="0"/>
+              <a:rPr lang="en-US"/>
               <a:t>Click to edit Master text styles</a:t>
             </a:r>
           </a:p>
@@ -4270,38 +4272,37 @@
           <a:p>
             <a:pPr lvl="0"/>
             <a:r>
-              <a:rPr lang="en-US" smtClean="0"/>
+              <a:rPr lang="en-US"/>
               <a:t>Click to edit Master text styles</a:t>
             </a:r>
           </a:p>
           <a:p>
             <a:pPr lvl="1"/>
             <a:r>
-              <a:rPr lang="en-US" smtClean="0"/>
+              <a:rPr lang="en-US"/>
               <a:t>Second level</a:t>
             </a:r>
           </a:p>
           <a:p>
             <a:pPr lvl="2"/>
             <a:r>
-              <a:rPr lang="en-US" smtClean="0"/>
+              <a:rPr lang="en-US"/>
               <a:t>Third level</a:t>
             </a:r>
           </a:p>
           <a:p>
             <a:pPr lvl="3"/>
             <a:r>
-              <a:rPr lang="en-US" smtClean="0"/>
+              <a:rPr lang="en-US"/>
               <a:t>Fourth level</a:t>
             </a:r>
           </a:p>
           <a:p>
             <a:pPr lvl="4"/>
             <a:r>
-              <a:rPr lang="en-US" smtClean="0"/>
+              <a:rPr lang="en-US"/>
               <a:t>Fifth level</a:t>
             </a:r>
-            <a:endParaRPr lang="en-US"/>
           </a:p>
         </p:txBody>
       </p:sp>
@@ -4322,7 +4323,7 @@
           <a:p>
             <a:fld id="{F37D3E6C-FAA7-4417-ACE7-35D2F9A430A8}" type="datetimeFigureOut">
               <a:rPr lang="en-US" smtClean="0"/>
-              <a:t>6/1/16</a:t>
+              <a:t>4/2/21</a:t>
             </a:fld>
             <a:endParaRPr lang="en-US"/>
           </a:p>
@@ -4411,10 +4412,9 @@
           <a:lstStyle/>
           <a:p>
             <a:r>
-              <a:rPr lang="en-US" smtClean="0"/>
+              <a:rPr lang="en-US"/>
               <a:t>Click to edit Master title style</a:t>
             </a:r>
-            <a:endParaRPr lang="en-US"/>
           </a:p>
         </p:txBody>
       </p:sp>
@@ -4435,7 +4435,7 @@
           <a:p>
             <a:fld id="{F37D3E6C-FAA7-4417-ACE7-35D2F9A430A8}" type="datetimeFigureOut">
               <a:rPr lang="en-US" smtClean="0"/>
-              <a:t>6/1/16</a:t>
+              <a:t>4/2/21</a:t>
             </a:fld>
             <a:endParaRPr lang="en-US"/>
           </a:p>
@@ -4525,7 +4525,7 @@
           <a:p>
             <a:fld id="{F37D3E6C-FAA7-4417-ACE7-35D2F9A430A8}" type="datetimeFigureOut">
               <a:rPr lang="en-US" smtClean="0"/>
-              <a:t>6/1/16</a:t>
+              <a:t>4/2/21</a:t>
             </a:fld>
             <a:endParaRPr lang="en-US"/>
           </a:p>
@@ -4623,10 +4623,9 @@
           </a:lstStyle>
           <a:p>
             <a:r>
-              <a:rPr lang="en-US" smtClean="0"/>
+              <a:rPr lang="en-US"/>
               <a:t>Click to edit Master title style</a:t>
             </a:r>
-            <a:endParaRPr lang="en-US"/>
           </a:p>
         </p:txBody>
       </p:sp>
@@ -4680,38 +4679,37 @@
           <a:p>
             <a:pPr lvl="0"/>
             <a:r>
-              <a:rPr lang="en-US" smtClean="0"/>
+              <a:rPr lang="en-US"/>
               <a:t>Click to edit Master text styles</a:t>
             </a:r>
           </a:p>
           <a:p>
             <a:pPr lvl="1"/>
             <a:r>
-              <a:rPr lang="en-US" smtClean="0"/>
+              <a:rPr lang="en-US"/>
               <a:t>Second level</a:t>
             </a:r>
           </a:p>
           <a:p>
             <a:pPr lvl="2"/>
             <a:r>
-              <a:rPr lang="en-US" smtClean="0"/>
+              <a:rPr lang="en-US"/>
               <a:t>Third level</a:t>
             </a:r>
           </a:p>
           <a:p>
             <a:pPr lvl="3"/>
             <a:r>
-              <a:rPr lang="en-US" smtClean="0"/>
+              <a:rPr lang="en-US"/>
               <a:t>Fourth level</a:t>
             </a:r>
           </a:p>
           <a:p>
             <a:pPr lvl="4"/>
             <a:r>
-              <a:rPr lang="en-US" smtClean="0"/>
+              <a:rPr lang="en-US"/>
               <a:t>Fifth level</a:t>
             </a:r>
-            <a:endParaRPr lang="en-US"/>
           </a:p>
         </p:txBody>
       </p:sp>
@@ -4774,7 +4772,7 @@
           <a:p>
             <a:pPr lvl="0"/>
             <a:r>
-              <a:rPr lang="en-US" smtClean="0"/>
+              <a:rPr lang="en-US"/>
               <a:t>Click to edit Master text styles</a:t>
             </a:r>
           </a:p>
@@ -4797,7 +4795,7 @@
           <a:p>
             <a:fld id="{F37D3E6C-FAA7-4417-ACE7-35D2F9A430A8}" type="datetimeFigureOut">
               <a:rPr lang="en-US" smtClean="0"/>
-              <a:t>6/1/16</a:t>
+              <a:t>4/2/21</a:t>
             </a:fld>
             <a:endParaRPr lang="en-US"/>
           </a:p>
@@ -4895,10 +4893,9 @@
           </a:lstStyle>
           <a:p>
             <a:r>
-              <a:rPr lang="en-US" smtClean="0"/>
+              <a:rPr lang="en-US"/>
               <a:t>Click to edit Master title style</a:t>
             </a:r>
-            <a:endParaRPr lang="en-US"/>
           </a:p>
         </p:txBody>
       </p:sp>
@@ -5022,7 +5019,7 @@
           <a:p>
             <a:pPr lvl="0"/>
             <a:r>
-              <a:rPr lang="en-US" smtClean="0"/>
+              <a:rPr lang="en-US"/>
               <a:t>Click to edit Master text styles</a:t>
             </a:r>
           </a:p>
@@ -5045,7 +5042,7 @@
           <a:p>
             <a:fld id="{F37D3E6C-FAA7-4417-ACE7-35D2F9A430A8}" type="datetimeFigureOut">
               <a:rPr lang="en-US" smtClean="0"/>
-              <a:t>6/1/16</a:t>
+              <a:t>4/2/21</a:t>
             </a:fld>
             <a:endParaRPr lang="en-US"/>
           </a:p>
@@ -5149,10 +5146,9 @@
           <a:lstStyle/>
           <a:p>
             <a:r>
-              <a:rPr lang="en-US" smtClean="0"/>
+              <a:rPr lang="en-US"/>
               <a:t>Click to edit Master title style</a:t>
             </a:r>
-            <a:endParaRPr lang="en-US"/>
           </a:p>
         </p:txBody>
       </p:sp>
@@ -5183,38 +5179,37 @@
           <a:p>
             <a:pPr lvl="0"/>
             <a:r>
-              <a:rPr lang="en-US" smtClean="0"/>
+              <a:rPr lang="en-US"/>
               <a:t>Click to edit Master text styles</a:t>
             </a:r>
           </a:p>
           <a:p>
             <a:pPr lvl="1"/>
             <a:r>
-              <a:rPr lang="en-US" smtClean="0"/>
+              <a:rPr lang="en-US"/>
               <a:t>Second level</a:t>
             </a:r>
           </a:p>
           <a:p>
             <a:pPr lvl="2"/>
             <a:r>
-              <a:rPr lang="en-US" smtClean="0"/>
+              <a:rPr lang="en-US"/>
               <a:t>Third level</a:t>
             </a:r>
           </a:p>
           <a:p>
             <a:pPr lvl="3"/>
             <a:r>
-              <a:rPr lang="en-US" smtClean="0"/>
+              <a:rPr lang="en-US"/>
               <a:t>Fourth level</a:t>
             </a:r>
           </a:p>
           <a:p>
             <a:pPr lvl="4"/>
             <a:r>
-              <a:rPr lang="en-US" smtClean="0"/>
+              <a:rPr lang="en-US"/>
               <a:t>Fifth level</a:t>
             </a:r>
-            <a:endParaRPr lang="en-US"/>
           </a:p>
         </p:txBody>
       </p:sp>
@@ -5253,7 +5248,7 @@
           <a:p>
             <a:fld id="{F37D3E6C-FAA7-4417-ACE7-35D2F9A430A8}" type="datetimeFigureOut">
               <a:rPr lang="en-US" smtClean="0"/>
-              <a:t>6/1/16</a:t>
+              <a:t>4/2/21</a:t>
             </a:fld>
             <a:endParaRPr lang="en-US"/>
           </a:p>
@@ -5744,7 +5739,7 @@
               <a:t> &lt;= </a:t>
             </a:r>
             <a:r>
-              <a:rPr lang="da-DK" sz="3600" b="1" dirty="0" smtClean="0">
+              <a:rPr lang="da-DK" sz="3600" b="1" dirty="0">
                 <a:solidFill>
                   <a:srgbClr val="FF3300"/>
                 </a:solidFill>
@@ -5753,7 +5748,7 @@
               <a:t>6</a:t>
             </a:r>
             <a:r>
-              <a:rPr lang="da-DK" sz="3600" b="1" dirty="0" smtClean="0">
+              <a:rPr lang="da-DK" sz="3600" b="1" dirty="0">
                 <a:solidFill>
                   <a:srgbClr val="000000"/>
                 </a:solidFill>
@@ -5782,7 +5777,7 @@
           </a:p>
           <a:p>
             <a:r>
-              <a:rPr lang="da-DK" sz="3600" dirty="0" smtClean="0">
+              <a:rPr lang="da-DK" sz="3600" dirty="0">
                 <a:solidFill>
                   <a:srgbClr val="000000"/>
                 </a:solidFill>
@@ -5801,7 +5796,7 @@
           </a:p>
           <a:p>
             <a:r>
-              <a:rPr lang="de-DE" sz="3600" dirty="0" smtClean="0">
+              <a:rPr lang="de-DE" sz="3600" dirty="0">
                 <a:solidFill>
                   <a:srgbClr val="000000"/>
                 </a:solidFill>
@@ -5813,7 +5808,7 @@
           </a:p>
           <a:p>
             <a:r>
-              <a:rPr lang="da-DK" sz="3600" dirty="0" smtClean="0">
+              <a:rPr lang="da-DK" sz="3600" dirty="0">
                 <a:solidFill>
                   <a:srgbClr val="000000"/>
                 </a:solidFill>
@@ -5830,14 +5825,7 @@
   <p:clrMapOvr>
     <a:masterClrMapping/>
   </p:clrMapOvr>
-  <p:transition xmlns:p14="http://schemas.microsoft.com/office/powerpoint/2010/main" advClick="0"/>
-  <p:timing>
-    <p:tnLst>
-      <p:par>
-        <p:cTn xmlns:p14="http://schemas.microsoft.com/office/powerpoint/2010/main" id="1" dur="indefinite" restart="never" nodeType="tmRoot"/>
-      </p:par>
-    </p:tnLst>
-  </p:timing>
+  <p:transition advClick="0"/>
 </p:sld>
 </file>
 
@@ -5882,49 +5870,25 @@
                 </a:solidFill>
                 <a:latin typeface="Arial"/>
               </a:rPr>
-              <a:t>d</a:t>
-            </a:r>
-            <a:r>
-              <a:rPr lang="en-US" sz="4000" dirty="0" smtClean="0">
+              <a:t>do nothing</a:t>
+            </a:r>
+            <a:br>
+              <a:rPr lang="en-US" sz="8000" dirty="0">
                 <a:solidFill>
                   <a:srgbClr val="FF3B3B"/>
                 </a:solidFill>
                 <a:latin typeface="Arial"/>
               </a:rPr>
-              <a:t>o nothing</a:t>
-            </a:r>
-            <a:r>
-              <a:rPr lang="en-US" sz="8000" dirty="0" smtClean="0">
+            </a:br>
+            <a:r>
+              <a:rPr lang="en-US" sz="8000" dirty="0">
                 <a:solidFill>
                   <a:srgbClr val="FF3B3B"/>
                 </a:solidFill>
                 <a:latin typeface="Arial"/>
               </a:rPr>
-              <a:t/>
-            </a:r>
-            <a:br>
-              <a:rPr lang="en-US" sz="8000" dirty="0" smtClean="0">
-                <a:solidFill>
-                  <a:srgbClr val="FF3B3B"/>
-                </a:solidFill>
-                <a:latin typeface="Arial"/>
-              </a:rPr>
-            </a:br>
-            <a:r>
-              <a:rPr lang="en-US" sz="8000" dirty="0" smtClean="0">
-                <a:solidFill>
-                  <a:srgbClr val="FF3B3B"/>
-                </a:solidFill>
-                <a:latin typeface="Arial"/>
-              </a:rPr>
               <a:t>7 Times</a:t>
             </a:r>
-            <a:endParaRPr lang="en-US" sz="8000" dirty="0">
-              <a:solidFill>
-                <a:srgbClr val="FF3B3B"/>
-              </a:solidFill>
-              <a:latin typeface="Arial"/>
-            </a:endParaRPr>
           </a:p>
         </p:txBody>
       </p:sp>
@@ -5957,14 +5921,7 @@
   <p:clrMapOvr>
     <a:masterClrMapping/>
   </p:clrMapOvr>
-  <p:transition xmlns:p14="http://schemas.microsoft.com/office/powerpoint/2010/main" advTm="1500"/>
-  <p:timing>
-    <p:tnLst>
-      <p:par>
-        <p:cTn xmlns:p14="http://schemas.microsoft.com/office/powerpoint/2010/main" id="1" dur="indefinite" restart="never" nodeType="tmRoot"/>
-      </p:par>
-    </p:tnLst>
-  </p:timing>
+  <p:transition advTm="1500"/>
 </p:sld>
 </file>
 
@@ -6098,7 +6055,7 @@
               <a:t> &lt;= </a:t>
             </a:r>
             <a:r>
-              <a:rPr lang="da-DK" sz="3600" b="1" dirty="0" smtClean="0">
+              <a:rPr lang="da-DK" sz="3600" b="1" dirty="0">
                 <a:solidFill>
                   <a:srgbClr val="FF3300"/>
                 </a:solidFill>
@@ -6107,7 +6064,7 @@
               <a:t>11</a:t>
             </a:r>
             <a:r>
-              <a:rPr lang="da-DK" sz="3600" b="1" dirty="0" smtClean="0">
+              <a:rPr lang="da-DK" sz="3600" b="1" dirty="0">
                 <a:solidFill>
                   <a:srgbClr val="000000"/>
                 </a:solidFill>
@@ -6136,7 +6093,7 @@
           </a:p>
           <a:p>
             <a:r>
-              <a:rPr lang="da-DK" sz="3600" dirty="0" smtClean="0">
+              <a:rPr lang="da-DK" sz="3600" dirty="0">
                 <a:solidFill>
                   <a:srgbClr val="000000"/>
                 </a:solidFill>
@@ -6155,7 +6112,7 @@
           </a:p>
           <a:p>
             <a:r>
-              <a:rPr lang="de-DE" sz="3600" dirty="0" smtClean="0">
+              <a:rPr lang="de-DE" sz="3600" dirty="0">
                 <a:solidFill>
                   <a:srgbClr val="000000"/>
                 </a:solidFill>
@@ -6167,7 +6124,7 @@
           </a:p>
           <a:p>
             <a:r>
-              <a:rPr lang="da-DK" sz="3600" dirty="0" smtClean="0">
+              <a:rPr lang="da-DK" sz="3600" dirty="0">
                 <a:solidFill>
                   <a:srgbClr val="000000"/>
                 </a:solidFill>
@@ -6189,14 +6146,7 @@
   <p:clrMapOvr>
     <a:masterClrMapping/>
   </p:clrMapOvr>
-  <p:transition xmlns:p14="http://schemas.microsoft.com/office/powerpoint/2010/main" advTm="3000"/>
-  <p:timing>
-    <p:tnLst>
-      <p:par>
-        <p:cTn xmlns:p14="http://schemas.microsoft.com/office/powerpoint/2010/main" id="1" dur="indefinite" restart="never" nodeType="tmRoot"/>
-      </p:par>
-    </p:tnLst>
-  </p:timing>
+  <p:transition advTm="3000"/>
 </p:sld>
 </file>
 
@@ -6241,49 +6191,25 @@
                 </a:solidFill>
                 <a:latin typeface="Arial"/>
               </a:rPr>
-              <a:t>d</a:t>
-            </a:r>
-            <a:r>
-              <a:rPr lang="en-US" sz="4000" dirty="0" smtClean="0">
+              <a:t>do nothing</a:t>
+            </a:r>
+            <a:br>
+              <a:rPr lang="en-US" sz="8000" dirty="0">
                 <a:solidFill>
                   <a:srgbClr val="FF3B3B"/>
                 </a:solidFill>
                 <a:latin typeface="Arial"/>
               </a:rPr>
-              <a:t>o nothing</a:t>
-            </a:r>
-            <a:r>
-              <a:rPr lang="en-US" sz="8000" dirty="0" smtClean="0">
+            </a:br>
+            <a:r>
+              <a:rPr lang="en-US" sz="8000" dirty="0">
                 <a:solidFill>
                   <a:srgbClr val="FF3B3B"/>
                 </a:solidFill>
                 <a:latin typeface="Arial"/>
               </a:rPr>
-              <a:t/>
-            </a:r>
-            <a:br>
-              <a:rPr lang="en-US" sz="8000" dirty="0" smtClean="0">
-                <a:solidFill>
-                  <a:srgbClr val="FF3B3B"/>
-                </a:solidFill>
-                <a:latin typeface="Arial"/>
-              </a:rPr>
-            </a:br>
-            <a:r>
-              <a:rPr lang="en-US" sz="8000" dirty="0" smtClean="0">
-                <a:solidFill>
-                  <a:srgbClr val="FF3B3B"/>
-                </a:solidFill>
-                <a:latin typeface="Arial"/>
-              </a:rPr>
               <a:t>11 Times</a:t>
             </a:r>
-            <a:endParaRPr lang="en-US" sz="8000" dirty="0">
-              <a:solidFill>
-                <a:srgbClr val="FF3B3B"/>
-              </a:solidFill>
-              <a:latin typeface="Arial"/>
-            </a:endParaRPr>
           </a:p>
         </p:txBody>
       </p:sp>
@@ -6316,14 +6242,7 @@
   <p:clrMapOvr>
     <a:masterClrMapping/>
   </p:clrMapOvr>
-  <p:transition xmlns:p14="http://schemas.microsoft.com/office/powerpoint/2010/main" advTm="1500"/>
-  <p:timing>
-    <p:tnLst>
-      <p:par>
-        <p:cTn xmlns:p14="http://schemas.microsoft.com/office/powerpoint/2010/main" id="1" dur="indefinite" restart="never" nodeType="tmRoot"/>
-      </p:par>
-    </p:tnLst>
-  </p:timing>
+  <p:transition advTm="1500"/>
 </p:sld>
 </file>
 
@@ -6466,7 +6385,7 @@
               <a:t>5</a:t>
             </a:r>
             <a:r>
-              <a:rPr lang="da-DK" sz="3600" b="1" dirty="0" smtClean="0">
+              <a:rPr lang="da-DK" sz="3600" b="1" dirty="0">
                 <a:solidFill>
                   <a:srgbClr val="000000"/>
                 </a:solidFill>
@@ -6495,7 +6414,7 @@
           </a:p>
           <a:p>
             <a:r>
-              <a:rPr lang="da-DK" sz="3600" dirty="0" smtClean="0">
+              <a:rPr lang="da-DK" sz="3600" dirty="0">
                 <a:solidFill>
                   <a:srgbClr val="000000"/>
                 </a:solidFill>
@@ -6514,7 +6433,7 @@
           </a:p>
           <a:p>
             <a:r>
-              <a:rPr lang="de-DE" sz="3600" dirty="0" smtClean="0">
+              <a:rPr lang="de-DE" sz="3600" dirty="0">
                 <a:solidFill>
                   <a:srgbClr val="000000"/>
                 </a:solidFill>
@@ -6526,7 +6445,7 @@
           </a:p>
           <a:p>
             <a:r>
-              <a:rPr lang="da-DK" sz="3600" dirty="0" smtClean="0">
+              <a:rPr lang="da-DK" sz="3600" dirty="0">
                 <a:solidFill>
                   <a:srgbClr val="000000"/>
                 </a:solidFill>
@@ -6548,14 +6467,7 @@
   <p:clrMapOvr>
     <a:masterClrMapping/>
   </p:clrMapOvr>
-  <p:transition xmlns:p14="http://schemas.microsoft.com/office/powerpoint/2010/main" advTm="3000"/>
-  <p:timing>
-    <p:tnLst>
-      <p:par>
-        <p:cTn xmlns:p14="http://schemas.microsoft.com/office/powerpoint/2010/main" id="1" dur="indefinite" restart="never" nodeType="tmRoot"/>
-      </p:par>
-    </p:tnLst>
-  </p:timing>
+  <p:transition advTm="3000"/>
 </p:sld>
 </file>
 
@@ -6600,49 +6512,25 @@
                 </a:solidFill>
                 <a:latin typeface="Arial"/>
               </a:rPr>
-              <a:t>d</a:t>
-            </a:r>
-            <a:r>
-              <a:rPr lang="en-US" sz="4000" dirty="0" smtClean="0">
+              <a:t>do nothing</a:t>
+            </a:r>
+            <a:br>
+              <a:rPr lang="en-US" sz="8000" dirty="0">
                 <a:solidFill>
                   <a:srgbClr val="FF3B3B"/>
                 </a:solidFill>
                 <a:latin typeface="Arial"/>
               </a:rPr>
-              <a:t>o nothing</a:t>
-            </a:r>
-            <a:r>
-              <a:rPr lang="en-US" sz="8000" dirty="0" smtClean="0">
+            </a:br>
+            <a:r>
+              <a:rPr lang="en-US" sz="8000" dirty="0">
                 <a:solidFill>
                   <a:srgbClr val="FF3B3B"/>
                 </a:solidFill>
                 <a:latin typeface="Arial"/>
               </a:rPr>
-              <a:t/>
-            </a:r>
-            <a:br>
-              <a:rPr lang="en-US" sz="8000" dirty="0" smtClean="0">
-                <a:solidFill>
-                  <a:srgbClr val="FF3B3B"/>
-                </a:solidFill>
-                <a:latin typeface="Arial"/>
-              </a:rPr>
-            </a:br>
-            <a:r>
-              <a:rPr lang="en-US" sz="8000" dirty="0" smtClean="0">
-                <a:solidFill>
-                  <a:srgbClr val="FF3B3B"/>
-                </a:solidFill>
-                <a:latin typeface="Arial"/>
-              </a:rPr>
               <a:t>5 Times</a:t>
             </a:r>
-            <a:endParaRPr lang="en-US" sz="8000" dirty="0">
-              <a:solidFill>
-                <a:srgbClr val="FF3B3B"/>
-              </a:solidFill>
-              <a:latin typeface="Arial"/>
-            </a:endParaRPr>
           </a:p>
         </p:txBody>
       </p:sp>
@@ -6675,14 +6563,7 @@
   <p:clrMapOvr>
     <a:masterClrMapping/>
   </p:clrMapOvr>
-  <p:transition xmlns:p14="http://schemas.microsoft.com/office/powerpoint/2010/main" advTm="1500"/>
-  <p:timing>
-    <p:tnLst>
-      <p:par>
-        <p:cTn xmlns:p14="http://schemas.microsoft.com/office/powerpoint/2010/main" id="1" dur="indefinite" restart="never" nodeType="tmRoot"/>
-      </p:par>
-    </p:tnLst>
-  </p:timing>
+  <p:transition advTm="1500"/>
 </p:sld>
 </file>
 
@@ -6816,7 +6697,7 @@
               <a:t> &lt;= </a:t>
             </a:r>
             <a:r>
-              <a:rPr lang="da-DK" sz="3600" b="1" dirty="0" smtClean="0">
+              <a:rPr lang="da-DK" sz="3600" b="1" dirty="0">
                 <a:solidFill>
                   <a:srgbClr val="FF3300"/>
                 </a:solidFill>
@@ -6825,7 +6706,7 @@
               <a:t>15</a:t>
             </a:r>
             <a:r>
-              <a:rPr lang="da-DK" sz="3600" b="1" dirty="0" smtClean="0">
+              <a:rPr lang="da-DK" sz="3600" b="1" dirty="0">
                 <a:solidFill>
                   <a:srgbClr val="000000"/>
                 </a:solidFill>
@@ -6854,7 +6735,7 @@
           </a:p>
           <a:p>
             <a:r>
-              <a:rPr lang="da-DK" sz="3600" dirty="0" smtClean="0">
+              <a:rPr lang="da-DK" sz="3600" dirty="0">
                 <a:solidFill>
                   <a:srgbClr val="000000"/>
                 </a:solidFill>
@@ -6873,7 +6754,7 @@
           </a:p>
           <a:p>
             <a:r>
-              <a:rPr lang="de-DE" sz="3600" dirty="0" smtClean="0">
+              <a:rPr lang="de-DE" sz="3600" dirty="0">
                 <a:solidFill>
                   <a:srgbClr val="000000"/>
                 </a:solidFill>
@@ -6885,7 +6766,7 @@
           </a:p>
           <a:p>
             <a:r>
-              <a:rPr lang="da-DK" sz="3600" dirty="0" smtClean="0">
+              <a:rPr lang="da-DK" sz="3600" dirty="0">
                 <a:solidFill>
                   <a:srgbClr val="000000"/>
                 </a:solidFill>
@@ -6907,14 +6788,7 @@
   <p:clrMapOvr>
     <a:masterClrMapping/>
   </p:clrMapOvr>
-  <p:transition xmlns:p14="http://schemas.microsoft.com/office/powerpoint/2010/main" advTm="3000"/>
-  <p:timing>
-    <p:tnLst>
-      <p:par>
-        <p:cTn xmlns:p14="http://schemas.microsoft.com/office/powerpoint/2010/main" id="1" dur="indefinite" restart="never" nodeType="tmRoot"/>
-      </p:par>
-    </p:tnLst>
-  </p:timing>
+  <p:transition advTm="3000"/>
 </p:sld>
 </file>
 
@@ -6959,49 +6833,25 @@
                 </a:solidFill>
                 <a:latin typeface="Arial"/>
               </a:rPr>
-              <a:t>d</a:t>
-            </a:r>
-            <a:r>
-              <a:rPr lang="en-US" sz="4000" dirty="0" smtClean="0">
+              <a:t>do nothing</a:t>
+            </a:r>
+            <a:br>
+              <a:rPr lang="en-US" sz="8000" dirty="0">
                 <a:solidFill>
                   <a:srgbClr val="FF3B3B"/>
                 </a:solidFill>
                 <a:latin typeface="Arial"/>
               </a:rPr>
-              <a:t>o nothing</a:t>
-            </a:r>
-            <a:r>
-              <a:rPr lang="en-US" sz="8000" dirty="0" smtClean="0">
+            </a:br>
+            <a:r>
+              <a:rPr lang="en-US" sz="8000" dirty="0">
                 <a:solidFill>
                   <a:srgbClr val="FF3B3B"/>
                 </a:solidFill>
                 <a:latin typeface="Arial"/>
               </a:rPr>
-              <a:t/>
-            </a:r>
-            <a:br>
-              <a:rPr lang="en-US" sz="8000" dirty="0" smtClean="0">
-                <a:solidFill>
-                  <a:srgbClr val="FF3B3B"/>
-                </a:solidFill>
-                <a:latin typeface="Arial"/>
-              </a:rPr>
-            </a:br>
-            <a:r>
-              <a:rPr lang="en-US" sz="8000" dirty="0" smtClean="0">
-                <a:solidFill>
-                  <a:srgbClr val="FF3B3B"/>
-                </a:solidFill>
-                <a:latin typeface="Arial"/>
-              </a:rPr>
               <a:t>15 Times</a:t>
             </a:r>
-            <a:endParaRPr lang="en-US" sz="8000" dirty="0">
-              <a:solidFill>
-                <a:srgbClr val="FF3B3B"/>
-              </a:solidFill>
-              <a:latin typeface="Arial"/>
-            </a:endParaRPr>
           </a:p>
         </p:txBody>
       </p:sp>
@@ -7034,14 +6884,7 @@
   <p:clrMapOvr>
     <a:masterClrMapping/>
   </p:clrMapOvr>
-  <p:transition xmlns:p14="http://schemas.microsoft.com/office/powerpoint/2010/main" advTm="1500"/>
-  <p:timing>
-    <p:tnLst>
-      <p:par>
-        <p:cTn xmlns:p14="http://schemas.microsoft.com/office/powerpoint/2010/main" id="1" dur="indefinite" restart="never" nodeType="tmRoot"/>
-      </p:par>
-    </p:tnLst>
-  </p:timing>
+  <p:transition advTm="1500"/>
 </p:sld>
 </file>
 
@@ -7175,7 +7018,7 @@
               <a:t> &lt;= </a:t>
             </a:r>
             <a:r>
-              <a:rPr lang="da-DK" sz="3600" b="1" dirty="0" smtClean="0">
+              <a:rPr lang="da-DK" sz="3600" b="1" dirty="0">
                 <a:solidFill>
                   <a:srgbClr val="FF3300"/>
                 </a:solidFill>
@@ -7184,7 +7027,7 @@
               <a:t>6</a:t>
             </a:r>
             <a:r>
-              <a:rPr lang="da-DK" sz="3600" b="1" dirty="0" smtClean="0">
+              <a:rPr lang="da-DK" sz="3600" b="1" dirty="0">
                 <a:solidFill>
                   <a:srgbClr val="000000"/>
                 </a:solidFill>
@@ -7213,7 +7056,7 @@
           </a:p>
           <a:p>
             <a:r>
-              <a:rPr lang="da-DK" sz="3600" dirty="0" smtClean="0">
+              <a:rPr lang="da-DK" sz="3600" dirty="0">
                 <a:solidFill>
                   <a:srgbClr val="000000"/>
                 </a:solidFill>
@@ -7232,7 +7075,7 @@
           </a:p>
           <a:p>
             <a:r>
-              <a:rPr lang="de-DE" sz="3600" dirty="0" smtClean="0">
+              <a:rPr lang="de-DE" sz="3600" dirty="0">
                 <a:solidFill>
                   <a:srgbClr val="000000"/>
                 </a:solidFill>
@@ -7244,7 +7087,7 @@
           </a:p>
           <a:p>
             <a:r>
-              <a:rPr lang="da-DK" sz="3600" dirty="0" smtClean="0">
+              <a:rPr lang="da-DK" sz="3600" dirty="0">
                 <a:solidFill>
                   <a:srgbClr val="000000"/>
                 </a:solidFill>
@@ -7266,14 +7109,7 @@
   <p:clrMapOvr>
     <a:masterClrMapping/>
   </p:clrMapOvr>
-  <p:transition xmlns:p14="http://schemas.microsoft.com/office/powerpoint/2010/main" advTm="3000"/>
-  <p:timing>
-    <p:tnLst>
-      <p:par>
-        <p:cTn xmlns:p14="http://schemas.microsoft.com/office/powerpoint/2010/main" id="1" dur="indefinite" restart="never" nodeType="tmRoot"/>
-      </p:par>
-    </p:tnLst>
-  </p:timing>
+  <p:transition advTm="3000"/>
 </p:sld>
 </file>
 
@@ -7318,49 +7154,25 @@
                 </a:solidFill>
                 <a:latin typeface="Arial"/>
               </a:rPr>
-              <a:t>d</a:t>
-            </a:r>
-            <a:r>
-              <a:rPr lang="en-US" sz="4000" dirty="0" smtClean="0">
+              <a:t>do nothing</a:t>
+            </a:r>
+            <a:br>
+              <a:rPr lang="en-US" sz="8000" dirty="0">
                 <a:solidFill>
                   <a:srgbClr val="FF3B3B"/>
                 </a:solidFill>
                 <a:latin typeface="Arial"/>
               </a:rPr>
-              <a:t>o nothing</a:t>
-            </a:r>
-            <a:r>
-              <a:rPr lang="en-US" sz="8000" dirty="0" smtClean="0">
+            </a:br>
+            <a:r>
+              <a:rPr lang="en-US" sz="8000" dirty="0">
                 <a:solidFill>
                   <a:srgbClr val="FF3B3B"/>
                 </a:solidFill>
                 <a:latin typeface="Arial"/>
               </a:rPr>
-              <a:t/>
-            </a:r>
-            <a:br>
-              <a:rPr lang="en-US" sz="8000" dirty="0" smtClean="0">
-                <a:solidFill>
-                  <a:srgbClr val="FF3B3B"/>
-                </a:solidFill>
-                <a:latin typeface="Arial"/>
-              </a:rPr>
-            </a:br>
-            <a:r>
-              <a:rPr lang="en-US" sz="8000" dirty="0" smtClean="0">
-                <a:solidFill>
-                  <a:srgbClr val="FF3B3B"/>
-                </a:solidFill>
-                <a:latin typeface="Arial"/>
-              </a:rPr>
               <a:t>6 Times</a:t>
             </a:r>
-            <a:endParaRPr lang="en-US" sz="8000" dirty="0">
-              <a:solidFill>
-                <a:srgbClr val="FF3B3B"/>
-              </a:solidFill>
-              <a:latin typeface="Arial"/>
-            </a:endParaRPr>
           </a:p>
         </p:txBody>
       </p:sp>
@@ -7393,14 +7205,7 @@
   <p:clrMapOvr>
     <a:masterClrMapping/>
   </p:clrMapOvr>
-  <p:transition xmlns:p14="http://schemas.microsoft.com/office/powerpoint/2010/main" advTm="1500"/>
-  <p:timing>
-    <p:tnLst>
-      <p:par>
-        <p:cTn xmlns:p14="http://schemas.microsoft.com/office/powerpoint/2010/main" id="1" dur="indefinite" restart="never" nodeType="tmRoot"/>
-      </p:par>
-    </p:tnLst>
-  </p:timing>
+  <p:transition advTm="1500"/>
 </p:sld>
 </file>
 
@@ -7534,7 +7339,7 @@
               <a:t> &lt;= </a:t>
             </a:r>
             <a:r>
-              <a:rPr lang="da-DK" sz="3600" b="1" dirty="0" smtClean="0">
+              <a:rPr lang="da-DK" sz="3600" b="1" dirty="0">
                 <a:solidFill>
                   <a:srgbClr val="FF3300"/>
                 </a:solidFill>
@@ -7543,166 +7348,7 @@
               <a:t>10</a:t>
             </a:r>
             <a:r>
-              <a:rPr lang="da-DK" sz="3600" b="1" dirty="0" smtClean="0">
-                <a:solidFill>
-                  <a:srgbClr val="000000"/>
-                </a:solidFill>
-                <a:latin typeface="Monaco"/>
-              </a:rPr>
-              <a:t>; </a:t>
-            </a:r>
-            <a:r>
-              <a:rPr lang="da-DK" sz="3600" b="1" dirty="0">
-                <a:solidFill>
-                  <a:srgbClr val="6A3E3E"/>
-                </a:solidFill>
-                <a:latin typeface="Monaco"/>
-              </a:rPr>
-              <a:t>i</a:t>
-            </a:r>
-            <a:r>
-              <a:rPr lang="da-DK" sz="3600" b="1" dirty="0">
-                <a:solidFill>
-                  <a:srgbClr val="000000"/>
-                </a:solidFill>
-                <a:latin typeface="Monaco"/>
-              </a:rPr>
-              <a:t>++)</a:t>
-            </a:r>
-          </a:p>
-          <a:p>
-            <a:r>
-              <a:rPr lang="da-DK" sz="3600" dirty="0" smtClean="0">
-                <a:solidFill>
-                  <a:srgbClr val="000000"/>
-                </a:solidFill>
-                <a:latin typeface="Monaco"/>
-              </a:rPr>
-              <a:t>{</a:t>
-            </a:r>
-          </a:p>
-          <a:p>
-            <a:endParaRPr lang="da-DK" sz="3600" dirty="0" smtClean="0">
-              <a:solidFill>
-                <a:srgbClr val="000000"/>
-              </a:solidFill>
-              <a:latin typeface="Monaco"/>
-            </a:endParaRPr>
-          </a:p>
-          <a:p>
-            <a:r>
-              <a:rPr lang="de-DE" sz="3600" dirty="0" smtClean="0">
-                <a:solidFill>
-                  <a:srgbClr val="000000"/>
-                </a:solidFill>
-                <a:latin typeface="Monaco"/>
-              </a:rPr>
-              <a:t>}</a:t>
-            </a:r>
-            <a:endParaRPr lang="en-US" sz="3600" dirty="0"/>
-          </a:p>
-          <a:p>
-            <a:r>
-              <a:rPr lang="da-DK" sz="3600" b="1" dirty="0">
-                <a:solidFill>
-                  <a:srgbClr val="7F0055"/>
-                </a:solidFill>
-                <a:latin typeface="Monaco"/>
-              </a:rPr>
-              <a:t>for</a:t>
-            </a:r>
-            <a:r>
-              <a:rPr lang="da-DK" sz="3600" b="1" dirty="0">
-                <a:solidFill>
-                  <a:srgbClr val="000000"/>
-                </a:solidFill>
-                <a:latin typeface="Monaco"/>
-              </a:rPr>
-              <a:t> (</a:t>
-            </a:r>
-            <a:r>
-              <a:rPr lang="da-DK" sz="3600" b="1" dirty="0" err="1">
-                <a:solidFill>
-                  <a:srgbClr val="7F0055"/>
-                </a:solidFill>
-                <a:latin typeface="Monaco"/>
-              </a:rPr>
-              <a:t>int</a:t>
-            </a:r>
-            <a:r>
-              <a:rPr lang="da-DK" sz="3600" b="1" dirty="0">
-                <a:solidFill>
-                  <a:srgbClr val="000000"/>
-                </a:solidFill>
-                <a:latin typeface="Monaco"/>
-              </a:rPr>
-              <a:t> </a:t>
-            </a:r>
-            <a:r>
-              <a:rPr lang="da-DK" sz="3600" b="1" dirty="0">
-                <a:solidFill>
-                  <a:srgbClr val="6A3E3E"/>
-                </a:solidFill>
-                <a:latin typeface="Monaco"/>
-              </a:rPr>
-              <a:t>j</a:t>
-            </a:r>
-            <a:r>
-              <a:rPr lang="da-DK" sz="3600" b="1" dirty="0">
-                <a:solidFill>
-                  <a:srgbClr val="000000"/>
-                </a:solidFill>
-                <a:latin typeface="Monaco"/>
-              </a:rPr>
-              <a:t> = </a:t>
-            </a:r>
-            <a:r>
-              <a:rPr lang="da-DK" sz="3600" b="1" dirty="0">
-                <a:solidFill>
-                  <a:srgbClr val="FF3300"/>
-                </a:solidFill>
-                <a:latin typeface="Monaco"/>
-              </a:rPr>
-              <a:t>1</a:t>
-            </a:r>
-            <a:r>
-              <a:rPr lang="da-DK" sz="3600" b="1" dirty="0">
-                <a:solidFill>
-                  <a:srgbClr val="000000"/>
-                </a:solidFill>
-                <a:latin typeface="Monaco"/>
-              </a:rPr>
-              <a:t>; </a:t>
-            </a:r>
-            <a:r>
-              <a:rPr lang="da-DK" sz="3600" b="1" dirty="0">
-                <a:solidFill>
-                  <a:srgbClr val="6A3E3E"/>
-                </a:solidFill>
-                <a:latin typeface="Monaco"/>
-              </a:rPr>
-              <a:t>j</a:t>
-            </a:r>
-            <a:r>
-              <a:rPr lang="da-DK" sz="3600" b="1" dirty="0">
-                <a:solidFill>
-                  <a:srgbClr val="000000"/>
-                </a:solidFill>
-                <a:latin typeface="Monaco"/>
-              </a:rPr>
-              <a:t> &lt;= </a:t>
-            </a:r>
-            <a:r>
-              <a:rPr lang="da-DK" sz="3600" b="1" dirty="0">
-                <a:solidFill>
-                  <a:srgbClr val="FF3300"/>
-                </a:solidFill>
-                <a:latin typeface="Monaco"/>
-              </a:rPr>
-              <a:t>10</a:t>
-            </a:r>
-            <a:r>
-              <a:rPr lang="da-DK" sz="3600" b="1" dirty="0" smtClean="0">
+              <a:rPr lang="da-DK" sz="3600" b="1" dirty="0">
                 <a:solidFill>
                   <a:srgbClr val="000000"/>
                 </a:solidFill>
@@ -7758,6 +7404,148 @@
               </a:rPr>
               <a:t>}</a:t>
             </a:r>
+            <a:endParaRPr lang="en-US" sz="3600" dirty="0"/>
+          </a:p>
+          <a:p>
+            <a:r>
+              <a:rPr lang="da-DK" sz="3600" b="1" dirty="0">
+                <a:solidFill>
+                  <a:srgbClr val="7F0055"/>
+                </a:solidFill>
+                <a:latin typeface="Monaco"/>
+              </a:rPr>
+              <a:t>for</a:t>
+            </a:r>
+            <a:r>
+              <a:rPr lang="da-DK" sz="3600" b="1" dirty="0">
+                <a:solidFill>
+                  <a:srgbClr val="000000"/>
+                </a:solidFill>
+                <a:latin typeface="Monaco"/>
+              </a:rPr>
+              <a:t> (</a:t>
+            </a:r>
+            <a:r>
+              <a:rPr lang="da-DK" sz="3600" b="1" dirty="0" err="1">
+                <a:solidFill>
+                  <a:srgbClr val="7F0055"/>
+                </a:solidFill>
+                <a:latin typeface="Monaco"/>
+              </a:rPr>
+              <a:t>int</a:t>
+            </a:r>
+            <a:r>
+              <a:rPr lang="da-DK" sz="3600" b="1" dirty="0">
+                <a:solidFill>
+                  <a:srgbClr val="000000"/>
+                </a:solidFill>
+                <a:latin typeface="Monaco"/>
+              </a:rPr>
+              <a:t> </a:t>
+            </a:r>
+            <a:r>
+              <a:rPr lang="da-DK" sz="3600" b="1" dirty="0">
+                <a:solidFill>
+                  <a:srgbClr val="6A3E3E"/>
+                </a:solidFill>
+                <a:latin typeface="Monaco"/>
+              </a:rPr>
+              <a:t>j</a:t>
+            </a:r>
+            <a:r>
+              <a:rPr lang="da-DK" sz="3600" b="1" dirty="0">
+                <a:solidFill>
+                  <a:srgbClr val="000000"/>
+                </a:solidFill>
+                <a:latin typeface="Monaco"/>
+              </a:rPr>
+              <a:t> = </a:t>
+            </a:r>
+            <a:r>
+              <a:rPr lang="da-DK" sz="3600" b="1" dirty="0">
+                <a:solidFill>
+                  <a:srgbClr val="FF3300"/>
+                </a:solidFill>
+                <a:latin typeface="Monaco"/>
+              </a:rPr>
+              <a:t>1</a:t>
+            </a:r>
+            <a:r>
+              <a:rPr lang="da-DK" sz="3600" b="1" dirty="0">
+                <a:solidFill>
+                  <a:srgbClr val="000000"/>
+                </a:solidFill>
+                <a:latin typeface="Monaco"/>
+              </a:rPr>
+              <a:t>; </a:t>
+            </a:r>
+            <a:r>
+              <a:rPr lang="da-DK" sz="3600" b="1" dirty="0">
+                <a:solidFill>
+                  <a:srgbClr val="6A3E3E"/>
+                </a:solidFill>
+                <a:latin typeface="Monaco"/>
+              </a:rPr>
+              <a:t>j</a:t>
+            </a:r>
+            <a:r>
+              <a:rPr lang="da-DK" sz="3600" b="1" dirty="0">
+                <a:solidFill>
+                  <a:srgbClr val="000000"/>
+                </a:solidFill>
+                <a:latin typeface="Monaco"/>
+              </a:rPr>
+              <a:t> &lt;= </a:t>
+            </a:r>
+            <a:r>
+              <a:rPr lang="da-DK" sz="3600" b="1" dirty="0">
+                <a:solidFill>
+                  <a:srgbClr val="FF3300"/>
+                </a:solidFill>
+                <a:latin typeface="Monaco"/>
+              </a:rPr>
+              <a:t>10</a:t>
+            </a:r>
+            <a:r>
+              <a:rPr lang="da-DK" sz="3600" b="1" dirty="0">
+                <a:solidFill>
+                  <a:srgbClr val="000000"/>
+                </a:solidFill>
+                <a:latin typeface="Monaco"/>
+              </a:rPr>
+              <a:t>; </a:t>
+            </a:r>
+            <a:r>
+              <a:rPr lang="da-DK" sz="3600" b="1" dirty="0">
+                <a:solidFill>
+                  <a:srgbClr val="6A3E3E"/>
+                </a:solidFill>
+                <a:latin typeface="Monaco"/>
+              </a:rPr>
+              <a:t>j</a:t>
+            </a:r>
+            <a:r>
+              <a:rPr lang="da-DK" sz="3600" b="1" dirty="0">
+                <a:solidFill>
+                  <a:srgbClr val="000000"/>
+                </a:solidFill>
+                <a:latin typeface="Monaco"/>
+              </a:rPr>
+              <a:t>++)</a:t>
+            </a:r>
+          </a:p>
+          <a:p>
+            <a:r>
+              <a:rPr lang="da-DK" sz="3600" dirty="0">
+                <a:solidFill>
+                  <a:srgbClr val="000000"/>
+                </a:solidFill>
+                <a:latin typeface="Monaco"/>
+              </a:rPr>
+              <a:t>{</a:t>
+            </a:r>
+          </a:p>
+          <a:p>
             <a:endParaRPr lang="da-DK" sz="3600" dirty="0">
               <a:solidFill>
                 <a:srgbClr val="000000"/>
@@ -7767,7 +7555,24 @@
           </a:p>
           <a:p>
             <a:r>
-              <a:rPr lang="da-DK" sz="3600" dirty="0" smtClean="0">
+              <a:rPr lang="de-DE" sz="3600" dirty="0">
+                <a:solidFill>
+                  <a:srgbClr val="000000"/>
+                </a:solidFill>
+                <a:latin typeface="Monaco"/>
+              </a:rPr>
+              <a:t>}</a:t>
+            </a:r>
+            <a:endParaRPr lang="da-DK" sz="3600" dirty="0">
+              <a:solidFill>
+                <a:srgbClr val="000000"/>
+              </a:solidFill>
+              <a:latin typeface="Monaco"/>
+            </a:endParaRPr>
+          </a:p>
+          <a:p>
+            <a:r>
+              <a:rPr lang="da-DK" sz="3600" dirty="0">
                 <a:solidFill>
                   <a:srgbClr val="000000"/>
                 </a:solidFill>
@@ -7789,14 +7594,7 @@
   <p:clrMapOvr>
     <a:masterClrMapping/>
   </p:clrMapOvr>
-  <p:transition xmlns:p14="http://schemas.microsoft.com/office/powerpoint/2010/main" advTm="3000"/>
-  <p:timing>
-    <p:tnLst>
-      <p:par>
-        <p:cTn xmlns:p14="http://schemas.microsoft.com/office/powerpoint/2010/main" id="1" dur="indefinite" restart="never" nodeType="tmRoot"/>
-      </p:par>
-    </p:tnLst>
-  </p:timing>
+  <p:transition advTm="3000"/>
 </p:sld>
 </file>
 
@@ -7849,49 +7647,25 @@
                 </a:solidFill>
                 <a:latin typeface="Arial"/>
               </a:rPr>
-              <a:t>d</a:t>
-            </a:r>
-            <a:r>
-              <a:rPr lang="en-US" sz="4000" dirty="0" smtClean="0">
+              <a:t>do nothing</a:t>
+            </a:r>
+            <a:br>
+              <a:rPr lang="en-US" sz="8000" dirty="0">
                 <a:solidFill>
                   <a:srgbClr val="FF3B3B"/>
                 </a:solidFill>
                 <a:latin typeface="Arial"/>
               </a:rPr>
-              <a:t>o nothing</a:t>
-            </a:r>
-            <a:r>
-              <a:rPr lang="en-US" sz="8000" dirty="0" smtClean="0">
+            </a:br>
+            <a:r>
+              <a:rPr lang="en-US" sz="8000" dirty="0">
                 <a:solidFill>
                   <a:srgbClr val="FF3B3B"/>
                 </a:solidFill>
                 <a:latin typeface="Arial"/>
               </a:rPr>
-              <a:t/>
-            </a:r>
-            <a:br>
-              <a:rPr lang="en-US" sz="8000" dirty="0" smtClean="0">
-                <a:solidFill>
-                  <a:srgbClr val="FF3B3B"/>
-                </a:solidFill>
-                <a:latin typeface="Arial"/>
-              </a:rPr>
-            </a:br>
-            <a:r>
-              <a:rPr lang="en-US" sz="8000" dirty="0" smtClean="0">
-                <a:solidFill>
-                  <a:srgbClr val="FF3B3B"/>
-                </a:solidFill>
-                <a:latin typeface="Arial"/>
-              </a:rPr>
               <a:t>6 Times</a:t>
             </a:r>
-            <a:endParaRPr lang="en-US" sz="8000" dirty="0">
-              <a:solidFill>
-                <a:srgbClr val="FF3B3B"/>
-              </a:solidFill>
-              <a:latin typeface="Arial"/>
-            </a:endParaRPr>
           </a:p>
         </p:txBody>
       </p:sp>
@@ -7919,14 +7693,7 @@
   <p:clrMapOvr>
     <a:masterClrMapping/>
   </p:clrMapOvr>
-  <p:transition xmlns:p14="http://schemas.microsoft.com/office/powerpoint/2010/main" advClick="0"/>
-  <p:timing>
-    <p:tnLst>
-      <p:par>
-        <p:cTn xmlns:p14="http://schemas.microsoft.com/office/powerpoint/2010/main" id="1" dur="indefinite" restart="never" nodeType="tmRoot"/>
-      </p:par>
-    </p:tnLst>
-  </p:timing>
+  <p:transition advClick="0"/>
 </p:sld>
 </file>
 
@@ -7971,58 +7738,25 @@
                 </a:solidFill>
                 <a:latin typeface="Arial"/>
               </a:rPr>
-              <a:t>d</a:t>
-            </a:r>
-            <a:r>
-              <a:rPr lang="en-US" sz="4000" dirty="0" smtClean="0">
+              <a:t>do nothing</a:t>
+            </a:r>
+            <a:br>
+              <a:rPr lang="en-US" sz="8000" dirty="0">
                 <a:solidFill>
                   <a:srgbClr val="FF3B3B"/>
                 </a:solidFill>
                 <a:latin typeface="Arial"/>
               </a:rPr>
-              <a:t>o nothing</a:t>
-            </a:r>
-            <a:r>
-              <a:rPr lang="en-US" sz="8000" dirty="0" smtClean="0">
+            </a:br>
+            <a:r>
+              <a:rPr lang="en-US" sz="8000" dirty="0">
                 <a:solidFill>
                   <a:srgbClr val="FF3B3B"/>
                 </a:solidFill>
                 <a:latin typeface="Arial"/>
               </a:rPr>
-              <a:t/>
-            </a:r>
-            <a:br>
-              <a:rPr lang="en-US" sz="8000" dirty="0" smtClean="0">
-                <a:solidFill>
-                  <a:srgbClr val="FF3B3B"/>
-                </a:solidFill>
-                <a:latin typeface="Arial"/>
-              </a:rPr>
-            </a:br>
-            <a:r>
-              <a:rPr lang="en-US" sz="8000" dirty="0">
-                <a:solidFill>
-                  <a:srgbClr val="FF3B3B"/>
-                </a:solidFill>
-                <a:latin typeface="Arial"/>
-              </a:rPr>
-              <a:t>2</a:t>
-            </a:r>
-            <a:r>
-              <a:rPr lang="en-US" sz="8000" dirty="0" smtClean="0">
-                <a:solidFill>
-                  <a:srgbClr val="FF3B3B"/>
-                </a:solidFill>
-                <a:latin typeface="Arial"/>
-              </a:rPr>
-              <a:t>0 Times</a:t>
-            </a:r>
-            <a:endParaRPr lang="en-US" sz="8000" dirty="0">
-              <a:solidFill>
-                <a:srgbClr val="FF3B3B"/>
-              </a:solidFill>
-              <a:latin typeface="Arial"/>
-            </a:endParaRPr>
+              <a:t>20 Times</a:t>
+            </a:r>
           </a:p>
         </p:txBody>
       </p:sp>
@@ -8055,14 +7789,7 @@
   <p:clrMapOvr>
     <a:masterClrMapping/>
   </p:clrMapOvr>
-  <p:transition xmlns:p14="http://schemas.microsoft.com/office/powerpoint/2010/main" advTm="1500"/>
-  <p:timing>
-    <p:tnLst>
-      <p:par>
-        <p:cTn xmlns:p14="http://schemas.microsoft.com/office/powerpoint/2010/main" id="1" dur="indefinite" restart="never" nodeType="tmRoot"/>
-      </p:par>
-    </p:tnLst>
-  </p:timing>
+  <p:transition advTm="1500"/>
 </p:sld>
 </file>
 
@@ -8196,7 +7923,7 @@
               <a:t> &lt;= </a:t>
             </a:r>
             <a:r>
-              <a:rPr lang="da-DK" sz="3600" b="1" dirty="0" smtClean="0">
+              <a:rPr lang="da-DK" sz="3600" b="1" dirty="0">
                 <a:solidFill>
                   <a:srgbClr val="FF3300"/>
                 </a:solidFill>
@@ -8205,166 +7932,7 @@
               <a:t>1</a:t>
             </a:r>
             <a:r>
-              <a:rPr lang="da-DK" sz="3600" b="1" dirty="0" smtClean="0">
-                <a:solidFill>
-                  <a:srgbClr val="000000"/>
-                </a:solidFill>
-                <a:latin typeface="Monaco"/>
-              </a:rPr>
-              <a:t>; </a:t>
-            </a:r>
-            <a:r>
-              <a:rPr lang="da-DK" sz="3600" b="1" dirty="0">
-                <a:solidFill>
-                  <a:srgbClr val="6A3E3E"/>
-                </a:solidFill>
-                <a:latin typeface="Monaco"/>
-              </a:rPr>
-              <a:t>i</a:t>
-            </a:r>
-            <a:r>
-              <a:rPr lang="da-DK" sz="3600" b="1" dirty="0">
-                <a:solidFill>
-                  <a:srgbClr val="000000"/>
-                </a:solidFill>
-                <a:latin typeface="Monaco"/>
-              </a:rPr>
-              <a:t>++)</a:t>
-            </a:r>
-          </a:p>
-          <a:p>
-            <a:r>
-              <a:rPr lang="da-DK" sz="3600" dirty="0" smtClean="0">
-                <a:solidFill>
-                  <a:srgbClr val="000000"/>
-                </a:solidFill>
-                <a:latin typeface="Monaco"/>
-              </a:rPr>
-              <a:t>{</a:t>
-            </a:r>
-          </a:p>
-          <a:p>
-            <a:endParaRPr lang="da-DK" sz="3600" dirty="0" smtClean="0">
-              <a:solidFill>
-                <a:srgbClr val="000000"/>
-              </a:solidFill>
-              <a:latin typeface="Monaco"/>
-            </a:endParaRPr>
-          </a:p>
-          <a:p>
-            <a:r>
-              <a:rPr lang="de-DE" sz="3600" dirty="0" smtClean="0">
-                <a:solidFill>
-                  <a:srgbClr val="000000"/>
-                </a:solidFill>
-                <a:latin typeface="Monaco"/>
-              </a:rPr>
-              <a:t>}</a:t>
-            </a:r>
-            <a:endParaRPr lang="en-US" sz="3600" dirty="0"/>
-          </a:p>
-          <a:p>
-            <a:r>
-              <a:rPr lang="da-DK" sz="3600" b="1" dirty="0">
-                <a:solidFill>
-                  <a:srgbClr val="7F0055"/>
-                </a:solidFill>
-                <a:latin typeface="Monaco"/>
-              </a:rPr>
-              <a:t>for</a:t>
-            </a:r>
-            <a:r>
-              <a:rPr lang="da-DK" sz="3600" b="1" dirty="0">
-                <a:solidFill>
-                  <a:srgbClr val="000000"/>
-                </a:solidFill>
-                <a:latin typeface="Monaco"/>
-              </a:rPr>
-              <a:t> (</a:t>
-            </a:r>
-            <a:r>
-              <a:rPr lang="da-DK" sz="3600" b="1" dirty="0" err="1">
-                <a:solidFill>
-                  <a:srgbClr val="7F0055"/>
-                </a:solidFill>
-                <a:latin typeface="Monaco"/>
-              </a:rPr>
-              <a:t>int</a:t>
-            </a:r>
-            <a:r>
-              <a:rPr lang="da-DK" sz="3600" b="1" dirty="0">
-                <a:solidFill>
-                  <a:srgbClr val="000000"/>
-                </a:solidFill>
-                <a:latin typeface="Monaco"/>
-              </a:rPr>
-              <a:t> </a:t>
-            </a:r>
-            <a:r>
-              <a:rPr lang="da-DK" sz="3600" b="1" dirty="0">
-                <a:solidFill>
-                  <a:srgbClr val="6A3E3E"/>
-                </a:solidFill>
-                <a:latin typeface="Monaco"/>
-              </a:rPr>
-              <a:t>j</a:t>
-            </a:r>
-            <a:r>
-              <a:rPr lang="da-DK" sz="3600" b="1" dirty="0">
-                <a:solidFill>
-                  <a:srgbClr val="000000"/>
-                </a:solidFill>
-                <a:latin typeface="Monaco"/>
-              </a:rPr>
-              <a:t> = </a:t>
-            </a:r>
-            <a:r>
-              <a:rPr lang="da-DK" sz="3600" b="1" dirty="0">
-                <a:solidFill>
-                  <a:srgbClr val="FF3300"/>
-                </a:solidFill>
-                <a:latin typeface="Monaco"/>
-              </a:rPr>
-              <a:t>1</a:t>
-            </a:r>
-            <a:r>
-              <a:rPr lang="da-DK" sz="3600" b="1" dirty="0">
-                <a:solidFill>
-                  <a:srgbClr val="000000"/>
-                </a:solidFill>
-                <a:latin typeface="Monaco"/>
-              </a:rPr>
-              <a:t>; </a:t>
-            </a:r>
-            <a:r>
-              <a:rPr lang="da-DK" sz="3600" b="1" dirty="0">
-                <a:solidFill>
-                  <a:srgbClr val="6A3E3E"/>
-                </a:solidFill>
-                <a:latin typeface="Monaco"/>
-              </a:rPr>
-              <a:t>j</a:t>
-            </a:r>
-            <a:r>
-              <a:rPr lang="da-DK" sz="3600" b="1" dirty="0">
-                <a:solidFill>
-                  <a:srgbClr val="000000"/>
-                </a:solidFill>
-                <a:latin typeface="Monaco"/>
-              </a:rPr>
-              <a:t> &lt;= </a:t>
-            </a:r>
-            <a:r>
-              <a:rPr lang="da-DK" sz="3600" b="1" dirty="0" smtClean="0">
-                <a:solidFill>
-                  <a:srgbClr val="FF3300"/>
-                </a:solidFill>
-                <a:latin typeface="Monaco"/>
-              </a:rPr>
-              <a:t>1</a:t>
-            </a:r>
-            <a:r>
-              <a:rPr lang="da-DK" sz="3600" b="1" dirty="0" smtClean="0">
+              <a:rPr lang="da-DK" sz="3600" b="1" dirty="0">
                 <a:solidFill>
                   <a:srgbClr val="000000"/>
                 </a:solidFill>
@@ -8420,6 +7988,148 @@
               </a:rPr>
               <a:t>}</a:t>
             </a:r>
+            <a:endParaRPr lang="en-US" sz="3600" dirty="0"/>
+          </a:p>
+          <a:p>
+            <a:r>
+              <a:rPr lang="da-DK" sz="3600" b="1" dirty="0">
+                <a:solidFill>
+                  <a:srgbClr val="7F0055"/>
+                </a:solidFill>
+                <a:latin typeface="Monaco"/>
+              </a:rPr>
+              <a:t>for</a:t>
+            </a:r>
+            <a:r>
+              <a:rPr lang="da-DK" sz="3600" b="1" dirty="0">
+                <a:solidFill>
+                  <a:srgbClr val="000000"/>
+                </a:solidFill>
+                <a:latin typeface="Monaco"/>
+              </a:rPr>
+              <a:t> (</a:t>
+            </a:r>
+            <a:r>
+              <a:rPr lang="da-DK" sz="3600" b="1" dirty="0" err="1">
+                <a:solidFill>
+                  <a:srgbClr val="7F0055"/>
+                </a:solidFill>
+                <a:latin typeface="Monaco"/>
+              </a:rPr>
+              <a:t>int</a:t>
+            </a:r>
+            <a:r>
+              <a:rPr lang="da-DK" sz="3600" b="1" dirty="0">
+                <a:solidFill>
+                  <a:srgbClr val="000000"/>
+                </a:solidFill>
+                <a:latin typeface="Monaco"/>
+              </a:rPr>
+              <a:t> </a:t>
+            </a:r>
+            <a:r>
+              <a:rPr lang="da-DK" sz="3600" b="1" dirty="0">
+                <a:solidFill>
+                  <a:srgbClr val="6A3E3E"/>
+                </a:solidFill>
+                <a:latin typeface="Monaco"/>
+              </a:rPr>
+              <a:t>j</a:t>
+            </a:r>
+            <a:r>
+              <a:rPr lang="da-DK" sz="3600" b="1" dirty="0">
+                <a:solidFill>
+                  <a:srgbClr val="000000"/>
+                </a:solidFill>
+                <a:latin typeface="Monaco"/>
+              </a:rPr>
+              <a:t> = </a:t>
+            </a:r>
+            <a:r>
+              <a:rPr lang="da-DK" sz="3600" b="1" dirty="0">
+                <a:solidFill>
+                  <a:srgbClr val="FF3300"/>
+                </a:solidFill>
+                <a:latin typeface="Monaco"/>
+              </a:rPr>
+              <a:t>1</a:t>
+            </a:r>
+            <a:r>
+              <a:rPr lang="da-DK" sz="3600" b="1" dirty="0">
+                <a:solidFill>
+                  <a:srgbClr val="000000"/>
+                </a:solidFill>
+                <a:latin typeface="Monaco"/>
+              </a:rPr>
+              <a:t>; </a:t>
+            </a:r>
+            <a:r>
+              <a:rPr lang="da-DK" sz="3600" b="1" dirty="0">
+                <a:solidFill>
+                  <a:srgbClr val="6A3E3E"/>
+                </a:solidFill>
+                <a:latin typeface="Monaco"/>
+              </a:rPr>
+              <a:t>j</a:t>
+            </a:r>
+            <a:r>
+              <a:rPr lang="da-DK" sz="3600" b="1" dirty="0">
+                <a:solidFill>
+                  <a:srgbClr val="000000"/>
+                </a:solidFill>
+                <a:latin typeface="Monaco"/>
+              </a:rPr>
+              <a:t> &lt;= </a:t>
+            </a:r>
+            <a:r>
+              <a:rPr lang="da-DK" sz="3600" b="1" dirty="0">
+                <a:solidFill>
+                  <a:srgbClr val="FF3300"/>
+                </a:solidFill>
+                <a:latin typeface="Monaco"/>
+              </a:rPr>
+              <a:t>1</a:t>
+            </a:r>
+            <a:r>
+              <a:rPr lang="da-DK" sz="3600" b="1" dirty="0">
+                <a:solidFill>
+                  <a:srgbClr val="000000"/>
+                </a:solidFill>
+                <a:latin typeface="Monaco"/>
+              </a:rPr>
+              <a:t>; </a:t>
+            </a:r>
+            <a:r>
+              <a:rPr lang="da-DK" sz="3600" b="1" dirty="0">
+                <a:solidFill>
+                  <a:srgbClr val="6A3E3E"/>
+                </a:solidFill>
+                <a:latin typeface="Monaco"/>
+              </a:rPr>
+              <a:t>j</a:t>
+            </a:r>
+            <a:r>
+              <a:rPr lang="da-DK" sz="3600" b="1" dirty="0">
+                <a:solidFill>
+                  <a:srgbClr val="000000"/>
+                </a:solidFill>
+                <a:latin typeface="Monaco"/>
+              </a:rPr>
+              <a:t>++)</a:t>
+            </a:r>
+          </a:p>
+          <a:p>
+            <a:r>
+              <a:rPr lang="da-DK" sz="3600" dirty="0">
+                <a:solidFill>
+                  <a:srgbClr val="000000"/>
+                </a:solidFill>
+                <a:latin typeface="Monaco"/>
+              </a:rPr>
+              <a:t>{</a:t>
+            </a:r>
+          </a:p>
+          <a:p>
             <a:endParaRPr lang="da-DK" sz="3600" dirty="0">
               <a:solidFill>
                 <a:srgbClr val="000000"/>
@@ -8429,7 +8139,24 @@
           </a:p>
           <a:p>
             <a:r>
-              <a:rPr lang="da-DK" sz="3600" dirty="0" smtClean="0">
+              <a:rPr lang="de-DE" sz="3600" dirty="0">
+                <a:solidFill>
+                  <a:srgbClr val="000000"/>
+                </a:solidFill>
+                <a:latin typeface="Monaco"/>
+              </a:rPr>
+              <a:t>}</a:t>
+            </a:r>
+            <a:endParaRPr lang="da-DK" sz="3600" dirty="0">
+              <a:solidFill>
+                <a:srgbClr val="000000"/>
+              </a:solidFill>
+              <a:latin typeface="Monaco"/>
+            </a:endParaRPr>
+          </a:p>
+          <a:p>
+            <a:r>
+              <a:rPr lang="da-DK" sz="3600" dirty="0">
                 <a:solidFill>
                   <a:srgbClr val="000000"/>
                 </a:solidFill>
@@ -8451,14 +8178,7 @@
   <p:clrMapOvr>
     <a:masterClrMapping/>
   </p:clrMapOvr>
-  <p:transition xmlns:p14="http://schemas.microsoft.com/office/powerpoint/2010/main" advTm="2000"/>
-  <p:timing>
-    <p:tnLst>
-      <p:par>
-        <p:cTn xmlns:p14="http://schemas.microsoft.com/office/powerpoint/2010/main" id="1" dur="indefinite" restart="never" nodeType="tmRoot"/>
-      </p:par>
-    </p:tnLst>
-  </p:timing>
+  <p:transition advTm="2000"/>
 </p:sld>
 </file>
 
@@ -8503,49 +8223,25 @@
                 </a:solidFill>
                 <a:latin typeface="Arial"/>
               </a:rPr>
-              <a:t>d</a:t>
-            </a:r>
-            <a:r>
-              <a:rPr lang="en-US" sz="4000" dirty="0" smtClean="0">
+              <a:t>do nothing</a:t>
+            </a:r>
+            <a:br>
+              <a:rPr lang="en-US" sz="8000" dirty="0">
                 <a:solidFill>
                   <a:srgbClr val="FF3B3B"/>
                 </a:solidFill>
                 <a:latin typeface="Arial"/>
               </a:rPr>
-              <a:t>o nothing</a:t>
-            </a:r>
-            <a:r>
-              <a:rPr lang="en-US" sz="8000" dirty="0" smtClean="0">
+            </a:br>
+            <a:r>
+              <a:rPr lang="en-US" sz="8000" dirty="0">
                 <a:solidFill>
                   <a:srgbClr val="FF3B3B"/>
                 </a:solidFill>
                 <a:latin typeface="Arial"/>
               </a:rPr>
-              <a:t/>
-            </a:r>
-            <a:br>
-              <a:rPr lang="en-US" sz="8000" dirty="0" smtClean="0">
-                <a:solidFill>
-                  <a:srgbClr val="FF3B3B"/>
-                </a:solidFill>
-                <a:latin typeface="Arial"/>
-              </a:rPr>
-            </a:br>
-            <a:r>
-              <a:rPr lang="en-US" sz="8000" dirty="0" smtClean="0">
-                <a:solidFill>
-                  <a:srgbClr val="FF3B3B"/>
-                </a:solidFill>
-                <a:latin typeface="Arial"/>
-              </a:rPr>
               <a:t>2 Times</a:t>
             </a:r>
-            <a:endParaRPr lang="en-US" sz="8000" dirty="0">
-              <a:solidFill>
-                <a:srgbClr val="FF3B3B"/>
-              </a:solidFill>
-              <a:latin typeface="Arial"/>
-            </a:endParaRPr>
           </a:p>
         </p:txBody>
       </p:sp>
@@ -8578,14 +8274,7 @@
   <p:clrMapOvr>
     <a:masterClrMapping/>
   </p:clrMapOvr>
-  <p:transition xmlns:p14="http://schemas.microsoft.com/office/powerpoint/2010/main" advTm="1500"/>
-  <p:timing>
-    <p:tnLst>
-      <p:par>
-        <p:cTn xmlns:p14="http://schemas.microsoft.com/office/powerpoint/2010/main" id="1" dur="indefinite" restart="never" nodeType="tmRoot"/>
-      </p:par>
-    </p:tnLst>
-  </p:timing>
+  <p:transition advTm="1500"/>
 </p:sld>
 </file>
 
@@ -8719,7 +8408,7 @@
               <a:t> &lt;= </a:t>
             </a:r>
             <a:r>
-              <a:rPr lang="da-DK" sz="3600" b="1" dirty="0" smtClean="0">
+              <a:rPr lang="da-DK" sz="3600" b="1" dirty="0">
                 <a:solidFill>
                   <a:srgbClr val="FF3300"/>
                 </a:solidFill>
@@ -8728,166 +8417,7 @@
               <a:t>10</a:t>
             </a:r>
             <a:r>
-              <a:rPr lang="da-DK" sz="3600" b="1" dirty="0" smtClean="0">
-                <a:solidFill>
-                  <a:srgbClr val="000000"/>
-                </a:solidFill>
-                <a:latin typeface="Monaco"/>
-              </a:rPr>
-              <a:t>; </a:t>
-            </a:r>
-            <a:r>
-              <a:rPr lang="da-DK" sz="3600" b="1" dirty="0">
-                <a:solidFill>
-                  <a:srgbClr val="6A3E3E"/>
-                </a:solidFill>
-                <a:latin typeface="Monaco"/>
-              </a:rPr>
-              <a:t>i</a:t>
-            </a:r>
-            <a:r>
-              <a:rPr lang="da-DK" sz="3600" b="1" dirty="0">
-                <a:solidFill>
-                  <a:srgbClr val="000000"/>
-                </a:solidFill>
-                <a:latin typeface="Monaco"/>
-              </a:rPr>
-              <a:t>++)</a:t>
-            </a:r>
-          </a:p>
-          <a:p>
-            <a:r>
-              <a:rPr lang="da-DK" sz="3600" dirty="0" smtClean="0">
-                <a:solidFill>
-                  <a:srgbClr val="000000"/>
-                </a:solidFill>
-                <a:latin typeface="Monaco"/>
-              </a:rPr>
-              <a:t>{</a:t>
-            </a:r>
-          </a:p>
-          <a:p>
-            <a:endParaRPr lang="da-DK" sz="3600" dirty="0" smtClean="0">
-              <a:solidFill>
-                <a:srgbClr val="000000"/>
-              </a:solidFill>
-              <a:latin typeface="Monaco"/>
-            </a:endParaRPr>
-          </a:p>
-          <a:p>
-            <a:r>
-              <a:rPr lang="de-DE" sz="3600" dirty="0" smtClean="0">
-                <a:solidFill>
-                  <a:srgbClr val="000000"/>
-                </a:solidFill>
-                <a:latin typeface="Monaco"/>
-              </a:rPr>
-              <a:t>}</a:t>
-            </a:r>
-            <a:endParaRPr lang="en-US" sz="3600" dirty="0"/>
-          </a:p>
-          <a:p>
-            <a:r>
-              <a:rPr lang="da-DK" sz="3600" b="1" dirty="0">
-                <a:solidFill>
-                  <a:srgbClr val="7F0055"/>
-                </a:solidFill>
-                <a:latin typeface="Monaco"/>
-              </a:rPr>
-              <a:t>for</a:t>
-            </a:r>
-            <a:r>
-              <a:rPr lang="da-DK" sz="3600" b="1" dirty="0">
-                <a:solidFill>
-                  <a:srgbClr val="000000"/>
-                </a:solidFill>
-                <a:latin typeface="Monaco"/>
-              </a:rPr>
-              <a:t> (</a:t>
-            </a:r>
-            <a:r>
-              <a:rPr lang="da-DK" sz="3600" b="1" dirty="0" err="1">
-                <a:solidFill>
-                  <a:srgbClr val="7F0055"/>
-                </a:solidFill>
-                <a:latin typeface="Monaco"/>
-              </a:rPr>
-              <a:t>int</a:t>
-            </a:r>
-            <a:r>
-              <a:rPr lang="da-DK" sz="3600" b="1" dirty="0">
-                <a:solidFill>
-                  <a:srgbClr val="000000"/>
-                </a:solidFill>
-                <a:latin typeface="Monaco"/>
-              </a:rPr>
-              <a:t> </a:t>
-            </a:r>
-            <a:r>
-              <a:rPr lang="da-DK" sz="3600" b="1" dirty="0">
-                <a:solidFill>
-                  <a:srgbClr val="6A3E3E"/>
-                </a:solidFill>
-                <a:latin typeface="Monaco"/>
-              </a:rPr>
-              <a:t>j</a:t>
-            </a:r>
-            <a:r>
-              <a:rPr lang="da-DK" sz="3600" b="1" dirty="0">
-                <a:solidFill>
-                  <a:srgbClr val="000000"/>
-                </a:solidFill>
-                <a:latin typeface="Monaco"/>
-              </a:rPr>
-              <a:t> = </a:t>
-            </a:r>
-            <a:r>
-              <a:rPr lang="da-DK" sz="3600" b="1" dirty="0">
-                <a:solidFill>
-                  <a:srgbClr val="FF3300"/>
-                </a:solidFill>
-                <a:latin typeface="Monaco"/>
-              </a:rPr>
-              <a:t>1</a:t>
-            </a:r>
-            <a:r>
-              <a:rPr lang="da-DK" sz="3600" b="1" dirty="0">
-                <a:solidFill>
-                  <a:srgbClr val="000000"/>
-                </a:solidFill>
-                <a:latin typeface="Monaco"/>
-              </a:rPr>
-              <a:t>; </a:t>
-            </a:r>
-            <a:r>
-              <a:rPr lang="da-DK" sz="3600" b="1" dirty="0">
-                <a:solidFill>
-                  <a:srgbClr val="6A3E3E"/>
-                </a:solidFill>
-                <a:latin typeface="Monaco"/>
-              </a:rPr>
-              <a:t>j</a:t>
-            </a:r>
-            <a:r>
-              <a:rPr lang="da-DK" sz="3600" b="1" dirty="0">
-                <a:solidFill>
-                  <a:srgbClr val="000000"/>
-                </a:solidFill>
-                <a:latin typeface="Monaco"/>
-              </a:rPr>
-              <a:t> &lt;= </a:t>
-            </a:r>
-            <a:r>
-              <a:rPr lang="da-DK" sz="3600" b="1" dirty="0" smtClean="0">
-                <a:solidFill>
-                  <a:srgbClr val="FF3300"/>
-                </a:solidFill>
-                <a:latin typeface="Monaco"/>
-              </a:rPr>
-              <a:t>1</a:t>
-            </a:r>
-            <a:r>
-              <a:rPr lang="da-DK" sz="3600" b="1" dirty="0" smtClean="0">
+              <a:rPr lang="da-DK" sz="3600" b="1" dirty="0">
                 <a:solidFill>
                   <a:srgbClr val="000000"/>
                 </a:solidFill>
@@ -8943,6 +8473,148 @@
               </a:rPr>
               <a:t>}</a:t>
             </a:r>
+            <a:endParaRPr lang="en-US" sz="3600" dirty="0"/>
+          </a:p>
+          <a:p>
+            <a:r>
+              <a:rPr lang="da-DK" sz="3600" b="1" dirty="0">
+                <a:solidFill>
+                  <a:srgbClr val="7F0055"/>
+                </a:solidFill>
+                <a:latin typeface="Monaco"/>
+              </a:rPr>
+              <a:t>for</a:t>
+            </a:r>
+            <a:r>
+              <a:rPr lang="da-DK" sz="3600" b="1" dirty="0">
+                <a:solidFill>
+                  <a:srgbClr val="000000"/>
+                </a:solidFill>
+                <a:latin typeface="Monaco"/>
+              </a:rPr>
+              <a:t> (</a:t>
+            </a:r>
+            <a:r>
+              <a:rPr lang="da-DK" sz="3600" b="1" dirty="0" err="1">
+                <a:solidFill>
+                  <a:srgbClr val="7F0055"/>
+                </a:solidFill>
+                <a:latin typeface="Monaco"/>
+              </a:rPr>
+              <a:t>int</a:t>
+            </a:r>
+            <a:r>
+              <a:rPr lang="da-DK" sz="3600" b="1" dirty="0">
+                <a:solidFill>
+                  <a:srgbClr val="000000"/>
+                </a:solidFill>
+                <a:latin typeface="Monaco"/>
+              </a:rPr>
+              <a:t> </a:t>
+            </a:r>
+            <a:r>
+              <a:rPr lang="da-DK" sz="3600" b="1" dirty="0">
+                <a:solidFill>
+                  <a:srgbClr val="6A3E3E"/>
+                </a:solidFill>
+                <a:latin typeface="Monaco"/>
+              </a:rPr>
+              <a:t>j</a:t>
+            </a:r>
+            <a:r>
+              <a:rPr lang="da-DK" sz="3600" b="1" dirty="0">
+                <a:solidFill>
+                  <a:srgbClr val="000000"/>
+                </a:solidFill>
+                <a:latin typeface="Monaco"/>
+              </a:rPr>
+              <a:t> = </a:t>
+            </a:r>
+            <a:r>
+              <a:rPr lang="da-DK" sz="3600" b="1" dirty="0">
+                <a:solidFill>
+                  <a:srgbClr val="FF3300"/>
+                </a:solidFill>
+                <a:latin typeface="Monaco"/>
+              </a:rPr>
+              <a:t>1</a:t>
+            </a:r>
+            <a:r>
+              <a:rPr lang="da-DK" sz="3600" b="1" dirty="0">
+                <a:solidFill>
+                  <a:srgbClr val="000000"/>
+                </a:solidFill>
+                <a:latin typeface="Monaco"/>
+              </a:rPr>
+              <a:t>; </a:t>
+            </a:r>
+            <a:r>
+              <a:rPr lang="da-DK" sz="3600" b="1" dirty="0">
+                <a:solidFill>
+                  <a:srgbClr val="6A3E3E"/>
+                </a:solidFill>
+                <a:latin typeface="Monaco"/>
+              </a:rPr>
+              <a:t>j</a:t>
+            </a:r>
+            <a:r>
+              <a:rPr lang="da-DK" sz="3600" b="1" dirty="0">
+                <a:solidFill>
+                  <a:srgbClr val="000000"/>
+                </a:solidFill>
+                <a:latin typeface="Monaco"/>
+              </a:rPr>
+              <a:t> &lt;= </a:t>
+            </a:r>
+            <a:r>
+              <a:rPr lang="da-DK" sz="3600" b="1" dirty="0">
+                <a:solidFill>
+                  <a:srgbClr val="FF3300"/>
+                </a:solidFill>
+                <a:latin typeface="Monaco"/>
+              </a:rPr>
+              <a:t>1</a:t>
+            </a:r>
+            <a:r>
+              <a:rPr lang="da-DK" sz="3600" b="1" dirty="0">
+                <a:solidFill>
+                  <a:srgbClr val="000000"/>
+                </a:solidFill>
+                <a:latin typeface="Monaco"/>
+              </a:rPr>
+              <a:t>; </a:t>
+            </a:r>
+            <a:r>
+              <a:rPr lang="da-DK" sz="3600" b="1" dirty="0">
+                <a:solidFill>
+                  <a:srgbClr val="6A3E3E"/>
+                </a:solidFill>
+                <a:latin typeface="Monaco"/>
+              </a:rPr>
+              <a:t>j</a:t>
+            </a:r>
+            <a:r>
+              <a:rPr lang="da-DK" sz="3600" b="1" dirty="0">
+                <a:solidFill>
+                  <a:srgbClr val="000000"/>
+                </a:solidFill>
+                <a:latin typeface="Monaco"/>
+              </a:rPr>
+              <a:t>++)</a:t>
+            </a:r>
+          </a:p>
+          <a:p>
+            <a:r>
+              <a:rPr lang="da-DK" sz="3600" dirty="0">
+                <a:solidFill>
+                  <a:srgbClr val="000000"/>
+                </a:solidFill>
+                <a:latin typeface="Monaco"/>
+              </a:rPr>
+              <a:t>{</a:t>
+            </a:r>
+          </a:p>
+          <a:p>
             <a:endParaRPr lang="da-DK" sz="3600" dirty="0">
               <a:solidFill>
                 <a:srgbClr val="000000"/>
@@ -8952,7 +8624,24 @@
           </a:p>
           <a:p>
             <a:r>
-              <a:rPr lang="da-DK" sz="3600" dirty="0" smtClean="0">
+              <a:rPr lang="de-DE" sz="3600" dirty="0">
+                <a:solidFill>
+                  <a:srgbClr val="000000"/>
+                </a:solidFill>
+                <a:latin typeface="Monaco"/>
+              </a:rPr>
+              <a:t>}</a:t>
+            </a:r>
+            <a:endParaRPr lang="da-DK" sz="3600" dirty="0">
+              <a:solidFill>
+                <a:srgbClr val="000000"/>
+              </a:solidFill>
+              <a:latin typeface="Monaco"/>
+            </a:endParaRPr>
+          </a:p>
+          <a:p>
+            <a:r>
+              <a:rPr lang="da-DK" sz="3600" dirty="0">
                 <a:solidFill>
                   <a:srgbClr val="000000"/>
                 </a:solidFill>
@@ -8974,14 +8663,7 @@
   <p:clrMapOvr>
     <a:masterClrMapping/>
   </p:clrMapOvr>
-  <p:transition xmlns:p14="http://schemas.microsoft.com/office/powerpoint/2010/main" advTm="2000"/>
-  <p:timing>
-    <p:tnLst>
-      <p:par>
-        <p:cTn xmlns:p14="http://schemas.microsoft.com/office/powerpoint/2010/main" id="1" dur="indefinite" restart="never" nodeType="tmRoot"/>
-      </p:par>
-    </p:tnLst>
-  </p:timing>
+  <p:transition advTm="2000"/>
 </p:sld>
 </file>
 
@@ -9026,49 +8708,25 @@
                 </a:solidFill>
                 <a:latin typeface="Arial"/>
               </a:rPr>
-              <a:t>d</a:t>
-            </a:r>
-            <a:r>
-              <a:rPr lang="en-US" sz="4000" dirty="0" smtClean="0">
+              <a:t>do nothing</a:t>
+            </a:r>
+            <a:br>
+              <a:rPr lang="en-US" sz="8000" dirty="0">
                 <a:solidFill>
                   <a:srgbClr val="FF3B3B"/>
                 </a:solidFill>
                 <a:latin typeface="Arial"/>
               </a:rPr>
-              <a:t>o nothing</a:t>
-            </a:r>
-            <a:r>
-              <a:rPr lang="en-US" sz="8000" dirty="0" smtClean="0">
+            </a:br>
+            <a:r>
+              <a:rPr lang="en-US" sz="8000" dirty="0">
                 <a:solidFill>
                   <a:srgbClr val="FF3B3B"/>
                 </a:solidFill>
                 <a:latin typeface="Arial"/>
               </a:rPr>
-              <a:t/>
-            </a:r>
-            <a:br>
-              <a:rPr lang="en-US" sz="8000" dirty="0" smtClean="0">
-                <a:solidFill>
-                  <a:srgbClr val="FF3B3B"/>
-                </a:solidFill>
-                <a:latin typeface="Arial"/>
-              </a:rPr>
-            </a:br>
-            <a:r>
-              <a:rPr lang="en-US" sz="8000" dirty="0" smtClean="0">
-                <a:solidFill>
-                  <a:srgbClr val="FF3B3B"/>
-                </a:solidFill>
-                <a:latin typeface="Arial"/>
-              </a:rPr>
               <a:t>11 Times</a:t>
             </a:r>
-            <a:endParaRPr lang="en-US" sz="8000" dirty="0">
-              <a:solidFill>
-                <a:srgbClr val="FF3B3B"/>
-              </a:solidFill>
-              <a:latin typeface="Arial"/>
-            </a:endParaRPr>
           </a:p>
         </p:txBody>
       </p:sp>
@@ -9101,14 +8759,7 @@
   <p:clrMapOvr>
     <a:masterClrMapping/>
   </p:clrMapOvr>
-  <p:transition xmlns:p14="http://schemas.microsoft.com/office/powerpoint/2010/main" advTm="1000"/>
-  <p:timing>
-    <p:tnLst>
-      <p:par>
-        <p:cTn xmlns:p14="http://schemas.microsoft.com/office/powerpoint/2010/main" id="1" dur="indefinite" restart="never" nodeType="tmRoot"/>
-      </p:par>
-    </p:tnLst>
-  </p:timing>
+  <p:transition advTm="1000"/>
 </p:sld>
 </file>
 
@@ -9251,166 +8902,7 @@
               <a:t>5</a:t>
             </a:r>
             <a:r>
-              <a:rPr lang="da-DK" sz="3600" b="1" dirty="0" smtClean="0">
-                <a:solidFill>
-                  <a:srgbClr val="000000"/>
-                </a:solidFill>
-                <a:latin typeface="Monaco"/>
-              </a:rPr>
-              <a:t>; </a:t>
-            </a:r>
-            <a:r>
-              <a:rPr lang="da-DK" sz="3600" b="1" dirty="0">
-                <a:solidFill>
-                  <a:srgbClr val="6A3E3E"/>
-                </a:solidFill>
-                <a:latin typeface="Monaco"/>
-              </a:rPr>
-              <a:t>i</a:t>
-            </a:r>
-            <a:r>
-              <a:rPr lang="da-DK" sz="3600" b="1" dirty="0">
-                <a:solidFill>
-                  <a:srgbClr val="000000"/>
-                </a:solidFill>
-                <a:latin typeface="Monaco"/>
-              </a:rPr>
-              <a:t>++)</a:t>
-            </a:r>
-          </a:p>
-          <a:p>
-            <a:r>
-              <a:rPr lang="da-DK" sz="3600" dirty="0" smtClean="0">
-                <a:solidFill>
-                  <a:srgbClr val="000000"/>
-                </a:solidFill>
-                <a:latin typeface="Monaco"/>
-              </a:rPr>
-              <a:t>{</a:t>
-            </a:r>
-          </a:p>
-          <a:p>
-            <a:endParaRPr lang="da-DK" sz="3600" dirty="0" smtClean="0">
-              <a:solidFill>
-                <a:srgbClr val="000000"/>
-              </a:solidFill>
-              <a:latin typeface="Monaco"/>
-            </a:endParaRPr>
-          </a:p>
-          <a:p>
-            <a:r>
-              <a:rPr lang="de-DE" sz="3600" dirty="0" smtClean="0">
-                <a:solidFill>
-                  <a:srgbClr val="000000"/>
-                </a:solidFill>
-                <a:latin typeface="Monaco"/>
-              </a:rPr>
-              <a:t>}</a:t>
-            </a:r>
-            <a:endParaRPr lang="en-US" sz="3600" dirty="0"/>
-          </a:p>
-          <a:p>
-            <a:r>
-              <a:rPr lang="da-DK" sz="3600" b="1" dirty="0">
-                <a:solidFill>
-                  <a:srgbClr val="7F0055"/>
-                </a:solidFill>
-                <a:latin typeface="Monaco"/>
-              </a:rPr>
-              <a:t>for</a:t>
-            </a:r>
-            <a:r>
-              <a:rPr lang="da-DK" sz="3600" b="1" dirty="0">
-                <a:solidFill>
-                  <a:srgbClr val="000000"/>
-                </a:solidFill>
-                <a:latin typeface="Monaco"/>
-              </a:rPr>
-              <a:t> (</a:t>
-            </a:r>
-            <a:r>
-              <a:rPr lang="da-DK" sz="3600" b="1" dirty="0" err="1">
-                <a:solidFill>
-                  <a:srgbClr val="7F0055"/>
-                </a:solidFill>
-                <a:latin typeface="Monaco"/>
-              </a:rPr>
-              <a:t>int</a:t>
-            </a:r>
-            <a:r>
-              <a:rPr lang="da-DK" sz="3600" b="1" dirty="0">
-                <a:solidFill>
-                  <a:srgbClr val="000000"/>
-                </a:solidFill>
-                <a:latin typeface="Monaco"/>
-              </a:rPr>
-              <a:t> </a:t>
-            </a:r>
-            <a:r>
-              <a:rPr lang="da-DK" sz="3600" b="1" dirty="0">
-                <a:solidFill>
-                  <a:srgbClr val="6A3E3E"/>
-                </a:solidFill>
-                <a:latin typeface="Monaco"/>
-              </a:rPr>
-              <a:t>j</a:t>
-            </a:r>
-            <a:r>
-              <a:rPr lang="da-DK" sz="3600" b="1" dirty="0">
-                <a:solidFill>
-                  <a:srgbClr val="000000"/>
-                </a:solidFill>
-                <a:latin typeface="Monaco"/>
-              </a:rPr>
-              <a:t> = </a:t>
-            </a:r>
-            <a:r>
-              <a:rPr lang="da-DK" sz="3600" b="1" dirty="0">
-                <a:solidFill>
-                  <a:srgbClr val="FF3300"/>
-                </a:solidFill>
-                <a:latin typeface="Monaco"/>
-              </a:rPr>
-              <a:t>1</a:t>
-            </a:r>
-            <a:r>
-              <a:rPr lang="da-DK" sz="3600" b="1" dirty="0">
-                <a:solidFill>
-                  <a:srgbClr val="000000"/>
-                </a:solidFill>
-                <a:latin typeface="Monaco"/>
-              </a:rPr>
-              <a:t>; </a:t>
-            </a:r>
-            <a:r>
-              <a:rPr lang="da-DK" sz="3600" b="1" dirty="0">
-                <a:solidFill>
-                  <a:srgbClr val="6A3E3E"/>
-                </a:solidFill>
-                <a:latin typeface="Monaco"/>
-              </a:rPr>
-              <a:t>j</a:t>
-            </a:r>
-            <a:r>
-              <a:rPr lang="da-DK" sz="3600" b="1" dirty="0">
-                <a:solidFill>
-                  <a:srgbClr val="000000"/>
-                </a:solidFill>
-                <a:latin typeface="Monaco"/>
-              </a:rPr>
-              <a:t> &lt;= </a:t>
-            </a:r>
-            <a:r>
-              <a:rPr lang="da-DK" sz="3600" b="1" dirty="0" smtClean="0">
-                <a:solidFill>
-                  <a:srgbClr val="FF3300"/>
-                </a:solidFill>
-                <a:latin typeface="Monaco"/>
-              </a:rPr>
-              <a:t>10</a:t>
-            </a:r>
-            <a:r>
-              <a:rPr lang="da-DK" sz="3600" b="1" dirty="0" smtClean="0">
+              <a:rPr lang="da-DK" sz="3600" b="1" dirty="0">
                 <a:solidFill>
                   <a:srgbClr val="000000"/>
                 </a:solidFill>
@@ -9466,6 +8958,148 @@
               </a:rPr>
               <a:t>}</a:t>
             </a:r>
+            <a:endParaRPr lang="en-US" sz="3600" dirty="0"/>
+          </a:p>
+          <a:p>
+            <a:r>
+              <a:rPr lang="da-DK" sz="3600" b="1" dirty="0">
+                <a:solidFill>
+                  <a:srgbClr val="7F0055"/>
+                </a:solidFill>
+                <a:latin typeface="Monaco"/>
+              </a:rPr>
+              <a:t>for</a:t>
+            </a:r>
+            <a:r>
+              <a:rPr lang="da-DK" sz="3600" b="1" dirty="0">
+                <a:solidFill>
+                  <a:srgbClr val="000000"/>
+                </a:solidFill>
+                <a:latin typeface="Monaco"/>
+              </a:rPr>
+              <a:t> (</a:t>
+            </a:r>
+            <a:r>
+              <a:rPr lang="da-DK" sz="3600" b="1" dirty="0" err="1">
+                <a:solidFill>
+                  <a:srgbClr val="7F0055"/>
+                </a:solidFill>
+                <a:latin typeface="Monaco"/>
+              </a:rPr>
+              <a:t>int</a:t>
+            </a:r>
+            <a:r>
+              <a:rPr lang="da-DK" sz="3600" b="1" dirty="0">
+                <a:solidFill>
+                  <a:srgbClr val="000000"/>
+                </a:solidFill>
+                <a:latin typeface="Monaco"/>
+              </a:rPr>
+              <a:t> </a:t>
+            </a:r>
+            <a:r>
+              <a:rPr lang="da-DK" sz="3600" b="1" dirty="0">
+                <a:solidFill>
+                  <a:srgbClr val="6A3E3E"/>
+                </a:solidFill>
+                <a:latin typeface="Monaco"/>
+              </a:rPr>
+              <a:t>j</a:t>
+            </a:r>
+            <a:r>
+              <a:rPr lang="da-DK" sz="3600" b="1" dirty="0">
+                <a:solidFill>
+                  <a:srgbClr val="000000"/>
+                </a:solidFill>
+                <a:latin typeface="Monaco"/>
+              </a:rPr>
+              <a:t> = </a:t>
+            </a:r>
+            <a:r>
+              <a:rPr lang="da-DK" sz="3600" b="1" dirty="0">
+                <a:solidFill>
+                  <a:srgbClr val="FF3300"/>
+                </a:solidFill>
+                <a:latin typeface="Monaco"/>
+              </a:rPr>
+              <a:t>1</a:t>
+            </a:r>
+            <a:r>
+              <a:rPr lang="da-DK" sz="3600" b="1" dirty="0">
+                <a:solidFill>
+                  <a:srgbClr val="000000"/>
+                </a:solidFill>
+                <a:latin typeface="Monaco"/>
+              </a:rPr>
+              <a:t>; </a:t>
+            </a:r>
+            <a:r>
+              <a:rPr lang="da-DK" sz="3600" b="1" dirty="0">
+                <a:solidFill>
+                  <a:srgbClr val="6A3E3E"/>
+                </a:solidFill>
+                <a:latin typeface="Monaco"/>
+              </a:rPr>
+              <a:t>j</a:t>
+            </a:r>
+            <a:r>
+              <a:rPr lang="da-DK" sz="3600" b="1" dirty="0">
+                <a:solidFill>
+                  <a:srgbClr val="000000"/>
+                </a:solidFill>
+                <a:latin typeface="Monaco"/>
+              </a:rPr>
+              <a:t> &lt;= </a:t>
+            </a:r>
+            <a:r>
+              <a:rPr lang="da-DK" sz="3600" b="1" dirty="0">
+                <a:solidFill>
+                  <a:srgbClr val="FF3300"/>
+                </a:solidFill>
+                <a:latin typeface="Monaco"/>
+              </a:rPr>
+              <a:t>10</a:t>
+            </a:r>
+            <a:r>
+              <a:rPr lang="da-DK" sz="3600" b="1" dirty="0">
+                <a:solidFill>
+                  <a:srgbClr val="000000"/>
+                </a:solidFill>
+                <a:latin typeface="Monaco"/>
+              </a:rPr>
+              <a:t>; </a:t>
+            </a:r>
+            <a:r>
+              <a:rPr lang="da-DK" sz="3600" b="1" dirty="0">
+                <a:solidFill>
+                  <a:srgbClr val="6A3E3E"/>
+                </a:solidFill>
+                <a:latin typeface="Monaco"/>
+              </a:rPr>
+              <a:t>j</a:t>
+            </a:r>
+            <a:r>
+              <a:rPr lang="da-DK" sz="3600" b="1" dirty="0">
+                <a:solidFill>
+                  <a:srgbClr val="000000"/>
+                </a:solidFill>
+                <a:latin typeface="Monaco"/>
+              </a:rPr>
+              <a:t>++)</a:t>
+            </a:r>
+          </a:p>
+          <a:p>
+            <a:r>
+              <a:rPr lang="da-DK" sz="3600" dirty="0">
+                <a:solidFill>
+                  <a:srgbClr val="000000"/>
+                </a:solidFill>
+                <a:latin typeface="Monaco"/>
+              </a:rPr>
+              <a:t>{</a:t>
+            </a:r>
+          </a:p>
+          <a:p>
             <a:endParaRPr lang="da-DK" sz="3600" dirty="0">
               <a:solidFill>
                 <a:srgbClr val="000000"/>
@@ -9475,7 +9109,24 @@
           </a:p>
           <a:p>
             <a:r>
-              <a:rPr lang="da-DK" sz="3600" dirty="0" smtClean="0">
+              <a:rPr lang="de-DE" sz="3600" dirty="0">
+                <a:solidFill>
+                  <a:srgbClr val="000000"/>
+                </a:solidFill>
+                <a:latin typeface="Monaco"/>
+              </a:rPr>
+              <a:t>}</a:t>
+            </a:r>
+            <a:endParaRPr lang="da-DK" sz="3600" dirty="0">
+              <a:solidFill>
+                <a:srgbClr val="000000"/>
+              </a:solidFill>
+              <a:latin typeface="Monaco"/>
+            </a:endParaRPr>
+          </a:p>
+          <a:p>
+            <a:r>
+              <a:rPr lang="da-DK" sz="3600" dirty="0">
                 <a:solidFill>
                   <a:srgbClr val="000000"/>
                 </a:solidFill>
@@ -9497,14 +9148,7 @@
   <p:clrMapOvr>
     <a:masterClrMapping/>
   </p:clrMapOvr>
-  <p:transition xmlns:p14="http://schemas.microsoft.com/office/powerpoint/2010/main" advTm="2000"/>
-  <p:timing>
-    <p:tnLst>
-      <p:par>
-        <p:cTn xmlns:p14="http://schemas.microsoft.com/office/powerpoint/2010/main" id="1" dur="indefinite" restart="never" nodeType="tmRoot"/>
-      </p:par>
-    </p:tnLst>
-  </p:timing>
+  <p:transition advTm="2000"/>
 </p:sld>
 </file>
 
@@ -9549,49 +9193,25 @@
                 </a:solidFill>
                 <a:latin typeface="Arial"/>
               </a:rPr>
-              <a:t>d</a:t>
-            </a:r>
-            <a:r>
-              <a:rPr lang="en-US" sz="4000" dirty="0" smtClean="0">
+              <a:t>do nothing</a:t>
+            </a:r>
+            <a:br>
+              <a:rPr lang="en-US" sz="8000" dirty="0">
                 <a:solidFill>
                   <a:srgbClr val="FF3B3B"/>
                 </a:solidFill>
                 <a:latin typeface="Arial"/>
               </a:rPr>
-              <a:t>o nothing</a:t>
-            </a:r>
-            <a:r>
-              <a:rPr lang="en-US" sz="8000" dirty="0" smtClean="0">
+            </a:br>
+            <a:r>
+              <a:rPr lang="en-US" sz="8000" dirty="0">
                 <a:solidFill>
                   <a:srgbClr val="FF3B3B"/>
                 </a:solidFill>
                 <a:latin typeface="Arial"/>
               </a:rPr>
-              <a:t/>
-            </a:r>
-            <a:br>
-              <a:rPr lang="en-US" sz="8000" dirty="0" smtClean="0">
-                <a:solidFill>
-                  <a:srgbClr val="FF3B3B"/>
-                </a:solidFill>
-                <a:latin typeface="Arial"/>
-              </a:rPr>
-            </a:br>
-            <a:r>
-              <a:rPr lang="en-US" sz="8000" dirty="0" smtClean="0">
-                <a:solidFill>
-                  <a:srgbClr val="FF3B3B"/>
-                </a:solidFill>
-                <a:latin typeface="Arial"/>
-              </a:rPr>
               <a:t>15 Times</a:t>
             </a:r>
-            <a:endParaRPr lang="en-US" sz="8000" dirty="0">
-              <a:solidFill>
-                <a:srgbClr val="FF3B3B"/>
-              </a:solidFill>
-              <a:latin typeface="Arial"/>
-            </a:endParaRPr>
           </a:p>
         </p:txBody>
       </p:sp>
@@ -9624,14 +9244,7 @@
   <p:clrMapOvr>
     <a:masterClrMapping/>
   </p:clrMapOvr>
-  <p:transition xmlns:p14="http://schemas.microsoft.com/office/powerpoint/2010/main" advTm="1000"/>
-  <p:timing>
-    <p:tnLst>
-      <p:par>
-        <p:cTn xmlns:p14="http://schemas.microsoft.com/office/powerpoint/2010/main" id="1" dur="indefinite" restart="never" nodeType="tmRoot"/>
-      </p:par>
-    </p:tnLst>
-  </p:timing>
+  <p:transition advTm="1000"/>
 </p:sld>
 </file>
 
@@ -9765,7 +9378,7 @@
               <a:t> &lt;= </a:t>
             </a:r>
             <a:r>
-              <a:rPr lang="da-DK" sz="3600" b="1" dirty="0" smtClean="0">
+              <a:rPr lang="da-DK" sz="3600" b="1" dirty="0">
                 <a:solidFill>
                   <a:srgbClr val="FF3300"/>
                 </a:solidFill>
@@ -9774,166 +9387,7 @@
               <a:t>20</a:t>
             </a:r>
             <a:r>
-              <a:rPr lang="da-DK" sz="3600" b="1" dirty="0" smtClean="0">
-                <a:solidFill>
-                  <a:srgbClr val="000000"/>
-                </a:solidFill>
-                <a:latin typeface="Monaco"/>
-              </a:rPr>
-              <a:t>; </a:t>
-            </a:r>
-            <a:r>
-              <a:rPr lang="da-DK" sz="3600" b="1" dirty="0">
-                <a:solidFill>
-                  <a:srgbClr val="6A3E3E"/>
-                </a:solidFill>
-                <a:latin typeface="Monaco"/>
-              </a:rPr>
-              <a:t>i</a:t>
-            </a:r>
-            <a:r>
-              <a:rPr lang="da-DK" sz="3600" b="1" dirty="0">
-                <a:solidFill>
-                  <a:srgbClr val="000000"/>
-                </a:solidFill>
-                <a:latin typeface="Monaco"/>
-              </a:rPr>
-              <a:t>++)</a:t>
-            </a:r>
-          </a:p>
-          <a:p>
-            <a:r>
-              <a:rPr lang="da-DK" sz="3600" dirty="0" smtClean="0">
-                <a:solidFill>
-                  <a:srgbClr val="000000"/>
-                </a:solidFill>
-                <a:latin typeface="Monaco"/>
-              </a:rPr>
-              <a:t>{</a:t>
-            </a:r>
-          </a:p>
-          <a:p>
-            <a:endParaRPr lang="da-DK" sz="3600" dirty="0" smtClean="0">
-              <a:solidFill>
-                <a:srgbClr val="000000"/>
-              </a:solidFill>
-              <a:latin typeface="Monaco"/>
-            </a:endParaRPr>
-          </a:p>
-          <a:p>
-            <a:r>
-              <a:rPr lang="de-DE" sz="3600" dirty="0" smtClean="0">
-                <a:solidFill>
-                  <a:srgbClr val="000000"/>
-                </a:solidFill>
-                <a:latin typeface="Monaco"/>
-              </a:rPr>
-              <a:t>}</a:t>
-            </a:r>
-            <a:endParaRPr lang="en-US" sz="3600" dirty="0"/>
-          </a:p>
-          <a:p>
-            <a:r>
-              <a:rPr lang="da-DK" sz="3600" b="1" dirty="0">
-                <a:solidFill>
-                  <a:srgbClr val="7F0055"/>
-                </a:solidFill>
-                <a:latin typeface="Monaco"/>
-              </a:rPr>
-              <a:t>for</a:t>
-            </a:r>
-            <a:r>
-              <a:rPr lang="da-DK" sz="3600" b="1" dirty="0">
-                <a:solidFill>
-                  <a:srgbClr val="000000"/>
-                </a:solidFill>
-                <a:latin typeface="Monaco"/>
-              </a:rPr>
-              <a:t> (</a:t>
-            </a:r>
-            <a:r>
-              <a:rPr lang="da-DK" sz="3600" b="1" dirty="0" err="1">
-                <a:solidFill>
-                  <a:srgbClr val="7F0055"/>
-                </a:solidFill>
-                <a:latin typeface="Monaco"/>
-              </a:rPr>
-              <a:t>int</a:t>
-            </a:r>
-            <a:r>
-              <a:rPr lang="da-DK" sz="3600" b="1" dirty="0">
-                <a:solidFill>
-                  <a:srgbClr val="000000"/>
-                </a:solidFill>
-                <a:latin typeface="Monaco"/>
-              </a:rPr>
-              <a:t> </a:t>
-            </a:r>
-            <a:r>
-              <a:rPr lang="da-DK" sz="3600" b="1" dirty="0">
-                <a:solidFill>
-                  <a:srgbClr val="6A3E3E"/>
-                </a:solidFill>
-                <a:latin typeface="Monaco"/>
-              </a:rPr>
-              <a:t>j</a:t>
-            </a:r>
-            <a:r>
-              <a:rPr lang="da-DK" sz="3600" b="1" dirty="0">
-                <a:solidFill>
-                  <a:srgbClr val="000000"/>
-                </a:solidFill>
-                <a:latin typeface="Monaco"/>
-              </a:rPr>
-              <a:t> = </a:t>
-            </a:r>
-            <a:r>
-              <a:rPr lang="da-DK" sz="3600" b="1" dirty="0">
-                <a:solidFill>
-                  <a:srgbClr val="FF3300"/>
-                </a:solidFill>
-                <a:latin typeface="Monaco"/>
-              </a:rPr>
-              <a:t>1</a:t>
-            </a:r>
-            <a:r>
-              <a:rPr lang="da-DK" sz="3600" b="1" dirty="0">
-                <a:solidFill>
-                  <a:srgbClr val="000000"/>
-                </a:solidFill>
-                <a:latin typeface="Monaco"/>
-              </a:rPr>
-              <a:t>; </a:t>
-            </a:r>
-            <a:r>
-              <a:rPr lang="da-DK" sz="3600" b="1" dirty="0">
-                <a:solidFill>
-                  <a:srgbClr val="6A3E3E"/>
-                </a:solidFill>
-                <a:latin typeface="Monaco"/>
-              </a:rPr>
-              <a:t>j</a:t>
-            </a:r>
-            <a:r>
-              <a:rPr lang="da-DK" sz="3600" b="1" dirty="0">
-                <a:solidFill>
-                  <a:srgbClr val="000000"/>
-                </a:solidFill>
-                <a:latin typeface="Monaco"/>
-              </a:rPr>
-              <a:t> &lt;= </a:t>
-            </a:r>
-            <a:r>
-              <a:rPr lang="da-DK" sz="3600" b="1" dirty="0" smtClean="0">
-                <a:solidFill>
-                  <a:srgbClr val="FF3300"/>
-                </a:solidFill>
-                <a:latin typeface="Monaco"/>
-              </a:rPr>
-              <a:t>1</a:t>
-            </a:r>
-            <a:r>
-              <a:rPr lang="da-DK" sz="3600" b="1" dirty="0" smtClean="0">
+              <a:rPr lang="da-DK" sz="3600" b="1" dirty="0">
                 <a:solidFill>
                   <a:srgbClr val="000000"/>
                 </a:solidFill>
@@ -9989,6 +9443,148 @@
               </a:rPr>
               <a:t>}</a:t>
             </a:r>
+            <a:endParaRPr lang="en-US" sz="3600" dirty="0"/>
+          </a:p>
+          <a:p>
+            <a:r>
+              <a:rPr lang="da-DK" sz="3600" b="1" dirty="0">
+                <a:solidFill>
+                  <a:srgbClr val="7F0055"/>
+                </a:solidFill>
+                <a:latin typeface="Monaco"/>
+              </a:rPr>
+              <a:t>for</a:t>
+            </a:r>
+            <a:r>
+              <a:rPr lang="da-DK" sz="3600" b="1" dirty="0">
+                <a:solidFill>
+                  <a:srgbClr val="000000"/>
+                </a:solidFill>
+                <a:latin typeface="Monaco"/>
+              </a:rPr>
+              <a:t> (</a:t>
+            </a:r>
+            <a:r>
+              <a:rPr lang="da-DK" sz="3600" b="1" dirty="0" err="1">
+                <a:solidFill>
+                  <a:srgbClr val="7F0055"/>
+                </a:solidFill>
+                <a:latin typeface="Monaco"/>
+              </a:rPr>
+              <a:t>int</a:t>
+            </a:r>
+            <a:r>
+              <a:rPr lang="da-DK" sz="3600" b="1" dirty="0">
+                <a:solidFill>
+                  <a:srgbClr val="000000"/>
+                </a:solidFill>
+                <a:latin typeface="Monaco"/>
+              </a:rPr>
+              <a:t> </a:t>
+            </a:r>
+            <a:r>
+              <a:rPr lang="da-DK" sz="3600" b="1" dirty="0">
+                <a:solidFill>
+                  <a:srgbClr val="6A3E3E"/>
+                </a:solidFill>
+                <a:latin typeface="Monaco"/>
+              </a:rPr>
+              <a:t>j</a:t>
+            </a:r>
+            <a:r>
+              <a:rPr lang="da-DK" sz="3600" b="1" dirty="0">
+                <a:solidFill>
+                  <a:srgbClr val="000000"/>
+                </a:solidFill>
+                <a:latin typeface="Monaco"/>
+              </a:rPr>
+              <a:t> = </a:t>
+            </a:r>
+            <a:r>
+              <a:rPr lang="da-DK" sz="3600" b="1" dirty="0">
+                <a:solidFill>
+                  <a:srgbClr val="FF3300"/>
+                </a:solidFill>
+                <a:latin typeface="Monaco"/>
+              </a:rPr>
+              <a:t>1</a:t>
+            </a:r>
+            <a:r>
+              <a:rPr lang="da-DK" sz="3600" b="1" dirty="0">
+                <a:solidFill>
+                  <a:srgbClr val="000000"/>
+                </a:solidFill>
+                <a:latin typeface="Monaco"/>
+              </a:rPr>
+              <a:t>; </a:t>
+            </a:r>
+            <a:r>
+              <a:rPr lang="da-DK" sz="3600" b="1" dirty="0">
+                <a:solidFill>
+                  <a:srgbClr val="6A3E3E"/>
+                </a:solidFill>
+                <a:latin typeface="Monaco"/>
+              </a:rPr>
+              <a:t>j</a:t>
+            </a:r>
+            <a:r>
+              <a:rPr lang="da-DK" sz="3600" b="1" dirty="0">
+                <a:solidFill>
+                  <a:srgbClr val="000000"/>
+                </a:solidFill>
+                <a:latin typeface="Monaco"/>
+              </a:rPr>
+              <a:t> &lt;= </a:t>
+            </a:r>
+            <a:r>
+              <a:rPr lang="da-DK" sz="3600" b="1" dirty="0">
+                <a:solidFill>
+                  <a:srgbClr val="FF3300"/>
+                </a:solidFill>
+                <a:latin typeface="Monaco"/>
+              </a:rPr>
+              <a:t>1</a:t>
+            </a:r>
+            <a:r>
+              <a:rPr lang="da-DK" sz="3600" b="1" dirty="0">
+                <a:solidFill>
+                  <a:srgbClr val="000000"/>
+                </a:solidFill>
+                <a:latin typeface="Monaco"/>
+              </a:rPr>
+              <a:t>; </a:t>
+            </a:r>
+            <a:r>
+              <a:rPr lang="da-DK" sz="3600" b="1" dirty="0">
+                <a:solidFill>
+                  <a:srgbClr val="6A3E3E"/>
+                </a:solidFill>
+                <a:latin typeface="Monaco"/>
+              </a:rPr>
+              <a:t>j</a:t>
+            </a:r>
+            <a:r>
+              <a:rPr lang="da-DK" sz="3600" b="1" dirty="0">
+                <a:solidFill>
+                  <a:srgbClr val="000000"/>
+                </a:solidFill>
+                <a:latin typeface="Monaco"/>
+              </a:rPr>
+              <a:t>++)</a:t>
+            </a:r>
+          </a:p>
+          <a:p>
+            <a:r>
+              <a:rPr lang="da-DK" sz="3600" dirty="0">
+                <a:solidFill>
+                  <a:srgbClr val="000000"/>
+                </a:solidFill>
+                <a:latin typeface="Monaco"/>
+              </a:rPr>
+              <a:t>{</a:t>
+            </a:r>
+          </a:p>
+          <a:p>
             <a:endParaRPr lang="da-DK" sz="3600" dirty="0">
               <a:solidFill>
                 <a:srgbClr val="000000"/>
@@ -9998,7 +9594,24 @@
           </a:p>
           <a:p>
             <a:r>
-              <a:rPr lang="da-DK" sz="3600" dirty="0" smtClean="0">
+              <a:rPr lang="de-DE" sz="3600" dirty="0">
+                <a:solidFill>
+                  <a:srgbClr val="000000"/>
+                </a:solidFill>
+                <a:latin typeface="Monaco"/>
+              </a:rPr>
+              <a:t>}</a:t>
+            </a:r>
+            <a:endParaRPr lang="da-DK" sz="3600" dirty="0">
+              <a:solidFill>
+                <a:srgbClr val="000000"/>
+              </a:solidFill>
+              <a:latin typeface="Monaco"/>
+            </a:endParaRPr>
+          </a:p>
+          <a:p>
+            <a:r>
+              <a:rPr lang="da-DK" sz="3600" dirty="0">
                 <a:solidFill>
                   <a:srgbClr val="000000"/>
                 </a:solidFill>
@@ -10020,14 +9633,7 @@
   <p:clrMapOvr>
     <a:masterClrMapping/>
   </p:clrMapOvr>
-  <p:transition xmlns:p14="http://schemas.microsoft.com/office/powerpoint/2010/main" advTm="2000"/>
-  <p:timing>
-    <p:tnLst>
-      <p:par>
-        <p:cTn xmlns:p14="http://schemas.microsoft.com/office/powerpoint/2010/main" id="1" dur="indefinite" restart="never" nodeType="tmRoot"/>
-      </p:par>
-    </p:tnLst>
-  </p:timing>
+  <p:transition advTm="2000"/>
 </p:sld>
 </file>
 
@@ -10072,49 +9678,25 @@
                 </a:solidFill>
                 <a:latin typeface="Arial"/>
               </a:rPr>
-              <a:t>d</a:t>
-            </a:r>
-            <a:r>
-              <a:rPr lang="en-US" sz="4000" dirty="0" smtClean="0">
+              <a:t>do nothing</a:t>
+            </a:r>
+            <a:br>
+              <a:rPr lang="en-US" sz="8000" dirty="0">
                 <a:solidFill>
                   <a:srgbClr val="FF3B3B"/>
                 </a:solidFill>
                 <a:latin typeface="Arial"/>
               </a:rPr>
-              <a:t>o nothing</a:t>
-            </a:r>
-            <a:r>
-              <a:rPr lang="en-US" sz="8000" dirty="0" smtClean="0">
+            </a:br>
+            <a:r>
+              <a:rPr lang="en-US" sz="8000" dirty="0">
                 <a:solidFill>
                   <a:srgbClr val="FF3B3B"/>
                 </a:solidFill>
                 <a:latin typeface="Arial"/>
               </a:rPr>
-              <a:t/>
-            </a:r>
-            <a:br>
-              <a:rPr lang="en-US" sz="8000" dirty="0" smtClean="0">
-                <a:solidFill>
-                  <a:srgbClr val="FF3B3B"/>
-                </a:solidFill>
-                <a:latin typeface="Arial"/>
-              </a:rPr>
-            </a:br>
-            <a:r>
-              <a:rPr lang="en-US" sz="8000" dirty="0" smtClean="0">
-                <a:solidFill>
-                  <a:srgbClr val="FF3B3B"/>
-                </a:solidFill>
-                <a:latin typeface="Arial"/>
-              </a:rPr>
               <a:t>21 Times</a:t>
             </a:r>
-            <a:endParaRPr lang="en-US" sz="8000" dirty="0">
-              <a:solidFill>
-                <a:srgbClr val="FF3B3B"/>
-              </a:solidFill>
-              <a:latin typeface="Arial"/>
-            </a:endParaRPr>
           </a:p>
         </p:txBody>
       </p:sp>
@@ -10147,14 +9729,7 @@
   <p:clrMapOvr>
     <a:masterClrMapping/>
   </p:clrMapOvr>
-  <p:transition xmlns:p14="http://schemas.microsoft.com/office/powerpoint/2010/main" advTm="1000"/>
-  <p:timing>
-    <p:tnLst>
-      <p:par>
-        <p:cTn xmlns:p14="http://schemas.microsoft.com/office/powerpoint/2010/main" id="1" dur="indefinite" restart="never" nodeType="tmRoot"/>
-      </p:par>
-    </p:tnLst>
-  </p:timing>
+  <p:transition advTm="1000"/>
 </p:sld>
 </file>
 
@@ -10288,7 +9863,7 @@
               <a:t> &lt;= </a:t>
             </a:r>
             <a:r>
-              <a:rPr lang="da-DK" sz="3600" b="1" dirty="0" smtClean="0">
+              <a:rPr lang="da-DK" sz="3600" b="1" dirty="0">
                 <a:solidFill>
                   <a:srgbClr val="FF3300"/>
                 </a:solidFill>
@@ -10297,166 +9872,7 @@
               <a:t>30</a:t>
             </a:r>
             <a:r>
-              <a:rPr lang="da-DK" sz="3600" b="1" dirty="0" smtClean="0">
-                <a:solidFill>
-                  <a:srgbClr val="000000"/>
-                </a:solidFill>
-                <a:latin typeface="Monaco"/>
-              </a:rPr>
-              <a:t>; </a:t>
-            </a:r>
-            <a:r>
-              <a:rPr lang="da-DK" sz="3600" b="1" dirty="0">
-                <a:solidFill>
-                  <a:srgbClr val="6A3E3E"/>
-                </a:solidFill>
-                <a:latin typeface="Monaco"/>
-              </a:rPr>
-              <a:t>i</a:t>
-            </a:r>
-            <a:r>
-              <a:rPr lang="da-DK" sz="3600" b="1" dirty="0">
-                <a:solidFill>
-                  <a:srgbClr val="000000"/>
-                </a:solidFill>
-                <a:latin typeface="Monaco"/>
-              </a:rPr>
-              <a:t>++)</a:t>
-            </a:r>
-          </a:p>
-          <a:p>
-            <a:r>
-              <a:rPr lang="da-DK" sz="3600" dirty="0" smtClean="0">
-                <a:solidFill>
-                  <a:srgbClr val="000000"/>
-                </a:solidFill>
-                <a:latin typeface="Monaco"/>
-              </a:rPr>
-              <a:t>{</a:t>
-            </a:r>
-          </a:p>
-          <a:p>
-            <a:endParaRPr lang="da-DK" sz="3600" dirty="0" smtClean="0">
-              <a:solidFill>
-                <a:srgbClr val="000000"/>
-              </a:solidFill>
-              <a:latin typeface="Monaco"/>
-            </a:endParaRPr>
-          </a:p>
-          <a:p>
-            <a:r>
-              <a:rPr lang="de-DE" sz="3600" dirty="0" smtClean="0">
-                <a:solidFill>
-                  <a:srgbClr val="000000"/>
-                </a:solidFill>
-                <a:latin typeface="Monaco"/>
-              </a:rPr>
-              <a:t>}</a:t>
-            </a:r>
-            <a:endParaRPr lang="en-US" sz="3600" dirty="0"/>
-          </a:p>
-          <a:p>
-            <a:r>
-              <a:rPr lang="da-DK" sz="3600" b="1" dirty="0">
-                <a:solidFill>
-                  <a:srgbClr val="7F0055"/>
-                </a:solidFill>
-                <a:latin typeface="Monaco"/>
-              </a:rPr>
-              <a:t>for</a:t>
-            </a:r>
-            <a:r>
-              <a:rPr lang="da-DK" sz="3600" b="1" dirty="0">
-                <a:solidFill>
-                  <a:srgbClr val="000000"/>
-                </a:solidFill>
-                <a:latin typeface="Monaco"/>
-              </a:rPr>
-              <a:t> (</a:t>
-            </a:r>
-            <a:r>
-              <a:rPr lang="da-DK" sz="3600" b="1" dirty="0" err="1">
-                <a:solidFill>
-                  <a:srgbClr val="7F0055"/>
-                </a:solidFill>
-                <a:latin typeface="Monaco"/>
-              </a:rPr>
-              <a:t>int</a:t>
-            </a:r>
-            <a:r>
-              <a:rPr lang="da-DK" sz="3600" b="1" dirty="0">
-                <a:solidFill>
-                  <a:srgbClr val="000000"/>
-                </a:solidFill>
-                <a:latin typeface="Monaco"/>
-              </a:rPr>
-              <a:t> </a:t>
-            </a:r>
-            <a:r>
-              <a:rPr lang="da-DK" sz="3600" b="1" dirty="0">
-                <a:solidFill>
-                  <a:srgbClr val="6A3E3E"/>
-                </a:solidFill>
-                <a:latin typeface="Monaco"/>
-              </a:rPr>
-              <a:t>j</a:t>
-            </a:r>
-            <a:r>
-              <a:rPr lang="da-DK" sz="3600" b="1" dirty="0">
-                <a:solidFill>
-                  <a:srgbClr val="000000"/>
-                </a:solidFill>
-                <a:latin typeface="Monaco"/>
-              </a:rPr>
-              <a:t> = </a:t>
-            </a:r>
-            <a:r>
-              <a:rPr lang="da-DK" sz="3600" b="1" dirty="0">
-                <a:solidFill>
-                  <a:srgbClr val="FF3300"/>
-                </a:solidFill>
-                <a:latin typeface="Monaco"/>
-              </a:rPr>
-              <a:t>1</a:t>
-            </a:r>
-            <a:r>
-              <a:rPr lang="da-DK" sz="3600" b="1" dirty="0">
-                <a:solidFill>
-                  <a:srgbClr val="000000"/>
-                </a:solidFill>
-                <a:latin typeface="Monaco"/>
-              </a:rPr>
-              <a:t>; </a:t>
-            </a:r>
-            <a:r>
-              <a:rPr lang="da-DK" sz="3600" b="1" dirty="0">
-                <a:solidFill>
-                  <a:srgbClr val="6A3E3E"/>
-                </a:solidFill>
-                <a:latin typeface="Monaco"/>
-              </a:rPr>
-              <a:t>j</a:t>
-            </a:r>
-            <a:r>
-              <a:rPr lang="da-DK" sz="3600" b="1" dirty="0">
-                <a:solidFill>
-                  <a:srgbClr val="000000"/>
-                </a:solidFill>
-                <a:latin typeface="Monaco"/>
-              </a:rPr>
-              <a:t> &lt;= </a:t>
-            </a:r>
-            <a:r>
-              <a:rPr lang="da-DK" sz="3600" b="1" dirty="0">
-                <a:solidFill>
-                  <a:srgbClr val="FF3300"/>
-                </a:solidFill>
-                <a:latin typeface="Monaco"/>
-              </a:rPr>
-              <a:t>5</a:t>
-            </a:r>
-            <a:r>
-              <a:rPr lang="da-DK" sz="3600" b="1" dirty="0" smtClean="0">
+              <a:rPr lang="da-DK" sz="3600" b="1" dirty="0">
                 <a:solidFill>
                   <a:srgbClr val="000000"/>
                 </a:solidFill>
@@ -10512,6 +9928,148 @@
               </a:rPr>
               <a:t>}</a:t>
             </a:r>
+            <a:endParaRPr lang="en-US" sz="3600" dirty="0"/>
+          </a:p>
+          <a:p>
+            <a:r>
+              <a:rPr lang="da-DK" sz="3600" b="1" dirty="0">
+                <a:solidFill>
+                  <a:srgbClr val="7F0055"/>
+                </a:solidFill>
+                <a:latin typeface="Monaco"/>
+              </a:rPr>
+              <a:t>for</a:t>
+            </a:r>
+            <a:r>
+              <a:rPr lang="da-DK" sz="3600" b="1" dirty="0">
+                <a:solidFill>
+                  <a:srgbClr val="000000"/>
+                </a:solidFill>
+                <a:latin typeface="Monaco"/>
+              </a:rPr>
+              <a:t> (</a:t>
+            </a:r>
+            <a:r>
+              <a:rPr lang="da-DK" sz="3600" b="1" dirty="0" err="1">
+                <a:solidFill>
+                  <a:srgbClr val="7F0055"/>
+                </a:solidFill>
+                <a:latin typeface="Monaco"/>
+              </a:rPr>
+              <a:t>int</a:t>
+            </a:r>
+            <a:r>
+              <a:rPr lang="da-DK" sz="3600" b="1" dirty="0">
+                <a:solidFill>
+                  <a:srgbClr val="000000"/>
+                </a:solidFill>
+                <a:latin typeface="Monaco"/>
+              </a:rPr>
+              <a:t> </a:t>
+            </a:r>
+            <a:r>
+              <a:rPr lang="da-DK" sz="3600" b="1" dirty="0">
+                <a:solidFill>
+                  <a:srgbClr val="6A3E3E"/>
+                </a:solidFill>
+                <a:latin typeface="Monaco"/>
+              </a:rPr>
+              <a:t>j</a:t>
+            </a:r>
+            <a:r>
+              <a:rPr lang="da-DK" sz="3600" b="1" dirty="0">
+                <a:solidFill>
+                  <a:srgbClr val="000000"/>
+                </a:solidFill>
+                <a:latin typeface="Monaco"/>
+              </a:rPr>
+              <a:t> = </a:t>
+            </a:r>
+            <a:r>
+              <a:rPr lang="da-DK" sz="3600" b="1" dirty="0">
+                <a:solidFill>
+                  <a:srgbClr val="FF3300"/>
+                </a:solidFill>
+                <a:latin typeface="Monaco"/>
+              </a:rPr>
+              <a:t>1</a:t>
+            </a:r>
+            <a:r>
+              <a:rPr lang="da-DK" sz="3600" b="1" dirty="0">
+                <a:solidFill>
+                  <a:srgbClr val="000000"/>
+                </a:solidFill>
+                <a:latin typeface="Monaco"/>
+              </a:rPr>
+              <a:t>; </a:t>
+            </a:r>
+            <a:r>
+              <a:rPr lang="da-DK" sz="3600" b="1" dirty="0">
+                <a:solidFill>
+                  <a:srgbClr val="6A3E3E"/>
+                </a:solidFill>
+                <a:latin typeface="Monaco"/>
+              </a:rPr>
+              <a:t>j</a:t>
+            </a:r>
+            <a:r>
+              <a:rPr lang="da-DK" sz="3600" b="1" dirty="0">
+                <a:solidFill>
+                  <a:srgbClr val="000000"/>
+                </a:solidFill>
+                <a:latin typeface="Monaco"/>
+              </a:rPr>
+              <a:t> &lt;= </a:t>
+            </a:r>
+            <a:r>
+              <a:rPr lang="da-DK" sz="3600" b="1" dirty="0">
+                <a:solidFill>
+                  <a:srgbClr val="FF3300"/>
+                </a:solidFill>
+                <a:latin typeface="Monaco"/>
+              </a:rPr>
+              <a:t>5</a:t>
+            </a:r>
+            <a:r>
+              <a:rPr lang="da-DK" sz="3600" b="1" dirty="0">
+                <a:solidFill>
+                  <a:srgbClr val="000000"/>
+                </a:solidFill>
+                <a:latin typeface="Monaco"/>
+              </a:rPr>
+              <a:t>; </a:t>
+            </a:r>
+            <a:r>
+              <a:rPr lang="da-DK" sz="3600" b="1" dirty="0">
+                <a:solidFill>
+                  <a:srgbClr val="6A3E3E"/>
+                </a:solidFill>
+                <a:latin typeface="Monaco"/>
+              </a:rPr>
+              <a:t>j</a:t>
+            </a:r>
+            <a:r>
+              <a:rPr lang="da-DK" sz="3600" b="1" dirty="0">
+                <a:solidFill>
+                  <a:srgbClr val="000000"/>
+                </a:solidFill>
+                <a:latin typeface="Monaco"/>
+              </a:rPr>
+              <a:t>++)</a:t>
+            </a:r>
+          </a:p>
+          <a:p>
+            <a:r>
+              <a:rPr lang="da-DK" sz="3600" dirty="0">
+                <a:solidFill>
+                  <a:srgbClr val="000000"/>
+                </a:solidFill>
+                <a:latin typeface="Monaco"/>
+              </a:rPr>
+              <a:t>{</a:t>
+            </a:r>
+          </a:p>
+          <a:p>
             <a:endParaRPr lang="da-DK" sz="3600" dirty="0">
               <a:solidFill>
                 <a:srgbClr val="000000"/>
@@ -10521,7 +10079,24 @@
           </a:p>
           <a:p>
             <a:r>
-              <a:rPr lang="da-DK" sz="3600" dirty="0" smtClean="0">
+              <a:rPr lang="de-DE" sz="3600" dirty="0">
+                <a:solidFill>
+                  <a:srgbClr val="000000"/>
+                </a:solidFill>
+                <a:latin typeface="Monaco"/>
+              </a:rPr>
+              <a:t>}</a:t>
+            </a:r>
+            <a:endParaRPr lang="da-DK" sz="3600" dirty="0">
+              <a:solidFill>
+                <a:srgbClr val="000000"/>
+              </a:solidFill>
+              <a:latin typeface="Monaco"/>
+            </a:endParaRPr>
+          </a:p>
+          <a:p>
+            <a:r>
+              <a:rPr lang="da-DK" sz="3600" dirty="0">
                 <a:solidFill>
                   <a:srgbClr val="000000"/>
                 </a:solidFill>
@@ -10543,14 +10118,7 @@
   <p:clrMapOvr>
     <a:masterClrMapping/>
   </p:clrMapOvr>
-  <p:transition xmlns:p14="http://schemas.microsoft.com/office/powerpoint/2010/main" advTm="2000"/>
-  <p:timing>
-    <p:tnLst>
-      <p:par>
-        <p:cTn xmlns:p14="http://schemas.microsoft.com/office/powerpoint/2010/main" id="1" dur="indefinite" restart="never" nodeType="tmRoot"/>
-      </p:par>
-    </p:tnLst>
-  </p:timing>
+  <p:transition advTm="2000"/>
 </p:sld>
 </file>
 
@@ -10693,7 +10261,7 @@
               <a:t>9</a:t>
             </a:r>
             <a:r>
-              <a:rPr lang="da-DK" sz="3600" b="1" dirty="0" smtClean="0">
+              <a:rPr lang="da-DK" sz="3600" b="1" dirty="0">
                 <a:solidFill>
                   <a:srgbClr val="000000"/>
                 </a:solidFill>
@@ -10722,7 +10290,7 @@
           </a:p>
           <a:p>
             <a:r>
-              <a:rPr lang="da-DK" sz="3600" dirty="0" smtClean="0">
+              <a:rPr lang="da-DK" sz="3600" dirty="0">
                 <a:solidFill>
                   <a:srgbClr val="000000"/>
                 </a:solidFill>
@@ -10741,7 +10309,7 @@
           </a:p>
           <a:p>
             <a:r>
-              <a:rPr lang="de-DE" sz="3600" dirty="0" smtClean="0">
+              <a:rPr lang="de-DE" sz="3600" dirty="0">
                 <a:solidFill>
                   <a:srgbClr val="000000"/>
                 </a:solidFill>
@@ -10753,7 +10321,7 @@
           </a:p>
           <a:p>
             <a:r>
-              <a:rPr lang="da-DK" sz="3600" dirty="0" smtClean="0">
+              <a:rPr lang="da-DK" sz="3600" dirty="0">
                 <a:solidFill>
                   <a:srgbClr val="000000"/>
                 </a:solidFill>
@@ -10775,14 +10343,7 @@
   <p:clrMapOvr>
     <a:masterClrMapping/>
   </p:clrMapOvr>
-  <p:transition xmlns:p14="http://schemas.microsoft.com/office/powerpoint/2010/main" advTm="4000"/>
-  <p:timing>
-    <p:tnLst>
-      <p:par>
-        <p:cTn xmlns:p14="http://schemas.microsoft.com/office/powerpoint/2010/main" id="1" dur="indefinite" restart="never" nodeType="tmRoot"/>
-      </p:par>
-    </p:tnLst>
-  </p:timing>
+  <p:transition advTm="4000"/>
 </p:sld>
 </file>
 
@@ -10827,49 +10388,25 @@
                 </a:solidFill>
                 <a:latin typeface="Arial"/>
               </a:rPr>
-              <a:t>d</a:t>
-            </a:r>
-            <a:r>
-              <a:rPr lang="en-US" sz="4000" dirty="0" smtClean="0">
+              <a:t>do nothing</a:t>
+            </a:r>
+            <a:br>
+              <a:rPr lang="en-US" sz="8000" dirty="0">
                 <a:solidFill>
                   <a:srgbClr val="FF3B3B"/>
                 </a:solidFill>
                 <a:latin typeface="Arial"/>
               </a:rPr>
-              <a:t>o nothing</a:t>
-            </a:r>
-            <a:r>
-              <a:rPr lang="en-US" sz="8000" dirty="0" smtClean="0">
+            </a:br>
+            <a:r>
+              <a:rPr lang="en-US" sz="8000" dirty="0">
                 <a:solidFill>
                   <a:srgbClr val="FF3B3B"/>
                 </a:solidFill>
                 <a:latin typeface="Arial"/>
               </a:rPr>
-              <a:t/>
-            </a:r>
-            <a:br>
-              <a:rPr lang="en-US" sz="8000" dirty="0" smtClean="0">
-                <a:solidFill>
-                  <a:srgbClr val="FF3B3B"/>
-                </a:solidFill>
-                <a:latin typeface="Arial"/>
-              </a:rPr>
-            </a:br>
-            <a:r>
-              <a:rPr lang="en-US" sz="8000" dirty="0" smtClean="0">
-                <a:solidFill>
-                  <a:srgbClr val="FF3B3B"/>
-                </a:solidFill>
-                <a:latin typeface="Arial"/>
-              </a:rPr>
               <a:t>35 Times</a:t>
             </a:r>
-            <a:endParaRPr lang="en-US" sz="8000" dirty="0">
-              <a:solidFill>
-                <a:srgbClr val="FF3B3B"/>
-              </a:solidFill>
-              <a:latin typeface="Arial"/>
-            </a:endParaRPr>
           </a:p>
         </p:txBody>
       </p:sp>
@@ -10902,14 +10439,7 @@
   <p:clrMapOvr>
     <a:masterClrMapping/>
   </p:clrMapOvr>
-  <p:transition xmlns:p14="http://schemas.microsoft.com/office/powerpoint/2010/main" advTm="1000"/>
-  <p:timing>
-    <p:tnLst>
-      <p:par>
-        <p:cTn xmlns:p14="http://schemas.microsoft.com/office/powerpoint/2010/main" id="1" dur="indefinite" restart="never" nodeType="tmRoot"/>
-      </p:par>
-    </p:tnLst>
-  </p:timing>
+  <p:transition advTm="1000"/>
 </p:sld>
 </file>
 
@@ -11043,7 +10573,7 @@
               <a:t> &lt;= </a:t>
             </a:r>
             <a:r>
-              <a:rPr lang="da-DK" sz="3600" b="1" dirty="0" smtClean="0">
+              <a:rPr lang="da-DK" sz="3600" b="1" dirty="0">
                 <a:solidFill>
                   <a:srgbClr val="FF3300"/>
                 </a:solidFill>
@@ -11052,166 +10582,7 @@
               <a:t>40</a:t>
             </a:r>
             <a:r>
-              <a:rPr lang="da-DK" sz="3600" b="1" dirty="0" smtClean="0">
-                <a:solidFill>
-                  <a:srgbClr val="000000"/>
-                </a:solidFill>
-                <a:latin typeface="Monaco"/>
-              </a:rPr>
-              <a:t>; </a:t>
-            </a:r>
-            <a:r>
-              <a:rPr lang="da-DK" sz="3600" b="1" dirty="0">
-                <a:solidFill>
-                  <a:srgbClr val="6A3E3E"/>
-                </a:solidFill>
-                <a:latin typeface="Monaco"/>
-              </a:rPr>
-              <a:t>i</a:t>
-            </a:r>
-            <a:r>
-              <a:rPr lang="da-DK" sz="3600" b="1" dirty="0">
-                <a:solidFill>
-                  <a:srgbClr val="000000"/>
-                </a:solidFill>
-                <a:latin typeface="Monaco"/>
-              </a:rPr>
-              <a:t>++)</a:t>
-            </a:r>
-          </a:p>
-          <a:p>
-            <a:r>
-              <a:rPr lang="da-DK" sz="3600" dirty="0" smtClean="0">
-                <a:solidFill>
-                  <a:srgbClr val="000000"/>
-                </a:solidFill>
-                <a:latin typeface="Monaco"/>
-              </a:rPr>
-              <a:t>{</a:t>
-            </a:r>
-          </a:p>
-          <a:p>
-            <a:endParaRPr lang="da-DK" sz="3600" dirty="0" smtClean="0">
-              <a:solidFill>
-                <a:srgbClr val="000000"/>
-              </a:solidFill>
-              <a:latin typeface="Monaco"/>
-            </a:endParaRPr>
-          </a:p>
-          <a:p>
-            <a:r>
-              <a:rPr lang="de-DE" sz="3600" dirty="0" smtClean="0">
-                <a:solidFill>
-                  <a:srgbClr val="000000"/>
-                </a:solidFill>
-                <a:latin typeface="Monaco"/>
-              </a:rPr>
-              <a:t>}</a:t>
-            </a:r>
-            <a:endParaRPr lang="en-US" sz="3600" dirty="0"/>
-          </a:p>
-          <a:p>
-            <a:r>
-              <a:rPr lang="da-DK" sz="3600" b="1" dirty="0">
-                <a:solidFill>
-                  <a:srgbClr val="7F0055"/>
-                </a:solidFill>
-                <a:latin typeface="Monaco"/>
-              </a:rPr>
-              <a:t>for</a:t>
-            </a:r>
-            <a:r>
-              <a:rPr lang="da-DK" sz="3600" b="1" dirty="0">
-                <a:solidFill>
-                  <a:srgbClr val="000000"/>
-                </a:solidFill>
-                <a:latin typeface="Monaco"/>
-              </a:rPr>
-              <a:t> (</a:t>
-            </a:r>
-            <a:r>
-              <a:rPr lang="da-DK" sz="3600" b="1" dirty="0" err="1">
-                <a:solidFill>
-                  <a:srgbClr val="7F0055"/>
-                </a:solidFill>
-                <a:latin typeface="Monaco"/>
-              </a:rPr>
-              <a:t>int</a:t>
-            </a:r>
-            <a:r>
-              <a:rPr lang="da-DK" sz="3600" b="1" dirty="0">
-                <a:solidFill>
-                  <a:srgbClr val="000000"/>
-                </a:solidFill>
-                <a:latin typeface="Monaco"/>
-              </a:rPr>
-              <a:t> </a:t>
-            </a:r>
-            <a:r>
-              <a:rPr lang="da-DK" sz="3600" b="1" dirty="0">
-                <a:solidFill>
-                  <a:srgbClr val="6A3E3E"/>
-                </a:solidFill>
-                <a:latin typeface="Monaco"/>
-              </a:rPr>
-              <a:t>j</a:t>
-            </a:r>
-            <a:r>
-              <a:rPr lang="da-DK" sz="3600" b="1" dirty="0">
-                <a:solidFill>
-                  <a:srgbClr val="000000"/>
-                </a:solidFill>
-                <a:latin typeface="Monaco"/>
-              </a:rPr>
-              <a:t> = </a:t>
-            </a:r>
-            <a:r>
-              <a:rPr lang="da-DK" sz="3600" b="1" dirty="0">
-                <a:solidFill>
-                  <a:srgbClr val="FF3300"/>
-                </a:solidFill>
-                <a:latin typeface="Monaco"/>
-              </a:rPr>
-              <a:t>1</a:t>
-            </a:r>
-            <a:r>
-              <a:rPr lang="da-DK" sz="3600" b="1" dirty="0">
-                <a:solidFill>
-                  <a:srgbClr val="000000"/>
-                </a:solidFill>
-                <a:latin typeface="Monaco"/>
-              </a:rPr>
-              <a:t>; </a:t>
-            </a:r>
-            <a:r>
-              <a:rPr lang="da-DK" sz="3600" b="1" dirty="0">
-                <a:solidFill>
-                  <a:srgbClr val="6A3E3E"/>
-                </a:solidFill>
-                <a:latin typeface="Monaco"/>
-              </a:rPr>
-              <a:t>j</a:t>
-            </a:r>
-            <a:r>
-              <a:rPr lang="da-DK" sz="3600" b="1" dirty="0">
-                <a:solidFill>
-                  <a:srgbClr val="000000"/>
-                </a:solidFill>
-                <a:latin typeface="Monaco"/>
-              </a:rPr>
-              <a:t> &lt;= </a:t>
-            </a:r>
-            <a:r>
-              <a:rPr lang="da-DK" sz="3600" b="1" dirty="0" smtClean="0">
-                <a:solidFill>
-                  <a:srgbClr val="FF3300"/>
-                </a:solidFill>
-                <a:latin typeface="Monaco"/>
-              </a:rPr>
-              <a:t>2</a:t>
-            </a:r>
-            <a:r>
-              <a:rPr lang="da-DK" sz="3600" b="1" dirty="0" smtClean="0">
+              <a:rPr lang="da-DK" sz="3600" b="1" dirty="0">
                 <a:solidFill>
                   <a:srgbClr val="000000"/>
                 </a:solidFill>
@@ -11267,6 +10638,148 @@
               </a:rPr>
               <a:t>}</a:t>
             </a:r>
+            <a:endParaRPr lang="en-US" sz="3600" dirty="0"/>
+          </a:p>
+          <a:p>
+            <a:r>
+              <a:rPr lang="da-DK" sz="3600" b="1" dirty="0">
+                <a:solidFill>
+                  <a:srgbClr val="7F0055"/>
+                </a:solidFill>
+                <a:latin typeface="Monaco"/>
+              </a:rPr>
+              <a:t>for</a:t>
+            </a:r>
+            <a:r>
+              <a:rPr lang="da-DK" sz="3600" b="1" dirty="0">
+                <a:solidFill>
+                  <a:srgbClr val="000000"/>
+                </a:solidFill>
+                <a:latin typeface="Monaco"/>
+              </a:rPr>
+              <a:t> (</a:t>
+            </a:r>
+            <a:r>
+              <a:rPr lang="da-DK" sz="3600" b="1" dirty="0" err="1">
+                <a:solidFill>
+                  <a:srgbClr val="7F0055"/>
+                </a:solidFill>
+                <a:latin typeface="Monaco"/>
+              </a:rPr>
+              <a:t>int</a:t>
+            </a:r>
+            <a:r>
+              <a:rPr lang="da-DK" sz="3600" b="1" dirty="0">
+                <a:solidFill>
+                  <a:srgbClr val="000000"/>
+                </a:solidFill>
+                <a:latin typeface="Monaco"/>
+              </a:rPr>
+              <a:t> </a:t>
+            </a:r>
+            <a:r>
+              <a:rPr lang="da-DK" sz="3600" b="1" dirty="0">
+                <a:solidFill>
+                  <a:srgbClr val="6A3E3E"/>
+                </a:solidFill>
+                <a:latin typeface="Monaco"/>
+              </a:rPr>
+              <a:t>j</a:t>
+            </a:r>
+            <a:r>
+              <a:rPr lang="da-DK" sz="3600" b="1" dirty="0">
+                <a:solidFill>
+                  <a:srgbClr val="000000"/>
+                </a:solidFill>
+                <a:latin typeface="Monaco"/>
+              </a:rPr>
+              <a:t> = </a:t>
+            </a:r>
+            <a:r>
+              <a:rPr lang="da-DK" sz="3600" b="1" dirty="0">
+                <a:solidFill>
+                  <a:srgbClr val="FF3300"/>
+                </a:solidFill>
+                <a:latin typeface="Monaco"/>
+              </a:rPr>
+              <a:t>1</a:t>
+            </a:r>
+            <a:r>
+              <a:rPr lang="da-DK" sz="3600" b="1" dirty="0">
+                <a:solidFill>
+                  <a:srgbClr val="000000"/>
+                </a:solidFill>
+                <a:latin typeface="Monaco"/>
+              </a:rPr>
+              <a:t>; </a:t>
+            </a:r>
+            <a:r>
+              <a:rPr lang="da-DK" sz="3600" b="1" dirty="0">
+                <a:solidFill>
+                  <a:srgbClr val="6A3E3E"/>
+                </a:solidFill>
+                <a:latin typeface="Monaco"/>
+              </a:rPr>
+              <a:t>j</a:t>
+            </a:r>
+            <a:r>
+              <a:rPr lang="da-DK" sz="3600" b="1" dirty="0">
+                <a:solidFill>
+                  <a:srgbClr val="000000"/>
+                </a:solidFill>
+                <a:latin typeface="Monaco"/>
+              </a:rPr>
+              <a:t> &lt;= </a:t>
+            </a:r>
+            <a:r>
+              <a:rPr lang="da-DK" sz="3600" b="1" dirty="0">
+                <a:solidFill>
+                  <a:srgbClr val="FF3300"/>
+                </a:solidFill>
+                <a:latin typeface="Monaco"/>
+              </a:rPr>
+              <a:t>2</a:t>
+            </a:r>
+            <a:r>
+              <a:rPr lang="da-DK" sz="3600" b="1" dirty="0">
+                <a:solidFill>
+                  <a:srgbClr val="000000"/>
+                </a:solidFill>
+                <a:latin typeface="Monaco"/>
+              </a:rPr>
+              <a:t>; </a:t>
+            </a:r>
+            <a:r>
+              <a:rPr lang="da-DK" sz="3600" b="1" dirty="0">
+                <a:solidFill>
+                  <a:srgbClr val="6A3E3E"/>
+                </a:solidFill>
+                <a:latin typeface="Monaco"/>
+              </a:rPr>
+              <a:t>j</a:t>
+            </a:r>
+            <a:r>
+              <a:rPr lang="da-DK" sz="3600" b="1" dirty="0">
+                <a:solidFill>
+                  <a:srgbClr val="000000"/>
+                </a:solidFill>
+                <a:latin typeface="Monaco"/>
+              </a:rPr>
+              <a:t>++)</a:t>
+            </a:r>
+          </a:p>
+          <a:p>
+            <a:r>
+              <a:rPr lang="da-DK" sz="3600" dirty="0">
+                <a:solidFill>
+                  <a:srgbClr val="000000"/>
+                </a:solidFill>
+                <a:latin typeface="Monaco"/>
+              </a:rPr>
+              <a:t>{</a:t>
+            </a:r>
+          </a:p>
+          <a:p>
             <a:endParaRPr lang="da-DK" sz="3600" dirty="0">
               <a:solidFill>
                 <a:srgbClr val="000000"/>
@@ -11276,7 +10789,24 @@
           </a:p>
           <a:p>
             <a:r>
-              <a:rPr lang="da-DK" sz="3600" dirty="0" smtClean="0">
+              <a:rPr lang="de-DE" sz="3600" dirty="0">
+                <a:solidFill>
+                  <a:srgbClr val="000000"/>
+                </a:solidFill>
+                <a:latin typeface="Monaco"/>
+              </a:rPr>
+              <a:t>}</a:t>
+            </a:r>
+            <a:endParaRPr lang="da-DK" sz="3600" dirty="0">
+              <a:solidFill>
+                <a:srgbClr val="000000"/>
+              </a:solidFill>
+              <a:latin typeface="Monaco"/>
+            </a:endParaRPr>
+          </a:p>
+          <a:p>
+            <a:r>
+              <a:rPr lang="da-DK" sz="3600" dirty="0">
                 <a:solidFill>
                   <a:srgbClr val="000000"/>
                 </a:solidFill>
@@ -11298,14 +10828,7 @@
   <p:clrMapOvr>
     <a:masterClrMapping/>
   </p:clrMapOvr>
-  <p:transition xmlns:p14="http://schemas.microsoft.com/office/powerpoint/2010/main" advTm="2000"/>
-  <p:timing>
-    <p:tnLst>
-      <p:par>
-        <p:cTn xmlns:p14="http://schemas.microsoft.com/office/powerpoint/2010/main" id="1" dur="indefinite" restart="never" nodeType="tmRoot"/>
-      </p:par>
-    </p:tnLst>
-  </p:timing>
+  <p:transition advTm="2000"/>
 </p:sld>
 </file>
 
@@ -11350,49 +10873,25 @@
                 </a:solidFill>
                 <a:latin typeface="Arial"/>
               </a:rPr>
-              <a:t>d</a:t>
-            </a:r>
-            <a:r>
-              <a:rPr lang="en-US" sz="4000" dirty="0" smtClean="0">
+              <a:t>do nothing</a:t>
+            </a:r>
+            <a:br>
+              <a:rPr lang="en-US" sz="8000" dirty="0">
                 <a:solidFill>
                   <a:srgbClr val="FF3B3B"/>
                 </a:solidFill>
                 <a:latin typeface="Arial"/>
               </a:rPr>
-              <a:t>o nothing</a:t>
-            </a:r>
-            <a:r>
-              <a:rPr lang="en-US" sz="8000" dirty="0" smtClean="0">
+            </a:br>
+            <a:r>
+              <a:rPr lang="en-US" sz="8000" dirty="0">
                 <a:solidFill>
                   <a:srgbClr val="FF3B3B"/>
                 </a:solidFill>
                 <a:latin typeface="Arial"/>
               </a:rPr>
-              <a:t/>
-            </a:r>
-            <a:br>
-              <a:rPr lang="en-US" sz="8000" dirty="0" smtClean="0">
-                <a:solidFill>
-                  <a:srgbClr val="FF3B3B"/>
-                </a:solidFill>
-                <a:latin typeface="Arial"/>
-              </a:rPr>
-            </a:br>
-            <a:r>
-              <a:rPr lang="en-US" sz="8000" dirty="0" smtClean="0">
-                <a:solidFill>
-                  <a:srgbClr val="FF3B3B"/>
-                </a:solidFill>
-                <a:latin typeface="Arial"/>
-              </a:rPr>
               <a:t>42 Times</a:t>
             </a:r>
-            <a:endParaRPr lang="en-US" sz="8000" dirty="0">
-              <a:solidFill>
-                <a:srgbClr val="FF3B3B"/>
-              </a:solidFill>
-              <a:latin typeface="Arial"/>
-            </a:endParaRPr>
           </a:p>
         </p:txBody>
       </p:sp>
@@ -11425,14 +10924,7 @@
   <p:clrMapOvr>
     <a:masterClrMapping/>
   </p:clrMapOvr>
-  <p:transition xmlns:p14="http://schemas.microsoft.com/office/powerpoint/2010/main" advTm="1000"/>
-  <p:timing>
-    <p:tnLst>
-      <p:par>
-        <p:cTn xmlns:p14="http://schemas.microsoft.com/office/powerpoint/2010/main" id="1" dur="indefinite" restart="never" nodeType="tmRoot"/>
-      </p:par>
-    </p:tnLst>
-  </p:timing>
+  <p:transition advTm="1000"/>
 </p:sld>
 </file>
 
@@ -11566,7 +11058,7 @@
               <a:t> &lt;= </a:t>
             </a:r>
             <a:r>
-              <a:rPr lang="da-DK" sz="3600" b="1" dirty="0" smtClean="0">
+              <a:rPr lang="da-DK" sz="3600" b="1" dirty="0">
                 <a:solidFill>
                   <a:srgbClr val="FF3300"/>
                 </a:solidFill>
@@ -11575,7 +11067,7 @@
               <a:t>10</a:t>
             </a:r>
             <a:r>
-              <a:rPr lang="da-DK" sz="3600" b="1" dirty="0" smtClean="0">
+              <a:rPr lang="da-DK" sz="3600" b="1" dirty="0">
                 <a:solidFill>
                   <a:srgbClr val="000000"/>
                 </a:solidFill>
@@ -11604,7 +11096,7 @@
           </a:p>
           <a:p>
             <a:r>
-              <a:rPr lang="da-DK" sz="3600" dirty="0" smtClean="0">
+              <a:rPr lang="da-DK" sz="3600" dirty="0">
                 <a:solidFill>
                   <a:srgbClr val="000000"/>
                 </a:solidFill>
@@ -11652,7 +11144,7 @@
               <a:t> </a:t>
             </a:r>
             <a:r>
-              <a:rPr lang="da-DK" sz="3600" b="1" dirty="0" smtClean="0">
+              <a:rPr lang="da-DK" sz="3600" b="1" dirty="0">
                 <a:solidFill>
                   <a:srgbClr val="6A3E3E"/>
                 </a:solidFill>
@@ -11661,22 +11153,13 @@
               <a:t>j</a:t>
             </a:r>
             <a:r>
-              <a:rPr lang="da-DK" sz="3600" b="1" dirty="0" smtClean="0">
-                <a:solidFill>
-                  <a:srgbClr val="000000"/>
-                </a:solidFill>
-                <a:latin typeface="Monaco"/>
-              </a:rPr>
-              <a:t> </a:t>
-            </a:r>
-            <a:r>
-              <a:rPr lang="da-DK" sz="3600" b="1" dirty="0">
-                <a:solidFill>
-                  <a:srgbClr val="000000"/>
-                </a:solidFill>
-                <a:latin typeface="Monaco"/>
-              </a:rPr>
-              <a:t>= </a:t>
+              <a:rPr lang="da-DK" sz="3600" b="1" dirty="0">
+                <a:solidFill>
+                  <a:srgbClr val="000000"/>
+                </a:solidFill>
+                <a:latin typeface="Monaco"/>
+              </a:rPr>
+              <a:t> = </a:t>
             </a:r>
             <a:r>
               <a:rPr lang="da-DK" sz="3600" b="1" dirty="0">
@@ -11697,7 +11180,7 @@
               <a:t>; </a:t>
             </a:r>
             <a:r>
-              <a:rPr lang="da-DK" sz="3600" b="1" dirty="0" smtClean="0">
+              <a:rPr lang="da-DK" sz="3600" b="1" dirty="0">
                 <a:solidFill>
                   <a:srgbClr val="6A3E3E"/>
                 </a:solidFill>
@@ -11706,25 +11189,16 @@
               <a:t>j</a:t>
             </a:r>
             <a:r>
-              <a:rPr lang="da-DK" sz="3600" b="1" dirty="0" smtClean="0">
-                <a:solidFill>
-                  <a:srgbClr val="000000"/>
-                </a:solidFill>
-                <a:latin typeface="Monaco"/>
-              </a:rPr>
-              <a:t> </a:t>
-            </a:r>
-            <a:r>
-              <a:rPr lang="da-DK" sz="3600" b="1" dirty="0">
-                <a:solidFill>
-                  <a:srgbClr val="000000"/>
-                </a:solidFill>
-                <a:latin typeface="Monaco"/>
-              </a:rPr>
-              <a:t>&lt;= </a:t>
-            </a:r>
-            <a:r>
-              <a:rPr lang="da-DK" sz="3600" b="1" dirty="0" smtClean="0">
+              <a:rPr lang="da-DK" sz="3600" b="1" dirty="0">
+                <a:solidFill>
+                  <a:srgbClr val="000000"/>
+                </a:solidFill>
+                <a:latin typeface="Monaco"/>
+              </a:rPr>
+              <a:t> &lt;= </a:t>
+            </a:r>
+            <a:r>
+              <a:rPr lang="da-DK" sz="3600" b="1" dirty="0">
                 <a:solidFill>
                   <a:srgbClr val="FF3300"/>
                 </a:solidFill>
@@ -11733,7 +11207,7 @@
               <a:t>3</a:t>
             </a:r>
             <a:r>
-              <a:rPr lang="da-DK" sz="3600" b="1" dirty="0" smtClean="0">
+              <a:rPr lang="da-DK" sz="3600" b="1" dirty="0">
                 <a:solidFill>
                   <a:srgbClr val="000000"/>
                 </a:solidFill>
@@ -11748,7 +11222,7 @@
                 </a:solidFill>
                 <a:latin typeface="Monaco"/>
               </a:rPr>
-              <a:t>i</a:t>
+              <a:t>j</a:t>
             </a:r>
             <a:r>
               <a:rPr lang="da-DK" sz="3600" b="1" dirty="0">
@@ -11784,7 +11258,7 @@
           <a:p>
             <a:pPr lvl="1"/>
             <a:r>
-              <a:rPr lang="de-DE" sz="3600" dirty="0" smtClean="0">
+              <a:rPr lang="de-DE" sz="3600" dirty="0">
                 <a:solidFill>
                   <a:srgbClr val="000000"/>
                 </a:solidFill>
@@ -11801,7 +11275,7 @@
           </a:p>
           <a:p>
             <a:r>
-              <a:rPr lang="de-DE" sz="3600" dirty="0" smtClean="0">
+              <a:rPr lang="de-DE" sz="3600" dirty="0">
                 <a:solidFill>
                   <a:srgbClr val="000000"/>
                 </a:solidFill>
@@ -11813,7 +11287,7 @@
           </a:p>
           <a:p>
             <a:r>
-              <a:rPr lang="da-DK" sz="3600" dirty="0" smtClean="0">
+              <a:rPr lang="da-DK" sz="3600" dirty="0">
                 <a:solidFill>
                   <a:srgbClr val="000000"/>
                 </a:solidFill>
@@ -11835,14 +11309,7 @@
   <p:clrMapOvr>
     <a:masterClrMapping/>
   </p:clrMapOvr>
-  <p:transition xmlns:p14="http://schemas.microsoft.com/office/powerpoint/2010/main" advTm="2000"/>
-  <p:timing>
-    <p:tnLst>
-      <p:par>
-        <p:cTn xmlns:p14="http://schemas.microsoft.com/office/powerpoint/2010/main" id="1" dur="indefinite" restart="never" nodeType="tmRoot"/>
-      </p:par>
-    </p:tnLst>
-  </p:timing>
+  <p:transition advTm="2000"/>
 </p:sld>
 </file>
 
@@ -11887,49 +11354,25 @@
                 </a:solidFill>
                 <a:latin typeface="Arial"/>
               </a:rPr>
-              <a:t>d</a:t>
-            </a:r>
-            <a:r>
-              <a:rPr lang="en-US" sz="4000" dirty="0" smtClean="0">
+              <a:t>do nothing</a:t>
+            </a:r>
+            <a:br>
+              <a:rPr lang="en-US" sz="8000" dirty="0">
                 <a:solidFill>
                   <a:srgbClr val="FF3B3B"/>
                 </a:solidFill>
                 <a:latin typeface="Arial"/>
               </a:rPr>
-              <a:t>o nothing</a:t>
-            </a:r>
-            <a:r>
-              <a:rPr lang="en-US" sz="8000" dirty="0" smtClean="0">
+            </a:br>
+            <a:r>
+              <a:rPr lang="en-US" sz="8000" dirty="0">
                 <a:solidFill>
                   <a:srgbClr val="FF3B3B"/>
                 </a:solidFill>
                 <a:latin typeface="Arial"/>
               </a:rPr>
-              <a:t/>
-            </a:r>
-            <a:br>
-              <a:rPr lang="en-US" sz="8000" dirty="0" smtClean="0">
-                <a:solidFill>
-                  <a:srgbClr val="FF3B3B"/>
-                </a:solidFill>
-                <a:latin typeface="Arial"/>
-              </a:rPr>
-            </a:br>
-            <a:r>
-              <a:rPr lang="en-US" sz="8000" dirty="0" smtClean="0">
-                <a:solidFill>
-                  <a:srgbClr val="FF3B3B"/>
-                </a:solidFill>
-                <a:latin typeface="Arial"/>
-              </a:rPr>
               <a:t>30 Times</a:t>
             </a:r>
-            <a:endParaRPr lang="en-US" sz="8000" dirty="0">
-              <a:solidFill>
-                <a:srgbClr val="FF3B3B"/>
-              </a:solidFill>
-              <a:latin typeface="Arial"/>
-            </a:endParaRPr>
           </a:p>
         </p:txBody>
       </p:sp>
@@ -11962,14 +11405,7 @@
   <p:clrMapOvr>
     <a:masterClrMapping/>
   </p:clrMapOvr>
-  <p:transition xmlns:p14="http://schemas.microsoft.com/office/powerpoint/2010/main" advTm="1000"/>
-  <p:timing>
-    <p:tnLst>
-      <p:par>
-        <p:cTn xmlns:p14="http://schemas.microsoft.com/office/powerpoint/2010/main" id="1" dur="indefinite" restart="never" nodeType="tmRoot"/>
-      </p:par>
-    </p:tnLst>
-  </p:timing>
+  <p:transition advTm="1000"/>
 </p:sld>
 </file>
 
@@ -12112,7 +11548,7 @@
               <a:t>5</a:t>
             </a:r>
             <a:r>
-              <a:rPr lang="da-DK" sz="3600" b="1" dirty="0" smtClean="0">
+              <a:rPr lang="da-DK" sz="3600" b="1" dirty="0">
                 <a:solidFill>
                   <a:srgbClr val="000000"/>
                 </a:solidFill>
@@ -12141,7 +11577,7 @@
           </a:p>
           <a:p>
             <a:r>
-              <a:rPr lang="da-DK" sz="3600" dirty="0" smtClean="0">
+              <a:rPr lang="da-DK" sz="3600" dirty="0">
                 <a:solidFill>
                   <a:srgbClr val="000000"/>
                 </a:solidFill>
@@ -12189,7 +11625,7 @@
               <a:t> </a:t>
             </a:r>
             <a:r>
-              <a:rPr lang="da-DK" sz="3600" b="1" dirty="0" smtClean="0">
+              <a:rPr lang="da-DK" sz="3600" b="1" dirty="0">
                 <a:solidFill>
                   <a:srgbClr val="6A3E3E"/>
                 </a:solidFill>
@@ -12198,22 +11634,13 @@
               <a:t>j</a:t>
             </a:r>
             <a:r>
-              <a:rPr lang="da-DK" sz="3600" b="1" dirty="0" smtClean="0">
-                <a:solidFill>
-                  <a:srgbClr val="000000"/>
-                </a:solidFill>
-                <a:latin typeface="Monaco"/>
-              </a:rPr>
-              <a:t> </a:t>
-            </a:r>
-            <a:r>
-              <a:rPr lang="da-DK" sz="3600" b="1" dirty="0">
-                <a:solidFill>
-                  <a:srgbClr val="000000"/>
-                </a:solidFill>
-                <a:latin typeface="Monaco"/>
-              </a:rPr>
-              <a:t>= </a:t>
+              <a:rPr lang="da-DK" sz="3600" b="1" dirty="0">
+                <a:solidFill>
+                  <a:srgbClr val="000000"/>
+                </a:solidFill>
+                <a:latin typeface="Monaco"/>
+              </a:rPr>
+              <a:t> = </a:t>
             </a:r>
             <a:r>
               <a:rPr lang="da-DK" sz="3600" b="1" dirty="0">
@@ -12234,7 +11661,7 @@
               <a:t>; </a:t>
             </a:r>
             <a:r>
-              <a:rPr lang="da-DK" sz="3600" b="1" dirty="0" smtClean="0">
+              <a:rPr lang="da-DK" sz="3600" b="1" dirty="0">
                 <a:solidFill>
                   <a:srgbClr val="6A3E3E"/>
                 </a:solidFill>
@@ -12243,25 +11670,16 @@
               <a:t>j</a:t>
             </a:r>
             <a:r>
-              <a:rPr lang="da-DK" sz="3600" b="1" dirty="0" smtClean="0">
-                <a:solidFill>
-                  <a:srgbClr val="000000"/>
-                </a:solidFill>
-                <a:latin typeface="Monaco"/>
-              </a:rPr>
-              <a:t> </a:t>
-            </a:r>
-            <a:r>
-              <a:rPr lang="da-DK" sz="3600" b="1" dirty="0">
-                <a:solidFill>
-                  <a:srgbClr val="000000"/>
-                </a:solidFill>
-                <a:latin typeface="Monaco"/>
-              </a:rPr>
-              <a:t>&lt;= </a:t>
-            </a:r>
-            <a:r>
-              <a:rPr lang="da-DK" sz="3600" b="1" dirty="0" smtClean="0">
+              <a:rPr lang="da-DK" sz="3600" b="1" dirty="0">
+                <a:solidFill>
+                  <a:srgbClr val="000000"/>
+                </a:solidFill>
+                <a:latin typeface="Monaco"/>
+              </a:rPr>
+              <a:t> &lt;= </a:t>
+            </a:r>
+            <a:r>
+              <a:rPr lang="da-DK" sz="3600" b="1" dirty="0">
                 <a:solidFill>
                   <a:srgbClr val="FF3300"/>
                 </a:solidFill>
@@ -12270,7 +11688,7 @@
               <a:t>10</a:t>
             </a:r>
             <a:r>
-              <a:rPr lang="da-DK" sz="3600" b="1" dirty="0" smtClean="0">
+              <a:rPr lang="da-DK" sz="3600" b="1" dirty="0">
                 <a:solidFill>
                   <a:srgbClr val="000000"/>
                 </a:solidFill>
@@ -12285,7 +11703,7 @@
                 </a:solidFill>
                 <a:latin typeface="Monaco"/>
               </a:rPr>
-              <a:t>i</a:t>
+              <a:t>j</a:t>
             </a:r>
             <a:r>
               <a:rPr lang="da-DK" sz="3600" b="1" dirty="0">
@@ -12321,7 +11739,7 @@
           <a:p>
             <a:pPr lvl="1"/>
             <a:r>
-              <a:rPr lang="de-DE" sz="3600" dirty="0" smtClean="0">
+              <a:rPr lang="de-DE" sz="3600" dirty="0">
                 <a:solidFill>
                   <a:srgbClr val="000000"/>
                 </a:solidFill>
@@ -12338,7 +11756,7 @@
           </a:p>
           <a:p>
             <a:r>
-              <a:rPr lang="de-DE" sz="3600" dirty="0" smtClean="0">
+              <a:rPr lang="de-DE" sz="3600" dirty="0">
                 <a:solidFill>
                   <a:srgbClr val="000000"/>
                 </a:solidFill>
@@ -12350,7 +11768,7 @@
           </a:p>
           <a:p>
             <a:r>
-              <a:rPr lang="da-DK" sz="3600" dirty="0" smtClean="0">
+              <a:rPr lang="da-DK" sz="3600" dirty="0">
                 <a:solidFill>
                   <a:srgbClr val="000000"/>
                 </a:solidFill>
@@ -12372,14 +11790,7 @@
   <p:clrMapOvr>
     <a:masterClrMapping/>
   </p:clrMapOvr>
-  <p:transition xmlns:p14="http://schemas.microsoft.com/office/powerpoint/2010/main" advTm="2000"/>
-  <p:timing>
-    <p:tnLst>
-      <p:par>
-        <p:cTn xmlns:p14="http://schemas.microsoft.com/office/powerpoint/2010/main" id="1" dur="indefinite" restart="never" nodeType="tmRoot"/>
-      </p:par>
-    </p:tnLst>
-  </p:timing>
+  <p:transition advTm="2000"/>
 </p:sld>
 </file>
 
@@ -12424,58 +11835,25 @@
                 </a:solidFill>
                 <a:latin typeface="Arial"/>
               </a:rPr>
-              <a:t>d</a:t>
-            </a:r>
-            <a:r>
-              <a:rPr lang="en-US" sz="4000" dirty="0" smtClean="0">
+              <a:t>do nothing</a:t>
+            </a:r>
+            <a:br>
+              <a:rPr lang="en-US" sz="8000" dirty="0">
                 <a:solidFill>
                   <a:srgbClr val="FF3B3B"/>
                 </a:solidFill>
                 <a:latin typeface="Arial"/>
               </a:rPr>
-              <a:t>o nothing</a:t>
-            </a:r>
-            <a:r>
-              <a:rPr lang="en-US" sz="8000" dirty="0" smtClean="0">
+            </a:br>
+            <a:r>
+              <a:rPr lang="en-US" sz="8000" dirty="0">
                 <a:solidFill>
                   <a:srgbClr val="FF3B3B"/>
                 </a:solidFill>
                 <a:latin typeface="Arial"/>
               </a:rPr>
-              <a:t/>
-            </a:r>
-            <a:br>
-              <a:rPr lang="en-US" sz="8000" dirty="0" smtClean="0">
-                <a:solidFill>
-                  <a:srgbClr val="FF3B3B"/>
-                </a:solidFill>
-                <a:latin typeface="Arial"/>
-              </a:rPr>
-            </a:br>
-            <a:r>
-              <a:rPr lang="en-US" sz="8000" dirty="0">
-                <a:solidFill>
-                  <a:srgbClr val="FF3B3B"/>
-                </a:solidFill>
-                <a:latin typeface="Arial"/>
-              </a:rPr>
-              <a:t>5</a:t>
-            </a:r>
-            <a:r>
-              <a:rPr lang="en-US" sz="8000" dirty="0" smtClean="0">
-                <a:solidFill>
-                  <a:srgbClr val="FF3B3B"/>
-                </a:solidFill>
-                <a:latin typeface="Arial"/>
-              </a:rPr>
-              <a:t>0 Times</a:t>
-            </a:r>
-            <a:endParaRPr lang="en-US" sz="8000" dirty="0">
-              <a:solidFill>
-                <a:srgbClr val="FF3B3B"/>
-              </a:solidFill>
-              <a:latin typeface="Arial"/>
-            </a:endParaRPr>
+              <a:t>50 Times</a:t>
+            </a:r>
           </a:p>
         </p:txBody>
       </p:sp>
@@ -12508,14 +11886,7 @@
   <p:clrMapOvr>
     <a:masterClrMapping/>
   </p:clrMapOvr>
-  <p:transition xmlns:p14="http://schemas.microsoft.com/office/powerpoint/2010/main" advTm="1000"/>
-  <p:timing>
-    <p:tnLst>
-      <p:par>
-        <p:cTn xmlns:p14="http://schemas.microsoft.com/office/powerpoint/2010/main" id="1" dur="indefinite" restart="never" nodeType="tmRoot"/>
-      </p:par>
-    </p:tnLst>
-  </p:timing>
+  <p:transition advTm="1000"/>
 </p:sld>
 </file>
 
@@ -12545,7 +11916,7 @@
         <p:spPr>
           <a:xfrm>
             <a:off x="304800" y="1295400"/>
-            <a:ext cx="8763000" cy="4524316"/>
+            <a:ext cx="8763000" cy="4524315"/>
           </a:xfrm>
           <a:prstGeom prst="rect">
             <a:avLst/>
@@ -12649,7 +12020,7 @@
               <a:t> &lt;= </a:t>
             </a:r>
             <a:r>
-              <a:rPr lang="da-DK" sz="3600" b="1" dirty="0" smtClean="0">
+              <a:rPr lang="da-DK" sz="3600" b="1" dirty="0">
                 <a:solidFill>
                   <a:srgbClr val="FF3300"/>
                 </a:solidFill>
@@ -12658,7 +12029,7 @@
               <a:t>10</a:t>
             </a:r>
             <a:r>
-              <a:rPr lang="da-DK" sz="3600" b="1" dirty="0" smtClean="0">
+              <a:rPr lang="da-DK" sz="3600" b="1" dirty="0">
                 <a:solidFill>
                   <a:srgbClr val="000000"/>
                 </a:solidFill>
@@ -12687,7 +12058,7 @@
           </a:p>
           <a:p>
             <a:r>
-              <a:rPr lang="da-DK" sz="3600" dirty="0" smtClean="0">
+              <a:rPr lang="da-DK" sz="3600" dirty="0">
                 <a:solidFill>
                   <a:srgbClr val="000000"/>
                 </a:solidFill>
@@ -12735,7 +12106,7 @@
               <a:t> </a:t>
             </a:r>
             <a:r>
-              <a:rPr lang="da-DK" sz="3600" b="1" dirty="0" smtClean="0">
+              <a:rPr lang="da-DK" sz="3600" b="1" dirty="0">
                 <a:solidFill>
                   <a:srgbClr val="6A3E3E"/>
                 </a:solidFill>
@@ -12744,22 +12115,13 @@
               <a:t>j</a:t>
             </a:r>
             <a:r>
-              <a:rPr lang="da-DK" sz="3600" b="1" dirty="0" smtClean="0">
-                <a:solidFill>
-                  <a:srgbClr val="000000"/>
-                </a:solidFill>
-                <a:latin typeface="Monaco"/>
-              </a:rPr>
-              <a:t> </a:t>
-            </a:r>
-            <a:r>
-              <a:rPr lang="da-DK" sz="3600" b="1" dirty="0">
-                <a:solidFill>
-                  <a:srgbClr val="000000"/>
-                </a:solidFill>
-                <a:latin typeface="Monaco"/>
-              </a:rPr>
-              <a:t>= </a:t>
+              <a:rPr lang="da-DK" sz="3600" b="1" dirty="0">
+                <a:solidFill>
+                  <a:srgbClr val="000000"/>
+                </a:solidFill>
+                <a:latin typeface="Monaco"/>
+              </a:rPr>
+              <a:t> = </a:t>
             </a:r>
             <a:r>
               <a:rPr lang="da-DK" sz="3600" b="1" dirty="0">
@@ -12780,7 +12142,7 @@
               <a:t>; </a:t>
             </a:r>
             <a:r>
-              <a:rPr lang="da-DK" sz="3600" b="1" dirty="0" smtClean="0">
+              <a:rPr lang="da-DK" sz="3600" b="1" dirty="0">
                 <a:solidFill>
                   <a:srgbClr val="6A3E3E"/>
                 </a:solidFill>
@@ -12789,25 +12151,16 @@
               <a:t>j</a:t>
             </a:r>
             <a:r>
-              <a:rPr lang="da-DK" sz="3600" b="1" dirty="0" smtClean="0">
-                <a:solidFill>
-                  <a:srgbClr val="000000"/>
-                </a:solidFill>
-                <a:latin typeface="Monaco"/>
-              </a:rPr>
-              <a:t> </a:t>
-            </a:r>
-            <a:r>
-              <a:rPr lang="da-DK" sz="3600" b="1" dirty="0">
-                <a:solidFill>
-                  <a:srgbClr val="000000"/>
-                </a:solidFill>
-                <a:latin typeface="Monaco"/>
-              </a:rPr>
-              <a:t>&lt;= </a:t>
-            </a:r>
-            <a:r>
-              <a:rPr lang="da-DK" sz="3600" b="1" dirty="0" smtClean="0">
+              <a:rPr lang="da-DK" sz="3600" b="1" dirty="0">
+                <a:solidFill>
+                  <a:srgbClr val="000000"/>
+                </a:solidFill>
+                <a:latin typeface="Monaco"/>
+              </a:rPr>
+              <a:t> &lt;= </a:t>
+            </a:r>
+            <a:r>
+              <a:rPr lang="da-DK" sz="3600" b="1" dirty="0">
                 <a:solidFill>
                   <a:srgbClr val="FF3300"/>
                 </a:solidFill>
@@ -12816,7 +12169,7 @@
               <a:t>10</a:t>
             </a:r>
             <a:r>
-              <a:rPr lang="da-DK" sz="3600" b="1" dirty="0" smtClean="0">
+              <a:rPr lang="da-DK" sz="3600" b="1" dirty="0">
                 <a:solidFill>
                   <a:srgbClr val="000000"/>
                 </a:solidFill>
@@ -12831,7 +12184,7 @@
                 </a:solidFill>
                 <a:latin typeface="Monaco"/>
               </a:rPr>
-              <a:t>i</a:t>
+              <a:t>j</a:t>
             </a:r>
             <a:r>
               <a:rPr lang="da-DK" sz="3600" b="1" dirty="0">
@@ -12867,7 +12220,7 @@
           <a:p>
             <a:pPr lvl="1"/>
             <a:r>
-              <a:rPr lang="de-DE" sz="3600" dirty="0" smtClean="0">
+              <a:rPr lang="de-DE" sz="3600" dirty="0">
                 <a:solidFill>
                   <a:srgbClr val="000000"/>
                 </a:solidFill>
@@ -12884,7 +12237,7 @@
           </a:p>
           <a:p>
             <a:r>
-              <a:rPr lang="de-DE" sz="3600" dirty="0" smtClean="0">
+              <a:rPr lang="de-DE" sz="3600" dirty="0">
                 <a:solidFill>
                   <a:srgbClr val="000000"/>
                 </a:solidFill>
@@ -12896,7 +12249,7 @@
           </a:p>
           <a:p>
             <a:r>
-              <a:rPr lang="da-DK" sz="3600" dirty="0" smtClean="0">
+              <a:rPr lang="da-DK" sz="3600" dirty="0">
                 <a:solidFill>
                   <a:srgbClr val="000000"/>
                 </a:solidFill>
@@ -12918,14 +12271,7 @@
   <p:clrMapOvr>
     <a:masterClrMapping/>
   </p:clrMapOvr>
-  <p:transition xmlns:p14="http://schemas.microsoft.com/office/powerpoint/2010/main" advTm="2000"/>
-  <p:timing>
-    <p:tnLst>
-      <p:par>
-        <p:cTn xmlns:p14="http://schemas.microsoft.com/office/powerpoint/2010/main" id="1" dur="indefinite" restart="never" nodeType="tmRoot"/>
-      </p:par>
-    </p:tnLst>
-  </p:timing>
+  <p:transition advTm="2000"/>
 </p:sld>
 </file>
 
@@ -12970,49 +12316,25 @@
                 </a:solidFill>
                 <a:latin typeface="Arial"/>
               </a:rPr>
-              <a:t>d</a:t>
-            </a:r>
-            <a:r>
-              <a:rPr lang="en-US" sz="4000" dirty="0" smtClean="0">
+              <a:t>do nothing</a:t>
+            </a:r>
+            <a:br>
+              <a:rPr lang="en-US" sz="8000" dirty="0">
                 <a:solidFill>
                   <a:srgbClr val="FF3B3B"/>
                 </a:solidFill>
                 <a:latin typeface="Arial"/>
               </a:rPr>
-              <a:t>o nothing</a:t>
-            </a:r>
-            <a:r>
-              <a:rPr lang="en-US" sz="8000" dirty="0" smtClean="0">
+            </a:br>
+            <a:r>
+              <a:rPr lang="en-US" sz="8000" dirty="0">
                 <a:solidFill>
                   <a:srgbClr val="FF3B3B"/>
                 </a:solidFill>
                 <a:latin typeface="Arial"/>
               </a:rPr>
-              <a:t/>
-            </a:r>
-            <a:br>
-              <a:rPr lang="en-US" sz="8000" dirty="0" smtClean="0">
-                <a:solidFill>
-                  <a:srgbClr val="FF3B3B"/>
-                </a:solidFill>
-                <a:latin typeface="Arial"/>
-              </a:rPr>
-            </a:br>
-            <a:r>
-              <a:rPr lang="en-US" sz="8000" dirty="0" smtClean="0">
-                <a:solidFill>
-                  <a:srgbClr val="FF3B3B"/>
-                </a:solidFill>
-                <a:latin typeface="Arial"/>
-              </a:rPr>
               <a:t>100 Times</a:t>
             </a:r>
-            <a:endParaRPr lang="en-US" sz="8000" dirty="0">
-              <a:solidFill>
-                <a:srgbClr val="FF3B3B"/>
-              </a:solidFill>
-              <a:latin typeface="Arial"/>
-            </a:endParaRPr>
           </a:p>
         </p:txBody>
       </p:sp>
@@ -13045,14 +12367,7 @@
   <p:clrMapOvr>
     <a:masterClrMapping/>
   </p:clrMapOvr>
-  <p:transition xmlns:p14="http://schemas.microsoft.com/office/powerpoint/2010/main" advTm="1000"/>
-  <p:timing>
-    <p:tnLst>
-      <p:par>
-        <p:cTn xmlns:p14="http://schemas.microsoft.com/office/powerpoint/2010/main" id="1" dur="indefinite" restart="never" nodeType="tmRoot"/>
-      </p:par>
-    </p:tnLst>
-  </p:timing>
+  <p:transition advTm="1000"/>
 </p:sld>
 </file>
 
@@ -13186,7 +12501,7 @@
               <a:t> &lt;= </a:t>
             </a:r>
             <a:r>
-              <a:rPr lang="da-DK" sz="3600" b="1" dirty="0" smtClean="0">
+              <a:rPr lang="da-DK" sz="3600" b="1" dirty="0">
                 <a:solidFill>
                   <a:srgbClr val="FF3300"/>
                 </a:solidFill>
@@ -13195,7 +12510,7 @@
               <a:t>30</a:t>
             </a:r>
             <a:r>
-              <a:rPr lang="da-DK" sz="3600" b="1" dirty="0" smtClean="0">
+              <a:rPr lang="da-DK" sz="3600" b="1" dirty="0">
                 <a:solidFill>
                   <a:srgbClr val="000000"/>
                 </a:solidFill>
@@ -13224,7 +12539,7 @@
           </a:p>
           <a:p>
             <a:r>
-              <a:rPr lang="da-DK" sz="3600" dirty="0" smtClean="0">
+              <a:rPr lang="da-DK" sz="3600" dirty="0">
                 <a:solidFill>
                   <a:srgbClr val="000000"/>
                 </a:solidFill>
@@ -13272,7 +12587,7 @@
               <a:t> </a:t>
             </a:r>
             <a:r>
-              <a:rPr lang="da-DK" sz="3600" b="1" dirty="0" smtClean="0">
+              <a:rPr lang="da-DK" sz="3600" b="1" dirty="0">
                 <a:solidFill>
                   <a:srgbClr val="6A3E3E"/>
                 </a:solidFill>
@@ -13281,22 +12596,13 @@
               <a:t>j</a:t>
             </a:r>
             <a:r>
-              <a:rPr lang="da-DK" sz="3600" b="1" dirty="0" smtClean="0">
-                <a:solidFill>
-                  <a:srgbClr val="000000"/>
-                </a:solidFill>
-                <a:latin typeface="Monaco"/>
-              </a:rPr>
-              <a:t> </a:t>
-            </a:r>
-            <a:r>
-              <a:rPr lang="da-DK" sz="3600" b="1" dirty="0">
-                <a:solidFill>
-                  <a:srgbClr val="000000"/>
-                </a:solidFill>
-                <a:latin typeface="Monaco"/>
-              </a:rPr>
-              <a:t>= </a:t>
+              <a:rPr lang="da-DK" sz="3600" b="1" dirty="0">
+                <a:solidFill>
+                  <a:srgbClr val="000000"/>
+                </a:solidFill>
+                <a:latin typeface="Monaco"/>
+              </a:rPr>
+              <a:t> = </a:t>
             </a:r>
             <a:r>
               <a:rPr lang="da-DK" sz="3600" b="1" dirty="0">
@@ -13317,7 +12623,7 @@
               <a:t>; </a:t>
             </a:r>
             <a:r>
-              <a:rPr lang="da-DK" sz="3600" b="1" dirty="0" smtClean="0">
+              <a:rPr lang="da-DK" sz="3600" b="1" dirty="0">
                 <a:solidFill>
                   <a:srgbClr val="6A3E3E"/>
                 </a:solidFill>
@@ -13326,25 +12632,16 @@
               <a:t>j</a:t>
             </a:r>
             <a:r>
-              <a:rPr lang="da-DK" sz="3600" b="1" dirty="0" smtClean="0">
-                <a:solidFill>
-                  <a:srgbClr val="000000"/>
-                </a:solidFill>
-                <a:latin typeface="Monaco"/>
-              </a:rPr>
-              <a:t> </a:t>
-            </a:r>
-            <a:r>
-              <a:rPr lang="da-DK" sz="3600" b="1" dirty="0">
-                <a:solidFill>
-                  <a:srgbClr val="000000"/>
-                </a:solidFill>
-                <a:latin typeface="Monaco"/>
-              </a:rPr>
-              <a:t>&lt;= </a:t>
-            </a:r>
-            <a:r>
-              <a:rPr lang="da-DK" sz="3600" b="1" dirty="0" smtClean="0">
+              <a:rPr lang="da-DK" sz="3600" b="1" dirty="0">
+                <a:solidFill>
+                  <a:srgbClr val="000000"/>
+                </a:solidFill>
+                <a:latin typeface="Monaco"/>
+              </a:rPr>
+              <a:t> &lt;= </a:t>
+            </a:r>
+            <a:r>
+              <a:rPr lang="da-DK" sz="3600" b="1" dirty="0">
                 <a:solidFill>
                   <a:srgbClr val="FF3300"/>
                 </a:solidFill>
@@ -13353,7 +12650,7 @@
               <a:t>1</a:t>
             </a:r>
             <a:r>
-              <a:rPr lang="da-DK" sz="3600" b="1" dirty="0" smtClean="0">
+              <a:rPr lang="da-DK" sz="3600" b="1" dirty="0">
                 <a:solidFill>
                   <a:srgbClr val="000000"/>
                 </a:solidFill>
@@ -13368,7 +12665,7 @@
                 </a:solidFill>
                 <a:latin typeface="Monaco"/>
               </a:rPr>
-              <a:t>i</a:t>
+              <a:t>j</a:t>
             </a:r>
             <a:r>
               <a:rPr lang="da-DK" sz="3600" b="1" dirty="0">
@@ -13404,7 +12701,7 @@
           <a:p>
             <a:pPr lvl="1"/>
             <a:r>
-              <a:rPr lang="de-DE" sz="3600" dirty="0" smtClean="0">
+              <a:rPr lang="de-DE" sz="3600" dirty="0">
                 <a:solidFill>
                   <a:srgbClr val="000000"/>
                 </a:solidFill>
@@ -13421,7 +12718,7 @@
           </a:p>
           <a:p>
             <a:r>
-              <a:rPr lang="de-DE" sz="3600" dirty="0" smtClean="0">
+              <a:rPr lang="de-DE" sz="3600" dirty="0">
                 <a:solidFill>
                   <a:srgbClr val="000000"/>
                 </a:solidFill>
@@ -13433,7 +12730,7 @@
           </a:p>
           <a:p>
             <a:r>
-              <a:rPr lang="da-DK" sz="3600" dirty="0" smtClean="0">
+              <a:rPr lang="da-DK" sz="3600" dirty="0">
                 <a:solidFill>
                   <a:srgbClr val="000000"/>
                 </a:solidFill>
@@ -13455,14 +12752,7 @@
   <p:clrMapOvr>
     <a:masterClrMapping/>
   </p:clrMapOvr>
-  <p:transition xmlns:p14="http://schemas.microsoft.com/office/powerpoint/2010/main" advTm="2000"/>
-  <p:timing>
-    <p:tnLst>
-      <p:par>
-        <p:cTn xmlns:p14="http://schemas.microsoft.com/office/powerpoint/2010/main" id="1" dur="indefinite" restart="never" nodeType="tmRoot"/>
-      </p:par>
-    </p:tnLst>
-  </p:timing>
+  <p:transition advTm="2000"/>
 </p:sld>
 </file>
 
@@ -13507,49 +12797,25 @@
                 </a:solidFill>
                 <a:latin typeface="Arial"/>
               </a:rPr>
-              <a:t>d</a:t>
-            </a:r>
-            <a:r>
-              <a:rPr lang="en-US" sz="4000" dirty="0" smtClean="0">
+              <a:t>do nothing</a:t>
+            </a:r>
+            <a:br>
+              <a:rPr lang="en-US" sz="8000" dirty="0">
                 <a:solidFill>
                   <a:srgbClr val="FF3B3B"/>
                 </a:solidFill>
                 <a:latin typeface="Arial"/>
               </a:rPr>
-              <a:t>o nothing</a:t>
-            </a:r>
-            <a:r>
-              <a:rPr lang="en-US" sz="8000" dirty="0" smtClean="0">
+            </a:br>
+            <a:r>
+              <a:rPr lang="en-US" sz="8000" dirty="0">
                 <a:solidFill>
                   <a:srgbClr val="FF3B3B"/>
                 </a:solidFill>
                 <a:latin typeface="Arial"/>
               </a:rPr>
-              <a:t/>
-            </a:r>
-            <a:br>
-              <a:rPr lang="en-US" sz="8000" dirty="0" smtClean="0">
-                <a:solidFill>
-                  <a:srgbClr val="FF3B3B"/>
-                </a:solidFill>
-                <a:latin typeface="Arial"/>
-              </a:rPr>
-            </a:br>
-            <a:r>
-              <a:rPr lang="en-US" sz="8000" dirty="0" smtClean="0">
-                <a:solidFill>
-                  <a:srgbClr val="FF3B3B"/>
-                </a:solidFill>
-                <a:latin typeface="Arial"/>
-              </a:rPr>
               <a:t>9 Times</a:t>
             </a:r>
-            <a:endParaRPr lang="en-US" sz="8000" dirty="0">
-              <a:solidFill>
-                <a:srgbClr val="FF3B3B"/>
-              </a:solidFill>
-              <a:latin typeface="Arial"/>
-            </a:endParaRPr>
           </a:p>
         </p:txBody>
       </p:sp>
@@ -13582,14 +12848,7 @@
   <p:clrMapOvr>
     <a:masterClrMapping/>
   </p:clrMapOvr>
-  <p:transition xmlns:p14="http://schemas.microsoft.com/office/powerpoint/2010/main" advTm="1500"/>
-  <p:timing>
-    <p:tnLst>
-      <p:par>
-        <p:cTn xmlns:p14="http://schemas.microsoft.com/office/powerpoint/2010/main" id="1" dur="indefinite" restart="never" nodeType="tmRoot"/>
-      </p:par>
-    </p:tnLst>
-  </p:timing>
+  <p:transition advTm="1500"/>
 </p:sld>
 </file>
 
@@ -13634,49 +12893,25 @@
                 </a:solidFill>
                 <a:latin typeface="Arial"/>
               </a:rPr>
-              <a:t>d</a:t>
-            </a:r>
-            <a:r>
-              <a:rPr lang="en-US" sz="4000" dirty="0" smtClean="0">
+              <a:t>do nothing</a:t>
+            </a:r>
+            <a:br>
+              <a:rPr lang="en-US" sz="8000" dirty="0">
                 <a:solidFill>
                   <a:srgbClr val="FF3B3B"/>
                 </a:solidFill>
                 <a:latin typeface="Arial"/>
               </a:rPr>
-              <a:t>o nothing</a:t>
-            </a:r>
-            <a:r>
-              <a:rPr lang="en-US" sz="8000" dirty="0" smtClean="0">
+            </a:br>
+            <a:r>
+              <a:rPr lang="en-US" sz="8000" dirty="0">
                 <a:solidFill>
                   <a:srgbClr val="FF3B3B"/>
                 </a:solidFill>
                 <a:latin typeface="Arial"/>
               </a:rPr>
-              <a:t/>
-            </a:r>
-            <a:br>
-              <a:rPr lang="en-US" sz="8000" dirty="0" smtClean="0">
-                <a:solidFill>
-                  <a:srgbClr val="FF3B3B"/>
-                </a:solidFill>
-                <a:latin typeface="Arial"/>
-              </a:rPr>
-            </a:br>
-            <a:r>
-              <a:rPr lang="en-US" sz="8000" dirty="0" smtClean="0">
-                <a:solidFill>
-                  <a:srgbClr val="FF3B3B"/>
-                </a:solidFill>
-                <a:latin typeface="Arial"/>
-              </a:rPr>
               <a:t>30 Times</a:t>
             </a:r>
-            <a:endParaRPr lang="en-US" sz="8000" dirty="0">
-              <a:solidFill>
-                <a:srgbClr val="FF3B3B"/>
-              </a:solidFill>
-              <a:latin typeface="Arial"/>
-            </a:endParaRPr>
           </a:p>
         </p:txBody>
       </p:sp>
@@ -13709,14 +12944,7 @@
   <p:clrMapOvr>
     <a:masterClrMapping/>
   </p:clrMapOvr>
-  <p:transition xmlns:p14="http://schemas.microsoft.com/office/powerpoint/2010/main" advTm="1000"/>
-  <p:timing>
-    <p:tnLst>
-      <p:par>
-        <p:cTn xmlns:p14="http://schemas.microsoft.com/office/powerpoint/2010/main" id="1" dur="indefinite" restart="never" nodeType="tmRoot"/>
-      </p:par>
-    </p:tnLst>
-  </p:timing>
+  <p:transition advTm="1000"/>
 </p:sld>
 </file>
 
@@ -13850,7 +13078,7 @@
               <a:t> &lt;= </a:t>
             </a:r>
             <a:r>
-              <a:rPr lang="da-DK" sz="3600" b="1" dirty="0" smtClean="0">
+              <a:rPr lang="da-DK" sz="3600" b="1" dirty="0">
                 <a:solidFill>
                   <a:srgbClr val="FF3300"/>
                 </a:solidFill>
@@ -13859,7 +13087,7 @@
               <a:t>2</a:t>
             </a:r>
             <a:r>
-              <a:rPr lang="da-DK" sz="3600" b="1" dirty="0" smtClean="0">
+              <a:rPr lang="da-DK" sz="3600" b="1" dirty="0">
                 <a:solidFill>
                   <a:srgbClr val="000000"/>
                 </a:solidFill>
@@ -13888,7 +13116,7 @@
           </a:p>
           <a:p>
             <a:r>
-              <a:rPr lang="da-DK" sz="3600" dirty="0" smtClean="0">
+              <a:rPr lang="da-DK" sz="3600" dirty="0">
                 <a:solidFill>
                   <a:srgbClr val="000000"/>
                 </a:solidFill>
@@ -13936,7 +13164,7 @@
               <a:t> </a:t>
             </a:r>
             <a:r>
-              <a:rPr lang="da-DK" sz="3600" b="1" dirty="0" smtClean="0">
+              <a:rPr lang="da-DK" sz="3600" b="1" dirty="0">
                 <a:solidFill>
                   <a:srgbClr val="6A3E3E"/>
                 </a:solidFill>
@@ -13945,22 +13173,13 @@
               <a:t>j</a:t>
             </a:r>
             <a:r>
-              <a:rPr lang="da-DK" sz="3600" b="1" dirty="0" smtClean="0">
-                <a:solidFill>
-                  <a:srgbClr val="000000"/>
-                </a:solidFill>
-                <a:latin typeface="Monaco"/>
-              </a:rPr>
-              <a:t> </a:t>
-            </a:r>
-            <a:r>
-              <a:rPr lang="da-DK" sz="3600" b="1" dirty="0">
-                <a:solidFill>
-                  <a:srgbClr val="000000"/>
-                </a:solidFill>
-                <a:latin typeface="Monaco"/>
-              </a:rPr>
-              <a:t>= </a:t>
+              <a:rPr lang="da-DK" sz="3600" b="1" dirty="0">
+                <a:solidFill>
+                  <a:srgbClr val="000000"/>
+                </a:solidFill>
+                <a:latin typeface="Monaco"/>
+              </a:rPr>
+              <a:t> = </a:t>
             </a:r>
             <a:r>
               <a:rPr lang="da-DK" sz="3600" b="1" dirty="0">
@@ -13981,7 +13200,7 @@
               <a:t>; </a:t>
             </a:r>
             <a:r>
-              <a:rPr lang="da-DK" sz="3600" b="1" dirty="0" smtClean="0">
+              <a:rPr lang="da-DK" sz="3600" b="1" dirty="0">
                 <a:solidFill>
                   <a:srgbClr val="6A3E3E"/>
                 </a:solidFill>
@@ -13990,25 +13209,16 @@
               <a:t>j</a:t>
             </a:r>
             <a:r>
-              <a:rPr lang="da-DK" sz="3600" b="1" dirty="0" smtClean="0">
-                <a:solidFill>
-                  <a:srgbClr val="000000"/>
-                </a:solidFill>
-                <a:latin typeface="Monaco"/>
-              </a:rPr>
-              <a:t> </a:t>
-            </a:r>
-            <a:r>
-              <a:rPr lang="da-DK" sz="3600" b="1" dirty="0">
-                <a:solidFill>
-                  <a:srgbClr val="000000"/>
-                </a:solidFill>
-                <a:latin typeface="Monaco"/>
-              </a:rPr>
-              <a:t>&lt;= </a:t>
-            </a:r>
-            <a:r>
-              <a:rPr lang="da-DK" sz="3600" b="1" dirty="0" smtClean="0">
+              <a:rPr lang="da-DK" sz="3600" b="1" dirty="0">
+                <a:solidFill>
+                  <a:srgbClr val="000000"/>
+                </a:solidFill>
+                <a:latin typeface="Monaco"/>
+              </a:rPr>
+              <a:t> &lt;= </a:t>
+            </a:r>
+            <a:r>
+              <a:rPr lang="da-DK" sz="3600" b="1" dirty="0">
                 <a:solidFill>
                   <a:srgbClr val="FF3300"/>
                 </a:solidFill>
@@ -14017,7 +13227,7 @@
               <a:t>10</a:t>
             </a:r>
             <a:r>
-              <a:rPr lang="da-DK" sz="3600" b="1" dirty="0" smtClean="0">
+              <a:rPr lang="da-DK" sz="3600" b="1" dirty="0">
                 <a:solidFill>
                   <a:srgbClr val="000000"/>
                 </a:solidFill>
@@ -14032,7 +13242,7 @@
                 </a:solidFill>
                 <a:latin typeface="Monaco"/>
               </a:rPr>
-              <a:t>i</a:t>
+              <a:t>j</a:t>
             </a:r>
             <a:r>
               <a:rPr lang="da-DK" sz="3600" b="1" dirty="0">
@@ -14068,7 +13278,7 @@
           <a:p>
             <a:pPr lvl="1"/>
             <a:r>
-              <a:rPr lang="de-DE" sz="3600" dirty="0" smtClean="0">
+              <a:rPr lang="de-DE" sz="3600" dirty="0">
                 <a:solidFill>
                   <a:srgbClr val="000000"/>
                 </a:solidFill>
@@ -14085,7 +13295,7 @@
           </a:p>
           <a:p>
             <a:r>
-              <a:rPr lang="de-DE" sz="3600" dirty="0" smtClean="0">
+              <a:rPr lang="de-DE" sz="3600" dirty="0">
                 <a:solidFill>
                   <a:srgbClr val="000000"/>
                 </a:solidFill>
@@ -14097,7 +13307,7 @@
           </a:p>
           <a:p>
             <a:r>
-              <a:rPr lang="da-DK" sz="3600" dirty="0" smtClean="0">
+              <a:rPr lang="da-DK" sz="3600" dirty="0">
                 <a:solidFill>
                   <a:srgbClr val="000000"/>
                 </a:solidFill>
@@ -14119,14 +13329,7 @@
   <p:clrMapOvr>
     <a:masterClrMapping/>
   </p:clrMapOvr>
-  <p:transition xmlns:p14="http://schemas.microsoft.com/office/powerpoint/2010/main" advTm="2000"/>
-  <p:timing>
-    <p:tnLst>
-      <p:par>
-        <p:cTn xmlns:p14="http://schemas.microsoft.com/office/powerpoint/2010/main" id="1" dur="indefinite" restart="never" nodeType="tmRoot"/>
-      </p:par>
-    </p:tnLst>
-  </p:timing>
+  <p:transition advTm="2000"/>
 </p:sld>
 </file>
 
@@ -14171,58 +13374,25 @@
                 </a:solidFill>
                 <a:latin typeface="Arial"/>
               </a:rPr>
-              <a:t>d</a:t>
-            </a:r>
-            <a:r>
-              <a:rPr lang="en-US" sz="4000" dirty="0" smtClean="0">
+              <a:t>do nothing</a:t>
+            </a:r>
+            <a:br>
+              <a:rPr lang="en-US" sz="8000" dirty="0">
                 <a:solidFill>
                   <a:srgbClr val="FF3B3B"/>
                 </a:solidFill>
                 <a:latin typeface="Arial"/>
               </a:rPr>
-              <a:t>o nothing</a:t>
-            </a:r>
-            <a:r>
-              <a:rPr lang="en-US" sz="8000" dirty="0" smtClean="0">
+            </a:br>
+            <a:r>
+              <a:rPr lang="en-US" sz="8000" dirty="0">
                 <a:solidFill>
                   <a:srgbClr val="FF3B3B"/>
                 </a:solidFill>
                 <a:latin typeface="Arial"/>
               </a:rPr>
-              <a:t/>
-            </a:r>
-            <a:br>
-              <a:rPr lang="en-US" sz="8000" dirty="0" smtClean="0">
-                <a:solidFill>
-                  <a:srgbClr val="FF3B3B"/>
-                </a:solidFill>
-                <a:latin typeface="Arial"/>
-              </a:rPr>
-            </a:br>
-            <a:r>
-              <a:rPr lang="en-US" sz="8000" dirty="0">
-                <a:solidFill>
-                  <a:srgbClr val="FF3B3B"/>
-                </a:solidFill>
-                <a:latin typeface="Arial"/>
-              </a:rPr>
-              <a:t>2</a:t>
-            </a:r>
-            <a:r>
-              <a:rPr lang="en-US" sz="8000" dirty="0" smtClean="0">
-                <a:solidFill>
-                  <a:srgbClr val="FF3B3B"/>
-                </a:solidFill>
-                <a:latin typeface="Arial"/>
-              </a:rPr>
-              <a:t>0 Times</a:t>
-            </a:r>
-            <a:endParaRPr lang="en-US" sz="8000" dirty="0">
-              <a:solidFill>
-                <a:srgbClr val="FF3B3B"/>
-              </a:solidFill>
-              <a:latin typeface="Arial"/>
-            </a:endParaRPr>
+              <a:t>20 Times</a:t>
+            </a:r>
           </a:p>
         </p:txBody>
       </p:sp>
@@ -14255,14 +13425,7 @@
   <p:clrMapOvr>
     <a:masterClrMapping/>
   </p:clrMapOvr>
-  <p:transition xmlns:p14="http://schemas.microsoft.com/office/powerpoint/2010/main" advTm="1000"/>
-  <p:timing>
-    <p:tnLst>
-      <p:par>
-        <p:cTn xmlns:p14="http://schemas.microsoft.com/office/powerpoint/2010/main" id="1" dur="indefinite" restart="never" nodeType="tmRoot"/>
-      </p:par>
-    </p:tnLst>
-  </p:timing>
+  <p:transition advTm="1000"/>
 </p:sld>
 </file>
 
@@ -14405,7 +13568,7 @@
               <a:t>5</a:t>
             </a:r>
             <a:r>
-              <a:rPr lang="da-DK" sz="3600" b="1" dirty="0" smtClean="0">
+              <a:rPr lang="da-DK" sz="3600" b="1" dirty="0">
                 <a:solidFill>
                   <a:srgbClr val="000000"/>
                 </a:solidFill>
@@ -14434,7 +13597,7 @@
           </a:p>
           <a:p>
             <a:r>
-              <a:rPr lang="da-DK" sz="3600" dirty="0" smtClean="0">
+              <a:rPr lang="da-DK" sz="3600" dirty="0">
                 <a:solidFill>
                   <a:srgbClr val="000000"/>
                 </a:solidFill>
@@ -14482,7 +13645,7 @@
               <a:t> </a:t>
             </a:r>
             <a:r>
-              <a:rPr lang="da-DK" sz="3600" b="1" dirty="0" smtClean="0">
+              <a:rPr lang="da-DK" sz="3600" b="1" dirty="0">
                 <a:solidFill>
                   <a:srgbClr val="6A3E3E"/>
                 </a:solidFill>
@@ -14491,22 +13654,13 @@
               <a:t>j</a:t>
             </a:r>
             <a:r>
-              <a:rPr lang="da-DK" sz="3600" b="1" dirty="0" smtClean="0">
-                <a:solidFill>
-                  <a:srgbClr val="000000"/>
-                </a:solidFill>
-                <a:latin typeface="Monaco"/>
-              </a:rPr>
-              <a:t> </a:t>
-            </a:r>
-            <a:r>
-              <a:rPr lang="da-DK" sz="3600" b="1" dirty="0">
-                <a:solidFill>
-                  <a:srgbClr val="000000"/>
-                </a:solidFill>
-                <a:latin typeface="Monaco"/>
-              </a:rPr>
-              <a:t>= </a:t>
+              <a:rPr lang="da-DK" sz="3600" b="1" dirty="0">
+                <a:solidFill>
+                  <a:srgbClr val="000000"/>
+                </a:solidFill>
+                <a:latin typeface="Monaco"/>
+              </a:rPr>
+              <a:t> = </a:t>
             </a:r>
             <a:r>
               <a:rPr lang="da-DK" sz="3600" b="1" dirty="0">
@@ -14527,7 +13681,7 @@
               <a:t>; </a:t>
             </a:r>
             <a:r>
-              <a:rPr lang="da-DK" sz="3600" b="1" dirty="0" smtClean="0">
+              <a:rPr lang="da-DK" sz="3600" b="1" dirty="0">
                 <a:solidFill>
                   <a:srgbClr val="6A3E3E"/>
                 </a:solidFill>
@@ -14536,22 +13690,13 @@
               <a:t>j</a:t>
             </a:r>
             <a:r>
-              <a:rPr lang="da-DK" sz="3600" b="1" dirty="0" smtClean="0">
-                <a:solidFill>
-                  <a:srgbClr val="000000"/>
-                </a:solidFill>
-                <a:latin typeface="Monaco"/>
-              </a:rPr>
-              <a:t> </a:t>
-            </a:r>
-            <a:r>
-              <a:rPr lang="da-DK" sz="3600" b="1" dirty="0">
-                <a:solidFill>
-                  <a:srgbClr val="000000"/>
-                </a:solidFill>
-                <a:latin typeface="Monaco"/>
-              </a:rPr>
-              <a:t>&lt;= </a:t>
+              <a:rPr lang="da-DK" sz="3600" b="1" dirty="0">
+                <a:solidFill>
+                  <a:srgbClr val="000000"/>
+                </a:solidFill>
+                <a:latin typeface="Monaco"/>
+              </a:rPr>
+              <a:t> &lt;= </a:t>
             </a:r>
             <a:r>
               <a:rPr lang="da-DK" sz="3600" b="1" dirty="0">
@@ -14563,7 +13708,7 @@
               <a:t>5</a:t>
             </a:r>
             <a:r>
-              <a:rPr lang="da-DK" sz="3600" b="1" dirty="0" smtClean="0">
+              <a:rPr lang="da-DK" sz="3600" b="1" dirty="0">
                 <a:solidFill>
                   <a:srgbClr val="000000"/>
                 </a:solidFill>
@@ -14578,7 +13723,7 @@
                 </a:solidFill>
                 <a:latin typeface="Monaco"/>
               </a:rPr>
-              <a:t>i</a:t>
+              <a:t>j</a:t>
             </a:r>
             <a:r>
               <a:rPr lang="da-DK" sz="3600" b="1" dirty="0">
@@ -14614,7 +13759,7 @@
           <a:p>
             <a:pPr lvl="1"/>
             <a:r>
-              <a:rPr lang="de-DE" sz="3600" dirty="0" smtClean="0">
+              <a:rPr lang="de-DE" sz="3600" dirty="0">
                 <a:solidFill>
                   <a:srgbClr val="000000"/>
                 </a:solidFill>
@@ -14631,7 +13776,7 @@
           </a:p>
           <a:p>
             <a:r>
-              <a:rPr lang="de-DE" sz="3600" dirty="0" smtClean="0">
+              <a:rPr lang="de-DE" sz="3600" dirty="0">
                 <a:solidFill>
                   <a:srgbClr val="000000"/>
                 </a:solidFill>
@@ -14643,7 +13788,7 @@
           </a:p>
           <a:p>
             <a:r>
-              <a:rPr lang="da-DK" sz="3600" dirty="0" smtClean="0">
+              <a:rPr lang="da-DK" sz="3600" dirty="0">
                 <a:solidFill>
                   <a:srgbClr val="000000"/>
                 </a:solidFill>
@@ -14665,14 +13810,7 @@
   <p:clrMapOvr>
     <a:masterClrMapping/>
   </p:clrMapOvr>
-  <p:transition xmlns:p14="http://schemas.microsoft.com/office/powerpoint/2010/main" advTm="2000"/>
-  <p:timing>
-    <p:tnLst>
-      <p:par>
-        <p:cTn xmlns:p14="http://schemas.microsoft.com/office/powerpoint/2010/main" id="1" dur="indefinite" restart="never" nodeType="tmRoot"/>
-      </p:par>
-    </p:tnLst>
-  </p:timing>
+  <p:transition advTm="2000"/>
 </p:sld>
 </file>
 
@@ -14717,67 +13855,25 @@
                 </a:solidFill>
                 <a:latin typeface="Arial"/>
               </a:rPr>
-              <a:t>d</a:t>
-            </a:r>
-            <a:r>
-              <a:rPr lang="en-US" sz="4000" dirty="0" smtClean="0">
+              <a:t>do nothing</a:t>
+            </a:r>
+            <a:br>
+              <a:rPr lang="en-US" sz="8000" dirty="0">
                 <a:solidFill>
                   <a:srgbClr val="FF3B3B"/>
                 </a:solidFill>
                 <a:latin typeface="Arial"/>
               </a:rPr>
-              <a:t>o nothing</a:t>
-            </a:r>
-            <a:r>
-              <a:rPr lang="en-US" sz="8000" dirty="0" smtClean="0">
+            </a:br>
+            <a:r>
+              <a:rPr lang="en-US" sz="8000" dirty="0">
                 <a:solidFill>
                   <a:srgbClr val="FF3B3B"/>
                 </a:solidFill>
                 <a:latin typeface="Arial"/>
               </a:rPr>
-              <a:t/>
-            </a:r>
-            <a:br>
-              <a:rPr lang="en-US" sz="8000" dirty="0" smtClean="0">
-                <a:solidFill>
-                  <a:srgbClr val="FF3B3B"/>
-                </a:solidFill>
-                <a:latin typeface="Arial"/>
-              </a:rPr>
-            </a:br>
-            <a:r>
-              <a:rPr lang="en-US" sz="8000" dirty="0" smtClean="0">
-                <a:solidFill>
-                  <a:srgbClr val="FF3B3B"/>
-                </a:solidFill>
-                <a:latin typeface="Arial"/>
-              </a:rPr>
-              <a:t>2</a:t>
-            </a:r>
-            <a:r>
-              <a:rPr lang="en-US" sz="8000" dirty="0">
-                <a:solidFill>
-                  <a:srgbClr val="FF3B3B"/>
-                </a:solidFill>
-                <a:latin typeface="Arial"/>
-              </a:rPr>
-              <a:t>5</a:t>
-            </a:r>
-            <a:r>
-              <a:rPr lang="en-US" sz="8000" dirty="0" smtClean="0">
-                <a:solidFill>
-                  <a:srgbClr val="FF3B3B"/>
-                </a:solidFill>
-                <a:latin typeface="Arial"/>
-              </a:rPr>
-              <a:t> Times</a:t>
-            </a:r>
-            <a:endParaRPr lang="en-US" sz="8000" dirty="0">
-              <a:solidFill>
-                <a:srgbClr val="FF3B3B"/>
-              </a:solidFill>
-              <a:latin typeface="Arial"/>
-            </a:endParaRPr>
+              <a:t>25 Times</a:t>
+            </a:r>
           </a:p>
         </p:txBody>
       </p:sp>
@@ -14810,14 +13906,7 @@
   <p:clrMapOvr>
     <a:masterClrMapping/>
   </p:clrMapOvr>
-  <p:transition xmlns:p14="http://schemas.microsoft.com/office/powerpoint/2010/main" advTm="1000"/>
-  <p:timing>
-    <p:tnLst>
-      <p:par>
-        <p:cTn xmlns:p14="http://schemas.microsoft.com/office/powerpoint/2010/main" id="1" dur="indefinite" restart="never" nodeType="tmRoot"/>
-      </p:par>
-    </p:tnLst>
-  </p:timing>
+  <p:transition advTm="1000"/>
 </p:sld>
 </file>
 
@@ -14960,7 +14049,7 @@
               <a:t>7</a:t>
             </a:r>
             <a:r>
-              <a:rPr lang="da-DK" sz="3600" b="1" dirty="0" smtClean="0">
+              <a:rPr lang="da-DK" sz="3600" b="1" dirty="0">
                 <a:solidFill>
                   <a:srgbClr val="000000"/>
                 </a:solidFill>
@@ -14989,7 +14078,7 @@
           </a:p>
           <a:p>
             <a:r>
-              <a:rPr lang="da-DK" sz="3600" dirty="0" smtClean="0">
+              <a:rPr lang="da-DK" sz="3600" dirty="0">
                 <a:solidFill>
                   <a:srgbClr val="000000"/>
                 </a:solidFill>
@@ -15037,7 +14126,7 @@
               <a:t> </a:t>
             </a:r>
             <a:r>
-              <a:rPr lang="da-DK" sz="3600" b="1" dirty="0" smtClean="0">
+              <a:rPr lang="da-DK" sz="3600" b="1" dirty="0">
                 <a:solidFill>
                   <a:srgbClr val="6A3E3E"/>
                 </a:solidFill>
@@ -15046,22 +14135,13 @@
               <a:t>j</a:t>
             </a:r>
             <a:r>
-              <a:rPr lang="da-DK" sz="3600" b="1" dirty="0" smtClean="0">
-                <a:solidFill>
-                  <a:srgbClr val="000000"/>
-                </a:solidFill>
-                <a:latin typeface="Monaco"/>
-              </a:rPr>
-              <a:t> </a:t>
-            </a:r>
-            <a:r>
-              <a:rPr lang="da-DK" sz="3600" b="1" dirty="0">
-                <a:solidFill>
-                  <a:srgbClr val="000000"/>
-                </a:solidFill>
-                <a:latin typeface="Monaco"/>
-              </a:rPr>
-              <a:t>= </a:t>
+              <a:rPr lang="da-DK" sz="3600" b="1" dirty="0">
+                <a:solidFill>
+                  <a:srgbClr val="000000"/>
+                </a:solidFill>
+                <a:latin typeface="Monaco"/>
+              </a:rPr>
+              <a:t> = </a:t>
             </a:r>
             <a:r>
               <a:rPr lang="da-DK" sz="3600" b="1" dirty="0">
@@ -15082,7 +14162,7 @@
               <a:t>; </a:t>
             </a:r>
             <a:r>
-              <a:rPr lang="da-DK" sz="3600" b="1" dirty="0" smtClean="0">
+              <a:rPr lang="da-DK" sz="3600" b="1" dirty="0">
                 <a:solidFill>
                   <a:srgbClr val="6A3E3E"/>
                 </a:solidFill>
@@ -15091,25 +14171,16 @@
               <a:t>j</a:t>
             </a:r>
             <a:r>
-              <a:rPr lang="da-DK" sz="3600" b="1" dirty="0" smtClean="0">
-                <a:solidFill>
-                  <a:srgbClr val="000000"/>
-                </a:solidFill>
-                <a:latin typeface="Monaco"/>
-              </a:rPr>
-              <a:t> </a:t>
-            </a:r>
-            <a:r>
-              <a:rPr lang="da-DK" sz="3600" b="1" dirty="0">
-                <a:solidFill>
-                  <a:srgbClr val="000000"/>
-                </a:solidFill>
-                <a:latin typeface="Monaco"/>
-              </a:rPr>
-              <a:t>&lt;= </a:t>
-            </a:r>
-            <a:r>
-              <a:rPr lang="da-DK" sz="3600" b="1" dirty="0" smtClean="0">
+              <a:rPr lang="da-DK" sz="3600" b="1" dirty="0">
+                <a:solidFill>
+                  <a:srgbClr val="000000"/>
+                </a:solidFill>
+                <a:latin typeface="Monaco"/>
+              </a:rPr>
+              <a:t> &lt;= </a:t>
+            </a:r>
+            <a:r>
+              <a:rPr lang="da-DK" sz="3600" b="1" dirty="0">
                 <a:solidFill>
                   <a:srgbClr val="FF3300"/>
                 </a:solidFill>
@@ -15118,7 +14189,7 @@
               <a:t>1</a:t>
             </a:r>
             <a:r>
-              <a:rPr lang="da-DK" sz="3600" b="1" dirty="0" smtClean="0">
+              <a:rPr lang="da-DK" sz="3600" b="1" dirty="0">
                 <a:solidFill>
                   <a:srgbClr val="000000"/>
                 </a:solidFill>
@@ -15133,7 +14204,7 @@
                 </a:solidFill>
                 <a:latin typeface="Monaco"/>
               </a:rPr>
-              <a:t>i</a:t>
+              <a:t>j</a:t>
             </a:r>
             <a:r>
               <a:rPr lang="da-DK" sz="3600" b="1" dirty="0">
@@ -15169,7 +14240,7 @@
           <a:p>
             <a:pPr lvl="1"/>
             <a:r>
-              <a:rPr lang="de-DE" sz="3600" dirty="0" smtClean="0">
+              <a:rPr lang="de-DE" sz="3600" dirty="0">
                 <a:solidFill>
                   <a:srgbClr val="000000"/>
                 </a:solidFill>
@@ -15186,7 +14257,7 @@
           </a:p>
           <a:p>
             <a:r>
-              <a:rPr lang="de-DE" sz="3600" dirty="0" smtClean="0">
+              <a:rPr lang="de-DE" sz="3600" dirty="0">
                 <a:solidFill>
                   <a:srgbClr val="000000"/>
                 </a:solidFill>
@@ -15198,7 +14269,7 @@
           </a:p>
           <a:p>
             <a:r>
-              <a:rPr lang="da-DK" sz="3600" dirty="0" smtClean="0">
+              <a:rPr lang="da-DK" sz="3600" dirty="0">
                 <a:solidFill>
                   <a:srgbClr val="000000"/>
                 </a:solidFill>
@@ -15220,14 +14291,7 @@
   <p:clrMapOvr>
     <a:masterClrMapping/>
   </p:clrMapOvr>
-  <p:transition xmlns:p14="http://schemas.microsoft.com/office/powerpoint/2010/main" advTm="2000"/>
-  <p:timing>
-    <p:tnLst>
-      <p:par>
-        <p:cTn xmlns:p14="http://schemas.microsoft.com/office/powerpoint/2010/main" id="1" dur="indefinite" restart="never" nodeType="tmRoot"/>
-      </p:par>
-    </p:tnLst>
-  </p:timing>
+  <p:transition advTm="2000"/>
 </p:sld>
 </file>
 
@@ -15272,58 +14336,25 @@
                 </a:solidFill>
                 <a:latin typeface="Arial"/>
               </a:rPr>
-              <a:t>d</a:t>
-            </a:r>
-            <a:r>
-              <a:rPr lang="en-US" sz="4000" dirty="0" smtClean="0">
+              <a:t>do nothing</a:t>
+            </a:r>
+            <a:br>
+              <a:rPr lang="en-US" sz="8000" dirty="0">
                 <a:solidFill>
                   <a:srgbClr val="FF3B3B"/>
                 </a:solidFill>
                 <a:latin typeface="Arial"/>
               </a:rPr>
-              <a:t>o nothing</a:t>
-            </a:r>
-            <a:r>
-              <a:rPr lang="en-US" sz="8000" dirty="0" smtClean="0">
+            </a:br>
+            <a:r>
+              <a:rPr lang="en-US" sz="8000" dirty="0">
                 <a:solidFill>
                   <a:srgbClr val="FF3B3B"/>
                 </a:solidFill>
                 <a:latin typeface="Arial"/>
               </a:rPr>
-              <a:t/>
-            </a:r>
-            <a:br>
-              <a:rPr lang="en-US" sz="8000" dirty="0" smtClean="0">
-                <a:solidFill>
-                  <a:srgbClr val="FF3B3B"/>
-                </a:solidFill>
-                <a:latin typeface="Arial"/>
-              </a:rPr>
-            </a:br>
-            <a:r>
-              <a:rPr lang="en-US" sz="8000" dirty="0">
-                <a:solidFill>
-                  <a:srgbClr val="FF3B3B"/>
-                </a:solidFill>
-                <a:latin typeface="Arial"/>
-              </a:rPr>
-              <a:t>7</a:t>
-            </a:r>
-            <a:r>
-              <a:rPr lang="en-US" sz="8000" dirty="0" smtClean="0">
-                <a:solidFill>
-                  <a:srgbClr val="FF3B3B"/>
-                </a:solidFill>
-                <a:latin typeface="Arial"/>
-              </a:rPr>
-              <a:t> Times</a:t>
-            </a:r>
-            <a:endParaRPr lang="en-US" sz="8000" dirty="0">
-              <a:solidFill>
-                <a:srgbClr val="FF3B3B"/>
-              </a:solidFill>
-              <a:latin typeface="Arial"/>
-            </a:endParaRPr>
+              <a:t>7 Times</a:t>
+            </a:r>
           </a:p>
         </p:txBody>
       </p:sp>
@@ -15356,14 +14387,7 @@
   <p:clrMapOvr>
     <a:masterClrMapping/>
   </p:clrMapOvr>
-  <p:transition xmlns:p14="http://schemas.microsoft.com/office/powerpoint/2010/main" advTm="1000"/>
-  <p:timing>
-    <p:tnLst>
-      <p:par>
-        <p:cTn xmlns:p14="http://schemas.microsoft.com/office/powerpoint/2010/main" id="1" dur="indefinite" restart="never" nodeType="tmRoot"/>
-      </p:par>
-    </p:tnLst>
-  </p:timing>
+  <p:transition advTm="1000"/>
 </p:sld>
 </file>
 
@@ -15506,166 +14530,7 @@
               <a:t>7</a:t>
             </a:r>
             <a:r>
-              <a:rPr lang="da-DK" sz="3600" b="1" dirty="0" smtClean="0">
-                <a:solidFill>
-                  <a:srgbClr val="000000"/>
-                </a:solidFill>
-                <a:latin typeface="Monaco"/>
-              </a:rPr>
-              <a:t>; </a:t>
-            </a:r>
-            <a:r>
-              <a:rPr lang="da-DK" sz="3600" b="1" dirty="0">
-                <a:solidFill>
-                  <a:srgbClr val="6A3E3E"/>
-                </a:solidFill>
-                <a:latin typeface="Monaco"/>
-              </a:rPr>
-              <a:t>i</a:t>
-            </a:r>
-            <a:r>
-              <a:rPr lang="da-DK" sz="3600" b="1" dirty="0">
-                <a:solidFill>
-                  <a:srgbClr val="000000"/>
-                </a:solidFill>
-                <a:latin typeface="Monaco"/>
-              </a:rPr>
-              <a:t>++)</a:t>
-            </a:r>
-          </a:p>
-          <a:p>
-            <a:r>
-              <a:rPr lang="da-DK" sz="3600" dirty="0" smtClean="0">
-                <a:solidFill>
-                  <a:srgbClr val="000000"/>
-                </a:solidFill>
-                <a:latin typeface="Monaco"/>
-              </a:rPr>
-              <a:t>{</a:t>
-            </a:r>
-          </a:p>
-          <a:p>
-            <a:endParaRPr lang="da-DK" sz="3600" dirty="0" smtClean="0">
-              <a:solidFill>
-                <a:srgbClr val="000000"/>
-              </a:solidFill>
-              <a:latin typeface="Monaco"/>
-            </a:endParaRPr>
-          </a:p>
-          <a:p>
-            <a:r>
-              <a:rPr lang="de-DE" sz="3600" dirty="0" smtClean="0">
-                <a:solidFill>
-                  <a:srgbClr val="000000"/>
-                </a:solidFill>
-                <a:latin typeface="Monaco"/>
-              </a:rPr>
-              <a:t>}</a:t>
-            </a:r>
-            <a:endParaRPr lang="en-US" sz="3600" dirty="0"/>
-          </a:p>
-          <a:p>
-            <a:r>
-              <a:rPr lang="da-DK" sz="3600" b="1" dirty="0">
-                <a:solidFill>
-                  <a:srgbClr val="7F0055"/>
-                </a:solidFill>
-                <a:latin typeface="Monaco"/>
-              </a:rPr>
-              <a:t>for</a:t>
-            </a:r>
-            <a:r>
-              <a:rPr lang="da-DK" sz="3600" b="1" dirty="0">
-                <a:solidFill>
-                  <a:srgbClr val="000000"/>
-                </a:solidFill>
-                <a:latin typeface="Monaco"/>
-              </a:rPr>
-              <a:t> (</a:t>
-            </a:r>
-            <a:r>
-              <a:rPr lang="da-DK" sz="3600" b="1" dirty="0" err="1">
-                <a:solidFill>
-                  <a:srgbClr val="7F0055"/>
-                </a:solidFill>
-                <a:latin typeface="Monaco"/>
-              </a:rPr>
-              <a:t>int</a:t>
-            </a:r>
-            <a:r>
-              <a:rPr lang="da-DK" sz="3600" b="1" dirty="0">
-                <a:solidFill>
-                  <a:srgbClr val="000000"/>
-                </a:solidFill>
-                <a:latin typeface="Monaco"/>
-              </a:rPr>
-              <a:t> </a:t>
-            </a:r>
-            <a:r>
-              <a:rPr lang="da-DK" sz="3600" b="1" dirty="0">
-                <a:solidFill>
-                  <a:srgbClr val="6A3E3E"/>
-                </a:solidFill>
-                <a:latin typeface="Monaco"/>
-              </a:rPr>
-              <a:t>j</a:t>
-            </a:r>
-            <a:r>
-              <a:rPr lang="da-DK" sz="3600" b="1" dirty="0">
-                <a:solidFill>
-                  <a:srgbClr val="000000"/>
-                </a:solidFill>
-                <a:latin typeface="Monaco"/>
-              </a:rPr>
-              <a:t> = </a:t>
-            </a:r>
-            <a:r>
-              <a:rPr lang="da-DK" sz="3600" b="1" dirty="0">
-                <a:solidFill>
-                  <a:srgbClr val="FF3300"/>
-                </a:solidFill>
-                <a:latin typeface="Monaco"/>
-              </a:rPr>
-              <a:t>1</a:t>
-            </a:r>
-            <a:r>
-              <a:rPr lang="da-DK" sz="3600" b="1" dirty="0">
-                <a:solidFill>
-                  <a:srgbClr val="000000"/>
-                </a:solidFill>
-                <a:latin typeface="Monaco"/>
-              </a:rPr>
-              <a:t>; </a:t>
-            </a:r>
-            <a:r>
-              <a:rPr lang="da-DK" sz="3600" b="1" dirty="0">
-                <a:solidFill>
-                  <a:srgbClr val="6A3E3E"/>
-                </a:solidFill>
-                <a:latin typeface="Monaco"/>
-              </a:rPr>
-              <a:t>j</a:t>
-            </a:r>
-            <a:r>
-              <a:rPr lang="da-DK" sz="3600" b="1" dirty="0">
-                <a:solidFill>
-                  <a:srgbClr val="000000"/>
-                </a:solidFill>
-                <a:latin typeface="Monaco"/>
-              </a:rPr>
-              <a:t> &lt;= </a:t>
-            </a:r>
-            <a:r>
-              <a:rPr lang="da-DK" sz="3600" b="1" dirty="0">
-                <a:solidFill>
-                  <a:srgbClr val="FF3300"/>
-                </a:solidFill>
-                <a:latin typeface="Monaco"/>
-              </a:rPr>
-              <a:t>1</a:t>
-            </a:r>
-            <a:r>
-              <a:rPr lang="da-DK" sz="3600" b="1" dirty="0" smtClean="0">
+              <a:rPr lang="da-DK" sz="3600" b="1" dirty="0">
                 <a:solidFill>
                   <a:srgbClr val="000000"/>
                 </a:solidFill>
@@ -15721,6 +14586,148 @@
               </a:rPr>
               <a:t>}</a:t>
             </a:r>
+            <a:endParaRPr lang="en-US" sz="3600" dirty="0"/>
+          </a:p>
+          <a:p>
+            <a:r>
+              <a:rPr lang="da-DK" sz="3600" b="1" dirty="0">
+                <a:solidFill>
+                  <a:srgbClr val="7F0055"/>
+                </a:solidFill>
+                <a:latin typeface="Monaco"/>
+              </a:rPr>
+              <a:t>for</a:t>
+            </a:r>
+            <a:r>
+              <a:rPr lang="da-DK" sz="3600" b="1" dirty="0">
+                <a:solidFill>
+                  <a:srgbClr val="000000"/>
+                </a:solidFill>
+                <a:latin typeface="Monaco"/>
+              </a:rPr>
+              <a:t> (</a:t>
+            </a:r>
+            <a:r>
+              <a:rPr lang="da-DK" sz="3600" b="1" dirty="0" err="1">
+                <a:solidFill>
+                  <a:srgbClr val="7F0055"/>
+                </a:solidFill>
+                <a:latin typeface="Monaco"/>
+              </a:rPr>
+              <a:t>int</a:t>
+            </a:r>
+            <a:r>
+              <a:rPr lang="da-DK" sz="3600" b="1" dirty="0">
+                <a:solidFill>
+                  <a:srgbClr val="000000"/>
+                </a:solidFill>
+                <a:latin typeface="Monaco"/>
+              </a:rPr>
+              <a:t> </a:t>
+            </a:r>
+            <a:r>
+              <a:rPr lang="da-DK" sz="3600" b="1" dirty="0">
+                <a:solidFill>
+                  <a:srgbClr val="6A3E3E"/>
+                </a:solidFill>
+                <a:latin typeface="Monaco"/>
+              </a:rPr>
+              <a:t>j</a:t>
+            </a:r>
+            <a:r>
+              <a:rPr lang="da-DK" sz="3600" b="1" dirty="0">
+                <a:solidFill>
+                  <a:srgbClr val="000000"/>
+                </a:solidFill>
+                <a:latin typeface="Monaco"/>
+              </a:rPr>
+              <a:t> = </a:t>
+            </a:r>
+            <a:r>
+              <a:rPr lang="da-DK" sz="3600" b="1" dirty="0">
+                <a:solidFill>
+                  <a:srgbClr val="FF3300"/>
+                </a:solidFill>
+                <a:latin typeface="Monaco"/>
+              </a:rPr>
+              <a:t>1</a:t>
+            </a:r>
+            <a:r>
+              <a:rPr lang="da-DK" sz="3600" b="1" dirty="0">
+                <a:solidFill>
+                  <a:srgbClr val="000000"/>
+                </a:solidFill>
+                <a:latin typeface="Monaco"/>
+              </a:rPr>
+              <a:t>; </a:t>
+            </a:r>
+            <a:r>
+              <a:rPr lang="da-DK" sz="3600" b="1" dirty="0">
+                <a:solidFill>
+                  <a:srgbClr val="6A3E3E"/>
+                </a:solidFill>
+                <a:latin typeface="Monaco"/>
+              </a:rPr>
+              <a:t>j</a:t>
+            </a:r>
+            <a:r>
+              <a:rPr lang="da-DK" sz="3600" b="1" dirty="0">
+                <a:solidFill>
+                  <a:srgbClr val="000000"/>
+                </a:solidFill>
+                <a:latin typeface="Monaco"/>
+              </a:rPr>
+              <a:t> &lt;= </a:t>
+            </a:r>
+            <a:r>
+              <a:rPr lang="da-DK" sz="3600" b="1" dirty="0">
+                <a:solidFill>
+                  <a:srgbClr val="FF3300"/>
+                </a:solidFill>
+                <a:latin typeface="Monaco"/>
+              </a:rPr>
+              <a:t>1</a:t>
+            </a:r>
+            <a:r>
+              <a:rPr lang="da-DK" sz="3600" b="1" dirty="0">
+                <a:solidFill>
+                  <a:srgbClr val="000000"/>
+                </a:solidFill>
+                <a:latin typeface="Monaco"/>
+              </a:rPr>
+              <a:t>; </a:t>
+            </a:r>
+            <a:r>
+              <a:rPr lang="da-DK" sz="3600" b="1" dirty="0">
+                <a:solidFill>
+                  <a:srgbClr val="6A3E3E"/>
+                </a:solidFill>
+                <a:latin typeface="Monaco"/>
+              </a:rPr>
+              <a:t>j</a:t>
+            </a:r>
+            <a:r>
+              <a:rPr lang="da-DK" sz="3600" b="1" dirty="0">
+                <a:solidFill>
+                  <a:srgbClr val="000000"/>
+                </a:solidFill>
+                <a:latin typeface="Monaco"/>
+              </a:rPr>
+              <a:t>++)</a:t>
+            </a:r>
+          </a:p>
+          <a:p>
+            <a:r>
+              <a:rPr lang="da-DK" sz="3600" dirty="0">
+                <a:solidFill>
+                  <a:srgbClr val="000000"/>
+                </a:solidFill>
+                <a:latin typeface="Monaco"/>
+              </a:rPr>
+              <a:t>{</a:t>
+            </a:r>
+          </a:p>
+          <a:p>
             <a:endParaRPr lang="da-DK" sz="3600" dirty="0">
               <a:solidFill>
                 <a:srgbClr val="000000"/>
@@ -15730,7 +14737,24 @@
           </a:p>
           <a:p>
             <a:r>
-              <a:rPr lang="da-DK" sz="3600" dirty="0" smtClean="0">
+              <a:rPr lang="de-DE" sz="3600" dirty="0">
+                <a:solidFill>
+                  <a:srgbClr val="000000"/>
+                </a:solidFill>
+                <a:latin typeface="Monaco"/>
+              </a:rPr>
+              <a:t>}</a:t>
+            </a:r>
+            <a:endParaRPr lang="da-DK" sz="3600" dirty="0">
+              <a:solidFill>
+                <a:srgbClr val="000000"/>
+              </a:solidFill>
+              <a:latin typeface="Monaco"/>
+            </a:endParaRPr>
+          </a:p>
+          <a:p>
+            <a:r>
+              <a:rPr lang="da-DK" sz="3600" dirty="0">
                 <a:solidFill>
                   <a:srgbClr val="000000"/>
                 </a:solidFill>
@@ -15752,14 +14776,7 @@
   <p:clrMapOvr>
     <a:masterClrMapping/>
   </p:clrMapOvr>
-  <p:transition xmlns:p14="http://schemas.microsoft.com/office/powerpoint/2010/main" advTm="2000"/>
-  <p:timing>
-    <p:tnLst>
-      <p:par>
-        <p:cTn xmlns:p14="http://schemas.microsoft.com/office/powerpoint/2010/main" id="1" dur="indefinite" restart="never" nodeType="tmRoot"/>
-      </p:par>
-    </p:tnLst>
-  </p:timing>
+  <p:transition advTm="2000"/>
 </p:sld>
 </file>
 
@@ -15804,58 +14821,25 @@
                 </a:solidFill>
                 <a:latin typeface="Arial"/>
               </a:rPr>
-              <a:t>d</a:t>
-            </a:r>
-            <a:r>
-              <a:rPr lang="en-US" sz="4000" dirty="0" smtClean="0">
+              <a:t>do nothing</a:t>
+            </a:r>
+            <a:br>
+              <a:rPr lang="en-US" sz="8000" dirty="0">
                 <a:solidFill>
                   <a:srgbClr val="FF3B3B"/>
                 </a:solidFill>
                 <a:latin typeface="Arial"/>
               </a:rPr>
-              <a:t>o nothing</a:t>
-            </a:r>
-            <a:r>
-              <a:rPr lang="en-US" sz="8000" dirty="0" smtClean="0">
+            </a:br>
+            <a:r>
+              <a:rPr lang="en-US" sz="8000" dirty="0">
                 <a:solidFill>
                   <a:srgbClr val="FF3B3B"/>
                 </a:solidFill>
                 <a:latin typeface="Arial"/>
               </a:rPr>
-              <a:t/>
-            </a:r>
-            <a:br>
-              <a:rPr lang="en-US" sz="8000" dirty="0" smtClean="0">
-                <a:solidFill>
-                  <a:srgbClr val="FF3B3B"/>
-                </a:solidFill>
-                <a:latin typeface="Arial"/>
-              </a:rPr>
-            </a:br>
-            <a:r>
-              <a:rPr lang="en-US" sz="8000" dirty="0">
-                <a:solidFill>
-                  <a:srgbClr val="FF3B3B"/>
-                </a:solidFill>
-                <a:latin typeface="Arial"/>
-              </a:rPr>
-              <a:t>8</a:t>
-            </a:r>
-            <a:r>
-              <a:rPr lang="en-US" sz="8000" dirty="0" smtClean="0">
-                <a:solidFill>
-                  <a:srgbClr val="FF3B3B"/>
-                </a:solidFill>
-                <a:latin typeface="Arial"/>
-              </a:rPr>
-              <a:t> Times</a:t>
-            </a:r>
-            <a:endParaRPr lang="en-US" sz="8000" dirty="0">
-              <a:solidFill>
-                <a:srgbClr val="FF3B3B"/>
-              </a:solidFill>
-              <a:latin typeface="Arial"/>
-            </a:endParaRPr>
+              <a:t>8 Times</a:t>
+            </a:r>
           </a:p>
         </p:txBody>
       </p:sp>
@@ -15888,14 +14872,7 @@
   <p:clrMapOvr>
     <a:masterClrMapping/>
   </p:clrMapOvr>
-  <p:transition xmlns:p14="http://schemas.microsoft.com/office/powerpoint/2010/main" advTm="1000"/>
-  <p:timing>
-    <p:tnLst>
-      <p:par>
-        <p:cTn xmlns:p14="http://schemas.microsoft.com/office/powerpoint/2010/main" id="1" dur="indefinite" restart="never" nodeType="tmRoot"/>
-      </p:par>
-    </p:tnLst>
-  </p:timing>
+  <p:transition advTm="1000"/>
 </p:sld>
 </file>
 
@@ -16029,7 +15006,7 @@
               <a:t> &lt;= </a:t>
             </a:r>
             <a:r>
-              <a:rPr lang="da-DK" sz="3600" b="1" dirty="0" smtClean="0">
+              <a:rPr lang="da-DK" sz="3600" b="1" dirty="0">
                 <a:solidFill>
                   <a:srgbClr val="FF3300"/>
                 </a:solidFill>
@@ -16038,166 +15015,7 @@
               <a:t>90</a:t>
             </a:r>
             <a:r>
-              <a:rPr lang="da-DK" sz="3600" b="1" dirty="0" smtClean="0">
-                <a:solidFill>
-                  <a:srgbClr val="000000"/>
-                </a:solidFill>
-                <a:latin typeface="Monaco"/>
-              </a:rPr>
-              <a:t>; </a:t>
-            </a:r>
-            <a:r>
-              <a:rPr lang="da-DK" sz="3600" b="1" dirty="0">
-                <a:solidFill>
-                  <a:srgbClr val="6A3E3E"/>
-                </a:solidFill>
-                <a:latin typeface="Monaco"/>
-              </a:rPr>
-              <a:t>i</a:t>
-            </a:r>
-            <a:r>
-              <a:rPr lang="da-DK" sz="3600" b="1" dirty="0">
-                <a:solidFill>
-                  <a:srgbClr val="000000"/>
-                </a:solidFill>
-                <a:latin typeface="Monaco"/>
-              </a:rPr>
-              <a:t>++)</a:t>
-            </a:r>
-          </a:p>
-          <a:p>
-            <a:r>
-              <a:rPr lang="da-DK" sz="3600" dirty="0" smtClean="0">
-                <a:solidFill>
-                  <a:srgbClr val="000000"/>
-                </a:solidFill>
-                <a:latin typeface="Monaco"/>
-              </a:rPr>
-              <a:t>{</a:t>
-            </a:r>
-          </a:p>
-          <a:p>
-            <a:endParaRPr lang="da-DK" sz="3600" dirty="0" smtClean="0">
-              <a:solidFill>
-                <a:srgbClr val="000000"/>
-              </a:solidFill>
-              <a:latin typeface="Monaco"/>
-            </a:endParaRPr>
-          </a:p>
-          <a:p>
-            <a:r>
-              <a:rPr lang="de-DE" sz="3600" dirty="0" smtClean="0">
-                <a:solidFill>
-                  <a:srgbClr val="000000"/>
-                </a:solidFill>
-                <a:latin typeface="Monaco"/>
-              </a:rPr>
-              <a:t>}</a:t>
-            </a:r>
-            <a:endParaRPr lang="en-US" sz="3600" dirty="0"/>
-          </a:p>
-          <a:p>
-            <a:r>
-              <a:rPr lang="da-DK" sz="3600" b="1" dirty="0">
-                <a:solidFill>
-                  <a:srgbClr val="7F0055"/>
-                </a:solidFill>
-                <a:latin typeface="Monaco"/>
-              </a:rPr>
-              <a:t>for</a:t>
-            </a:r>
-            <a:r>
-              <a:rPr lang="da-DK" sz="3600" b="1" dirty="0">
-                <a:solidFill>
-                  <a:srgbClr val="000000"/>
-                </a:solidFill>
-                <a:latin typeface="Monaco"/>
-              </a:rPr>
-              <a:t> (</a:t>
-            </a:r>
-            <a:r>
-              <a:rPr lang="da-DK" sz="3600" b="1" dirty="0" err="1">
-                <a:solidFill>
-                  <a:srgbClr val="7F0055"/>
-                </a:solidFill>
-                <a:latin typeface="Monaco"/>
-              </a:rPr>
-              <a:t>int</a:t>
-            </a:r>
-            <a:r>
-              <a:rPr lang="da-DK" sz="3600" b="1" dirty="0">
-                <a:solidFill>
-                  <a:srgbClr val="000000"/>
-                </a:solidFill>
-                <a:latin typeface="Monaco"/>
-              </a:rPr>
-              <a:t> </a:t>
-            </a:r>
-            <a:r>
-              <a:rPr lang="da-DK" sz="3600" b="1" dirty="0">
-                <a:solidFill>
-                  <a:srgbClr val="6A3E3E"/>
-                </a:solidFill>
-                <a:latin typeface="Monaco"/>
-              </a:rPr>
-              <a:t>j</a:t>
-            </a:r>
-            <a:r>
-              <a:rPr lang="da-DK" sz="3600" b="1" dirty="0">
-                <a:solidFill>
-                  <a:srgbClr val="000000"/>
-                </a:solidFill>
-                <a:latin typeface="Monaco"/>
-              </a:rPr>
-              <a:t> = </a:t>
-            </a:r>
-            <a:r>
-              <a:rPr lang="da-DK" sz="3600" b="1" dirty="0">
-                <a:solidFill>
-                  <a:srgbClr val="FF3300"/>
-                </a:solidFill>
-                <a:latin typeface="Monaco"/>
-              </a:rPr>
-              <a:t>1</a:t>
-            </a:r>
-            <a:r>
-              <a:rPr lang="da-DK" sz="3600" b="1" dirty="0">
-                <a:solidFill>
-                  <a:srgbClr val="000000"/>
-                </a:solidFill>
-                <a:latin typeface="Monaco"/>
-              </a:rPr>
-              <a:t>; </a:t>
-            </a:r>
-            <a:r>
-              <a:rPr lang="da-DK" sz="3600" b="1" dirty="0">
-                <a:solidFill>
-                  <a:srgbClr val="6A3E3E"/>
-                </a:solidFill>
-                <a:latin typeface="Monaco"/>
-              </a:rPr>
-              <a:t>j</a:t>
-            </a:r>
-            <a:r>
-              <a:rPr lang="da-DK" sz="3600" b="1" dirty="0">
-                <a:solidFill>
-                  <a:srgbClr val="000000"/>
-                </a:solidFill>
-                <a:latin typeface="Monaco"/>
-              </a:rPr>
-              <a:t> &lt;= </a:t>
-            </a:r>
-            <a:r>
-              <a:rPr lang="da-DK" sz="3600" b="1" dirty="0">
-                <a:solidFill>
-                  <a:srgbClr val="FF3300"/>
-                </a:solidFill>
-                <a:latin typeface="Monaco"/>
-              </a:rPr>
-              <a:t>1</a:t>
-            </a:r>
-            <a:r>
-              <a:rPr lang="da-DK" sz="3600" b="1" dirty="0" smtClean="0">
+              <a:rPr lang="da-DK" sz="3600" b="1" dirty="0">
                 <a:solidFill>
                   <a:srgbClr val="000000"/>
                 </a:solidFill>
@@ -16253,6 +15071,148 @@
               </a:rPr>
               <a:t>}</a:t>
             </a:r>
+            <a:endParaRPr lang="en-US" sz="3600" dirty="0"/>
+          </a:p>
+          <a:p>
+            <a:r>
+              <a:rPr lang="da-DK" sz="3600" b="1" dirty="0">
+                <a:solidFill>
+                  <a:srgbClr val="7F0055"/>
+                </a:solidFill>
+                <a:latin typeface="Monaco"/>
+              </a:rPr>
+              <a:t>for</a:t>
+            </a:r>
+            <a:r>
+              <a:rPr lang="da-DK" sz="3600" b="1" dirty="0">
+                <a:solidFill>
+                  <a:srgbClr val="000000"/>
+                </a:solidFill>
+                <a:latin typeface="Monaco"/>
+              </a:rPr>
+              <a:t> (</a:t>
+            </a:r>
+            <a:r>
+              <a:rPr lang="da-DK" sz="3600" b="1" dirty="0" err="1">
+                <a:solidFill>
+                  <a:srgbClr val="7F0055"/>
+                </a:solidFill>
+                <a:latin typeface="Monaco"/>
+              </a:rPr>
+              <a:t>int</a:t>
+            </a:r>
+            <a:r>
+              <a:rPr lang="da-DK" sz="3600" b="1" dirty="0">
+                <a:solidFill>
+                  <a:srgbClr val="000000"/>
+                </a:solidFill>
+                <a:latin typeface="Monaco"/>
+              </a:rPr>
+              <a:t> </a:t>
+            </a:r>
+            <a:r>
+              <a:rPr lang="da-DK" sz="3600" b="1" dirty="0">
+                <a:solidFill>
+                  <a:srgbClr val="6A3E3E"/>
+                </a:solidFill>
+                <a:latin typeface="Monaco"/>
+              </a:rPr>
+              <a:t>j</a:t>
+            </a:r>
+            <a:r>
+              <a:rPr lang="da-DK" sz="3600" b="1" dirty="0">
+                <a:solidFill>
+                  <a:srgbClr val="000000"/>
+                </a:solidFill>
+                <a:latin typeface="Monaco"/>
+              </a:rPr>
+              <a:t> = </a:t>
+            </a:r>
+            <a:r>
+              <a:rPr lang="da-DK" sz="3600" b="1" dirty="0">
+                <a:solidFill>
+                  <a:srgbClr val="FF3300"/>
+                </a:solidFill>
+                <a:latin typeface="Monaco"/>
+              </a:rPr>
+              <a:t>1</a:t>
+            </a:r>
+            <a:r>
+              <a:rPr lang="da-DK" sz="3600" b="1" dirty="0">
+                <a:solidFill>
+                  <a:srgbClr val="000000"/>
+                </a:solidFill>
+                <a:latin typeface="Monaco"/>
+              </a:rPr>
+              <a:t>; </a:t>
+            </a:r>
+            <a:r>
+              <a:rPr lang="da-DK" sz="3600" b="1" dirty="0">
+                <a:solidFill>
+                  <a:srgbClr val="6A3E3E"/>
+                </a:solidFill>
+                <a:latin typeface="Monaco"/>
+              </a:rPr>
+              <a:t>j</a:t>
+            </a:r>
+            <a:r>
+              <a:rPr lang="da-DK" sz="3600" b="1" dirty="0">
+                <a:solidFill>
+                  <a:srgbClr val="000000"/>
+                </a:solidFill>
+                <a:latin typeface="Monaco"/>
+              </a:rPr>
+              <a:t> &lt;= </a:t>
+            </a:r>
+            <a:r>
+              <a:rPr lang="da-DK" sz="3600" b="1" dirty="0">
+                <a:solidFill>
+                  <a:srgbClr val="FF3300"/>
+                </a:solidFill>
+                <a:latin typeface="Monaco"/>
+              </a:rPr>
+              <a:t>1</a:t>
+            </a:r>
+            <a:r>
+              <a:rPr lang="da-DK" sz="3600" b="1" dirty="0">
+                <a:solidFill>
+                  <a:srgbClr val="000000"/>
+                </a:solidFill>
+                <a:latin typeface="Monaco"/>
+              </a:rPr>
+              <a:t>; </a:t>
+            </a:r>
+            <a:r>
+              <a:rPr lang="da-DK" sz="3600" b="1" dirty="0">
+                <a:solidFill>
+                  <a:srgbClr val="6A3E3E"/>
+                </a:solidFill>
+                <a:latin typeface="Monaco"/>
+              </a:rPr>
+              <a:t>j</a:t>
+            </a:r>
+            <a:r>
+              <a:rPr lang="da-DK" sz="3600" b="1" dirty="0">
+                <a:solidFill>
+                  <a:srgbClr val="000000"/>
+                </a:solidFill>
+                <a:latin typeface="Monaco"/>
+              </a:rPr>
+              <a:t>++)</a:t>
+            </a:r>
+          </a:p>
+          <a:p>
+            <a:r>
+              <a:rPr lang="da-DK" sz="3600" dirty="0">
+                <a:solidFill>
+                  <a:srgbClr val="000000"/>
+                </a:solidFill>
+                <a:latin typeface="Monaco"/>
+              </a:rPr>
+              <a:t>{</a:t>
+            </a:r>
+          </a:p>
+          <a:p>
             <a:endParaRPr lang="da-DK" sz="3600" dirty="0">
               <a:solidFill>
                 <a:srgbClr val="000000"/>
@@ -16262,7 +15222,24 @@
           </a:p>
           <a:p>
             <a:r>
-              <a:rPr lang="da-DK" sz="3600" dirty="0" smtClean="0">
+              <a:rPr lang="de-DE" sz="3600" dirty="0">
+                <a:solidFill>
+                  <a:srgbClr val="000000"/>
+                </a:solidFill>
+                <a:latin typeface="Monaco"/>
+              </a:rPr>
+              <a:t>}</a:t>
+            </a:r>
+            <a:endParaRPr lang="da-DK" sz="3600" dirty="0">
+              <a:solidFill>
+                <a:srgbClr val="000000"/>
+              </a:solidFill>
+              <a:latin typeface="Monaco"/>
+            </a:endParaRPr>
+          </a:p>
+          <a:p>
+            <a:r>
+              <a:rPr lang="da-DK" sz="3600" dirty="0">
                 <a:solidFill>
                   <a:srgbClr val="000000"/>
                 </a:solidFill>
@@ -16284,14 +15261,7 @@
   <p:clrMapOvr>
     <a:masterClrMapping/>
   </p:clrMapOvr>
-  <p:transition xmlns:p14="http://schemas.microsoft.com/office/powerpoint/2010/main" advTm="2000"/>
-  <p:timing>
-    <p:tnLst>
-      <p:par>
-        <p:cTn xmlns:p14="http://schemas.microsoft.com/office/powerpoint/2010/main" id="1" dur="indefinite" restart="never" nodeType="tmRoot"/>
-      </p:par>
-    </p:tnLst>
-  </p:timing>
+  <p:transition advTm="2000"/>
 </p:sld>
 </file>
 
@@ -16434,7 +15404,7 @@
               <a:t>3</a:t>
             </a:r>
             <a:r>
-              <a:rPr lang="da-DK" sz="3600" b="1" dirty="0" smtClean="0">
+              <a:rPr lang="da-DK" sz="3600" b="1" dirty="0">
                 <a:solidFill>
                   <a:srgbClr val="000000"/>
                 </a:solidFill>
@@ -16463,7 +15433,7 @@
           </a:p>
           <a:p>
             <a:r>
-              <a:rPr lang="da-DK" sz="3600" dirty="0" smtClean="0">
+              <a:rPr lang="da-DK" sz="3600" dirty="0">
                 <a:solidFill>
                   <a:srgbClr val="000000"/>
                 </a:solidFill>
@@ -16482,7 +15452,7 @@
           </a:p>
           <a:p>
             <a:r>
-              <a:rPr lang="de-DE" sz="3600" dirty="0" smtClean="0">
+              <a:rPr lang="de-DE" sz="3600" dirty="0">
                 <a:solidFill>
                   <a:srgbClr val="000000"/>
                 </a:solidFill>
@@ -16494,7 +15464,7 @@
           </a:p>
           <a:p>
             <a:r>
-              <a:rPr lang="da-DK" sz="3600" dirty="0" smtClean="0">
+              <a:rPr lang="da-DK" sz="3600" dirty="0">
                 <a:solidFill>
                   <a:srgbClr val="000000"/>
                 </a:solidFill>
@@ -16516,14 +15486,7 @@
   <p:clrMapOvr>
     <a:masterClrMapping/>
   </p:clrMapOvr>
-  <p:transition xmlns:p14="http://schemas.microsoft.com/office/powerpoint/2010/main" advTm="4000"/>
-  <p:timing>
-    <p:tnLst>
-      <p:par>
-        <p:cTn xmlns:p14="http://schemas.microsoft.com/office/powerpoint/2010/main" id="1" dur="indefinite" restart="never" nodeType="tmRoot"/>
-      </p:par>
-    </p:tnLst>
-  </p:timing>
+  <p:transition advTm="4000"/>
 </p:sld>
 </file>
 
@@ -16568,49 +15531,25 @@
                 </a:solidFill>
                 <a:latin typeface="Arial"/>
               </a:rPr>
-              <a:t>d</a:t>
-            </a:r>
-            <a:r>
-              <a:rPr lang="en-US" sz="4000" dirty="0" smtClean="0">
+              <a:t>do nothing</a:t>
+            </a:r>
+            <a:br>
+              <a:rPr lang="en-US" sz="8000" dirty="0">
                 <a:solidFill>
                   <a:srgbClr val="FF3B3B"/>
                 </a:solidFill>
                 <a:latin typeface="Arial"/>
               </a:rPr>
-              <a:t>o nothing</a:t>
-            </a:r>
-            <a:r>
-              <a:rPr lang="en-US" sz="8000" dirty="0" smtClean="0">
+            </a:br>
+            <a:r>
+              <a:rPr lang="en-US" sz="8000" dirty="0">
                 <a:solidFill>
                   <a:srgbClr val="FF3B3B"/>
                 </a:solidFill>
                 <a:latin typeface="Arial"/>
               </a:rPr>
-              <a:t/>
-            </a:r>
-            <a:br>
-              <a:rPr lang="en-US" sz="8000" dirty="0" smtClean="0">
-                <a:solidFill>
-                  <a:srgbClr val="FF3B3B"/>
-                </a:solidFill>
-                <a:latin typeface="Arial"/>
-              </a:rPr>
-            </a:br>
-            <a:r>
-              <a:rPr lang="en-US" sz="8000" dirty="0" smtClean="0">
-                <a:solidFill>
-                  <a:srgbClr val="FF3B3B"/>
-                </a:solidFill>
-                <a:latin typeface="Arial"/>
-              </a:rPr>
               <a:t>91 Times</a:t>
             </a:r>
-            <a:endParaRPr lang="en-US" sz="8000" dirty="0">
-              <a:solidFill>
-                <a:srgbClr val="FF3B3B"/>
-              </a:solidFill>
-              <a:latin typeface="Arial"/>
-            </a:endParaRPr>
           </a:p>
         </p:txBody>
       </p:sp>
@@ -16643,14 +15582,7 @@
   <p:clrMapOvr>
     <a:masterClrMapping/>
   </p:clrMapOvr>
-  <p:transition xmlns:p14="http://schemas.microsoft.com/office/powerpoint/2010/main" advTm="1000"/>
-  <p:timing>
-    <p:tnLst>
-      <p:par>
-        <p:cTn xmlns:p14="http://schemas.microsoft.com/office/powerpoint/2010/main" id="1" dur="indefinite" restart="never" nodeType="tmRoot"/>
-      </p:par>
-    </p:tnLst>
-  </p:timing>
+  <p:transition advTm="1000"/>
 </p:sld>
 </file>
 
@@ -16790,19 +15722,114 @@
                 </a:solidFill>
                 <a:latin typeface="Monaco"/>
               </a:rPr>
-              <a:t>9</a:t>
-            </a:r>
-            <a:r>
-              <a:rPr lang="da-DK" sz="3600" b="1" dirty="0" smtClean="0">
+              <a:t>90</a:t>
+            </a:r>
+            <a:r>
+              <a:rPr lang="da-DK" sz="3600" b="1" dirty="0">
+                <a:solidFill>
+                  <a:srgbClr val="000000"/>
+                </a:solidFill>
+                <a:latin typeface="Monaco"/>
+              </a:rPr>
+              <a:t>; </a:t>
+            </a:r>
+            <a:r>
+              <a:rPr lang="da-DK" sz="3600" b="1" dirty="0">
+                <a:solidFill>
+                  <a:srgbClr val="6A3E3E"/>
+                </a:solidFill>
+                <a:latin typeface="Monaco"/>
+              </a:rPr>
+              <a:t>i</a:t>
+            </a:r>
+            <a:r>
+              <a:rPr lang="da-DK" sz="3600" b="1" dirty="0">
+                <a:solidFill>
+                  <a:srgbClr val="000000"/>
+                </a:solidFill>
+                <a:latin typeface="Monaco"/>
+              </a:rPr>
+              <a:t>++)</a:t>
+            </a:r>
+          </a:p>
+          <a:p>
+            <a:r>
+              <a:rPr lang="da-DK" sz="3600" dirty="0">
+                <a:solidFill>
+                  <a:srgbClr val="000000"/>
+                </a:solidFill>
+                <a:latin typeface="Monaco"/>
+              </a:rPr>
+              <a:t>{</a:t>
+            </a:r>
+          </a:p>
+          <a:p>
+            <a:pPr lvl="1"/>
+            <a:r>
+              <a:rPr lang="da-DK" sz="3600" b="1" dirty="0">
+                <a:solidFill>
+                  <a:srgbClr val="7F0055"/>
+                </a:solidFill>
+                <a:latin typeface="Monaco"/>
+              </a:rPr>
+              <a:t>for</a:t>
+            </a:r>
+            <a:r>
+              <a:rPr lang="da-DK" sz="3600" b="1" dirty="0">
+                <a:solidFill>
+                  <a:srgbClr val="000000"/>
+                </a:solidFill>
+                <a:latin typeface="Monaco"/>
+              </a:rPr>
+              <a:t> (</a:t>
+            </a:r>
+            <a:r>
+              <a:rPr lang="da-DK" sz="3600" b="1" dirty="0" err="1">
+                <a:solidFill>
+                  <a:srgbClr val="7F0055"/>
+                </a:solidFill>
+                <a:latin typeface="Monaco"/>
+              </a:rPr>
+              <a:t>int</a:t>
+            </a:r>
+            <a:r>
+              <a:rPr lang="da-DK" sz="3600" b="1" dirty="0">
+                <a:solidFill>
+                  <a:srgbClr val="000000"/>
+                </a:solidFill>
+                <a:latin typeface="Monaco"/>
+              </a:rPr>
+              <a:t> </a:t>
+            </a:r>
+            <a:r>
+              <a:rPr lang="da-DK" sz="3600" b="1" dirty="0">
+                <a:solidFill>
+                  <a:srgbClr val="6A3E3E"/>
+                </a:solidFill>
+                <a:latin typeface="Monaco"/>
+              </a:rPr>
+              <a:t>j</a:t>
+            </a:r>
+            <a:r>
+              <a:rPr lang="da-DK" sz="3600" b="1" dirty="0">
+                <a:solidFill>
+                  <a:srgbClr val="000000"/>
+                </a:solidFill>
+                <a:latin typeface="Monaco"/>
+              </a:rPr>
+              <a:t> = </a:t>
+            </a:r>
+            <a:r>
+              <a:rPr lang="da-DK" sz="3600" b="1" dirty="0">
                 <a:solidFill>
                   <a:srgbClr val="FF3300"/>
                 </a:solidFill>
                 <a:latin typeface="Monaco"/>
               </a:rPr>
-              <a:t>0</a:t>
-            </a:r>
-            <a:r>
-              <a:rPr lang="da-DK" sz="3600" b="1" dirty="0" smtClean="0">
+              <a:t>1</a:t>
+            </a:r>
+            <a:r>
+              <a:rPr lang="da-DK" sz="3600" b="1" dirty="0">
                 <a:solidFill>
                   <a:srgbClr val="000000"/>
                 </a:solidFill>
@@ -16817,165 +15844,43 @@
                 </a:solidFill>
                 <a:latin typeface="Monaco"/>
               </a:rPr>
-              <a:t>i</a:t>
-            </a:r>
-            <a:r>
-              <a:rPr lang="da-DK" sz="3600" b="1" dirty="0">
-                <a:solidFill>
-                  <a:srgbClr val="000000"/>
-                </a:solidFill>
-                <a:latin typeface="Monaco"/>
-              </a:rPr>
-              <a:t>++)</a:t>
-            </a:r>
-          </a:p>
-          <a:p>
-            <a:r>
-              <a:rPr lang="da-DK" sz="3600" dirty="0" smtClean="0">
-                <a:solidFill>
-                  <a:srgbClr val="000000"/>
-                </a:solidFill>
-                <a:latin typeface="Monaco"/>
-              </a:rPr>
-              <a:t>{</a:t>
-            </a:r>
-          </a:p>
-          <a:p>
-            <a:pPr lvl="1"/>
-            <a:r>
-              <a:rPr lang="da-DK" sz="3600" b="1" dirty="0">
-                <a:solidFill>
-                  <a:srgbClr val="7F0055"/>
-                </a:solidFill>
-                <a:latin typeface="Monaco"/>
-              </a:rPr>
-              <a:t>for</a:t>
-            </a:r>
-            <a:r>
-              <a:rPr lang="da-DK" sz="3600" b="1" dirty="0">
-                <a:solidFill>
-                  <a:srgbClr val="000000"/>
-                </a:solidFill>
-                <a:latin typeface="Monaco"/>
-              </a:rPr>
-              <a:t> (</a:t>
-            </a:r>
-            <a:r>
-              <a:rPr lang="da-DK" sz="3600" b="1" dirty="0" err="1">
-                <a:solidFill>
-                  <a:srgbClr val="7F0055"/>
-                </a:solidFill>
-                <a:latin typeface="Monaco"/>
-              </a:rPr>
-              <a:t>int</a:t>
-            </a:r>
-            <a:r>
-              <a:rPr lang="da-DK" sz="3600" b="1" dirty="0">
-                <a:solidFill>
-                  <a:srgbClr val="000000"/>
-                </a:solidFill>
-                <a:latin typeface="Monaco"/>
-              </a:rPr>
-              <a:t> </a:t>
-            </a:r>
-            <a:r>
-              <a:rPr lang="da-DK" sz="3600" b="1" dirty="0" smtClean="0">
+              <a:t>j</a:t>
+            </a:r>
+            <a:r>
+              <a:rPr lang="da-DK" sz="3600" b="1" dirty="0">
+                <a:solidFill>
+                  <a:srgbClr val="000000"/>
+                </a:solidFill>
+                <a:latin typeface="Monaco"/>
+              </a:rPr>
+              <a:t> &lt;= </a:t>
+            </a:r>
+            <a:r>
+              <a:rPr lang="da-DK" sz="3600" b="1" dirty="0">
+                <a:solidFill>
+                  <a:srgbClr val="FF3300"/>
+                </a:solidFill>
+                <a:latin typeface="Monaco"/>
+              </a:rPr>
+              <a:t>1</a:t>
+            </a:r>
+            <a:r>
+              <a:rPr lang="da-DK" sz="3600" b="1" dirty="0">
+                <a:solidFill>
+                  <a:srgbClr val="000000"/>
+                </a:solidFill>
+                <a:latin typeface="Monaco"/>
+              </a:rPr>
+              <a:t>; </a:t>
+            </a:r>
+            <a:r>
+              <a:rPr lang="da-DK" sz="3600" b="1" dirty="0">
                 <a:solidFill>
                   <a:srgbClr val="6A3E3E"/>
                 </a:solidFill>
                 <a:latin typeface="Monaco"/>
               </a:rPr>
               <a:t>j</a:t>
-            </a:r>
-            <a:r>
-              <a:rPr lang="da-DK" sz="3600" b="1" dirty="0" smtClean="0">
-                <a:solidFill>
-                  <a:srgbClr val="000000"/>
-                </a:solidFill>
-                <a:latin typeface="Monaco"/>
-              </a:rPr>
-              <a:t> </a:t>
-            </a:r>
-            <a:r>
-              <a:rPr lang="da-DK" sz="3600" b="1" dirty="0">
-                <a:solidFill>
-                  <a:srgbClr val="000000"/>
-                </a:solidFill>
-                <a:latin typeface="Monaco"/>
-              </a:rPr>
-              <a:t>= </a:t>
-            </a:r>
-            <a:r>
-              <a:rPr lang="da-DK" sz="3600" b="1" dirty="0">
-                <a:solidFill>
-                  <a:srgbClr val="FF3300"/>
-                </a:solidFill>
-                <a:latin typeface="Monaco"/>
-              </a:rPr>
-              <a:t>1</a:t>
-            </a:r>
-            <a:r>
-              <a:rPr lang="da-DK" sz="3600" b="1" dirty="0">
-                <a:solidFill>
-                  <a:srgbClr val="000000"/>
-                </a:solidFill>
-                <a:latin typeface="Monaco"/>
-              </a:rPr>
-              <a:t>; </a:t>
-            </a:r>
-            <a:r>
-              <a:rPr lang="da-DK" sz="3600" b="1" dirty="0" smtClean="0">
-                <a:solidFill>
-                  <a:srgbClr val="6A3E3E"/>
-                </a:solidFill>
-                <a:latin typeface="Monaco"/>
-              </a:rPr>
-              <a:t>j</a:t>
-            </a:r>
-            <a:r>
-              <a:rPr lang="da-DK" sz="3600" b="1" dirty="0" smtClean="0">
-                <a:solidFill>
-                  <a:srgbClr val="000000"/>
-                </a:solidFill>
-                <a:latin typeface="Monaco"/>
-              </a:rPr>
-              <a:t> </a:t>
-            </a:r>
-            <a:r>
-              <a:rPr lang="da-DK" sz="3600" b="1" dirty="0">
-                <a:solidFill>
-                  <a:srgbClr val="000000"/>
-                </a:solidFill>
-                <a:latin typeface="Monaco"/>
-              </a:rPr>
-              <a:t>&lt;= </a:t>
-            </a:r>
-            <a:r>
-              <a:rPr lang="da-DK" sz="3600" b="1" dirty="0" smtClean="0">
-                <a:solidFill>
-                  <a:srgbClr val="FF3300"/>
-                </a:solidFill>
-                <a:latin typeface="Monaco"/>
-              </a:rPr>
-              <a:t>1</a:t>
-            </a:r>
-            <a:r>
-              <a:rPr lang="da-DK" sz="3600" b="1" dirty="0" smtClean="0">
-                <a:solidFill>
-                  <a:srgbClr val="000000"/>
-                </a:solidFill>
-                <a:latin typeface="Monaco"/>
-              </a:rPr>
-              <a:t>; </a:t>
-            </a:r>
-            <a:r>
-              <a:rPr lang="da-DK" sz="3600" b="1" dirty="0">
-                <a:solidFill>
-                  <a:srgbClr val="6A3E3E"/>
-                </a:solidFill>
-                <a:latin typeface="Monaco"/>
-              </a:rPr>
-              <a:t>i</a:t>
             </a:r>
             <a:r>
               <a:rPr lang="da-DK" sz="3600" b="1" dirty="0">
@@ -17011,7 +15916,7 @@
           <a:p>
             <a:pPr lvl="1"/>
             <a:r>
-              <a:rPr lang="de-DE" sz="3600" dirty="0" smtClean="0">
+              <a:rPr lang="de-DE" sz="3600" dirty="0">
                 <a:solidFill>
                   <a:srgbClr val="000000"/>
                 </a:solidFill>
@@ -17028,7 +15933,7 @@
           </a:p>
           <a:p>
             <a:r>
-              <a:rPr lang="de-DE" sz="3600" dirty="0" smtClean="0">
+              <a:rPr lang="de-DE" sz="3600" dirty="0">
                 <a:solidFill>
                   <a:srgbClr val="000000"/>
                 </a:solidFill>
@@ -17040,7 +15945,7 @@
           </a:p>
           <a:p>
             <a:r>
-              <a:rPr lang="da-DK" sz="3600" dirty="0" smtClean="0">
+              <a:rPr lang="da-DK" sz="3600" dirty="0">
                 <a:solidFill>
                   <a:srgbClr val="000000"/>
                 </a:solidFill>
@@ -17062,14 +15967,7 @@
   <p:clrMapOvr>
     <a:masterClrMapping/>
   </p:clrMapOvr>
-  <p:transition xmlns:p14="http://schemas.microsoft.com/office/powerpoint/2010/main" advTm="2000"/>
-  <p:timing>
-    <p:tnLst>
-      <p:par>
-        <p:cTn xmlns:p14="http://schemas.microsoft.com/office/powerpoint/2010/main" id="1" dur="indefinite" restart="never" nodeType="tmRoot"/>
-      </p:par>
-    </p:tnLst>
-  </p:timing>
+  <p:transition advTm="2000"/>
 </p:sld>
 </file>
 
@@ -17114,49 +16012,25 @@
                 </a:solidFill>
                 <a:latin typeface="Arial"/>
               </a:rPr>
-              <a:t>d</a:t>
-            </a:r>
-            <a:r>
-              <a:rPr lang="en-US" sz="4000" dirty="0" smtClean="0">
+              <a:t>do nothing</a:t>
+            </a:r>
+            <a:br>
+              <a:rPr lang="en-US" sz="8000" dirty="0">
                 <a:solidFill>
                   <a:srgbClr val="FF3B3B"/>
                 </a:solidFill>
                 <a:latin typeface="Arial"/>
               </a:rPr>
-              <a:t>o nothing</a:t>
-            </a:r>
-            <a:r>
-              <a:rPr lang="en-US" sz="8000" dirty="0" smtClean="0">
+            </a:br>
+            <a:r>
+              <a:rPr lang="en-US" sz="8000" dirty="0">
                 <a:solidFill>
                   <a:srgbClr val="FF3B3B"/>
                 </a:solidFill>
                 <a:latin typeface="Arial"/>
               </a:rPr>
-              <a:t/>
-            </a:r>
-            <a:br>
-              <a:rPr lang="en-US" sz="8000" dirty="0" smtClean="0">
-                <a:solidFill>
-                  <a:srgbClr val="FF3B3B"/>
-                </a:solidFill>
-                <a:latin typeface="Arial"/>
-              </a:rPr>
-            </a:br>
-            <a:r>
-              <a:rPr lang="en-US" sz="8000" dirty="0" smtClean="0">
-                <a:solidFill>
-                  <a:srgbClr val="FF3B3B"/>
-                </a:solidFill>
-                <a:latin typeface="Arial"/>
-              </a:rPr>
               <a:t>90 Times</a:t>
             </a:r>
-            <a:endParaRPr lang="en-US" sz="8000" dirty="0">
-              <a:solidFill>
-                <a:srgbClr val="FF3B3B"/>
-              </a:solidFill>
-              <a:latin typeface="Arial"/>
-            </a:endParaRPr>
           </a:p>
         </p:txBody>
       </p:sp>
@@ -17189,14 +16063,7 @@
   <p:clrMapOvr>
     <a:masterClrMapping/>
   </p:clrMapOvr>
-  <p:transition xmlns:p14="http://schemas.microsoft.com/office/powerpoint/2010/main" advTm="1000"/>
-  <p:timing>
-    <p:tnLst>
-      <p:par>
-        <p:cTn xmlns:p14="http://schemas.microsoft.com/office/powerpoint/2010/main" id="1" dur="indefinite" restart="never" nodeType="tmRoot"/>
-      </p:par>
-    </p:tnLst>
-  </p:timing>
+  <p:transition advTm="1000"/>
 </p:sld>
 </file>
 
@@ -17241,49 +16108,25 @@
                 </a:solidFill>
                 <a:latin typeface="Arial"/>
               </a:rPr>
-              <a:t>d</a:t>
-            </a:r>
-            <a:r>
-              <a:rPr lang="en-US" sz="4000" dirty="0" smtClean="0">
+              <a:t>do nothing</a:t>
+            </a:r>
+            <a:br>
+              <a:rPr lang="en-US" sz="8000" dirty="0">
                 <a:solidFill>
                   <a:srgbClr val="FF3B3B"/>
                 </a:solidFill>
                 <a:latin typeface="Arial"/>
               </a:rPr>
-              <a:t>o nothing</a:t>
-            </a:r>
-            <a:r>
-              <a:rPr lang="en-US" sz="8000" dirty="0" smtClean="0">
+            </a:br>
+            <a:r>
+              <a:rPr lang="en-US" sz="8000" dirty="0">
                 <a:solidFill>
                   <a:srgbClr val="FF3B3B"/>
                 </a:solidFill>
                 <a:latin typeface="Arial"/>
               </a:rPr>
-              <a:t/>
-            </a:r>
-            <a:br>
-              <a:rPr lang="en-US" sz="8000" dirty="0" smtClean="0">
-                <a:solidFill>
-                  <a:srgbClr val="FF3B3B"/>
-                </a:solidFill>
-                <a:latin typeface="Arial"/>
-              </a:rPr>
-            </a:br>
-            <a:r>
-              <a:rPr lang="en-US" sz="8000" dirty="0" smtClean="0">
-                <a:solidFill>
-                  <a:srgbClr val="FF3B3B"/>
-                </a:solidFill>
-                <a:latin typeface="Arial"/>
-              </a:rPr>
               <a:t>3 Times</a:t>
             </a:r>
-            <a:endParaRPr lang="en-US" sz="8000" dirty="0">
-              <a:solidFill>
-                <a:srgbClr val="FF3B3B"/>
-              </a:solidFill>
-              <a:latin typeface="Arial"/>
-            </a:endParaRPr>
           </a:p>
         </p:txBody>
       </p:sp>
@@ -17316,14 +16159,7 @@
   <p:clrMapOvr>
     <a:masterClrMapping/>
   </p:clrMapOvr>
-  <p:transition xmlns:p14="http://schemas.microsoft.com/office/powerpoint/2010/main" advTm="1500"/>
-  <p:timing>
-    <p:tnLst>
-      <p:par>
-        <p:cTn xmlns:p14="http://schemas.microsoft.com/office/powerpoint/2010/main" id="1" dur="indefinite" restart="never" nodeType="tmRoot"/>
-      </p:par>
-    </p:tnLst>
-  </p:timing>
+  <p:transition advTm="1500"/>
 </p:sld>
 </file>
 
@@ -17457,7 +16293,7 @@
               <a:t> &lt;= </a:t>
             </a:r>
             <a:r>
-              <a:rPr lang="da-DK" sz="3600" b="1" dirty="0" smtClean="0">
+              <a:rPr lang="da-DK" sz="3600" b="1" dirty="0">
                 <a:solidFill>
                   <a:srgbClr val="FF3300"/>
                 </a:solidFill>
@@ -17466,7 +16302,7 @@
               <a:t>10</a:t>
             </a:r>
             <a:r>
-              <a:rPr lang="da-DK" sz="3600" b="1" dirty="0" smtClean="0">
+              <a:rPr lang="da-DK" sz="3600" b="1" dirty="0">
                 <a:solidFill>
                   <a:srgbClr val="000000"/>
                 </a:solidFill>
@@ -17495,7 +16331,7 @@
           </a:p>
           <a:p>
             <a:r>
-              <a:rPr lang="da-DK" sz="3600" dirty="0" smtClean="0">
+              <a:rPr lang="da-DK" sz="3600" dirty="0">
                 <a:solidFill>
                   <a:srgbClr val="000000"/>
                 </a:solidFill>
@@ -17514,7 +16350,7 @@
           </a:p>
           <a:p>
             <a:r>
-              <a:rPr lang="de-DE" sz="3600" dirty="0" smtClean="0">
+              <a:rPr lang="de-DE" sz="3600" dirty="0">
                 <a:solidFill>
                   <a:srgbClr val="000000"/>
                 </a:solidFill>
@@ -17526,7 +16362,7 @@
           </a:p>
           <a:p>
             <a:r>
-              <a:rPr lang="da-DK" sz="3600" dirty="0" smtClean="0">
+              <a:rPr lang="da-DK" sz="3600" dirty="0">
                 <a:solidFill>
                   <a:srgbClr val="000000"/>
                 </a:solidFill>
@@ -17548,14 +16384,7 @@
   <p:clrMapOvr>
     <a:masterClrMapping/>
   </p:clrMapOvr>
-  <p:transition xmlns:p14="http://schemas.microsoft.com/office/powerpoint/2010/main" advTm="4000"/>
-  <p:timing>
-    <p:tnLst>
-      <p:par>
-        <p:cTn xmlns:p14="http://schemas.microsoft.com/office/powerpoint/2010/main" id="1" dur="indefinite" restart="never" nodeType="tmRoot"/>
-      </p:par>
-    </p:tnLst>
-  </p:timing>
+  <p:transition advTm="4000"/>
 </p:sld>
 </file>
 
@@ -17600,49 +16429,25 @@
                 </a:solidFill>
                 <a:latin typeface="Arial"/>
               </a:rPr>
-              <a:t>d</a:t>
-            </a:r>
-            <a:r>
-              <a:rPr lang="en-US" sz="4000" dirty="0" smtClean="0">
+              <a:t>do nothing</a:t>
+            </a:r>
+            <a:br>
+              <a:rPr lang="en-US" sz="8000" dirty="0">
                 <a:solidFill>
                   <a:srgbClr val="FF3B3B"/>
                 </a:solidFill>
                 <a:latin typeface="Arial"/>
               </a:rPr>
-              <a:t>o nothing</a:t>
-            </a:r>
-            <a:r>
-              <a:rPr lang="en-US" sz="8000" dirty="0" smtClean="0">
+            </a:br>
+            <a:r>
+              <a:rPr lang="en-US" sz="8000" dirty="0">
                 <a:solidFill>
                   <a:srgbClr val="FF3B3B"/>
                 </a:solidFill>
                 <a:latin typeface="Arial"/>
               </a:rPr>
-              <a:t/>
-            </a:r>
-            <a:br>
-              <a:rPr lang="en-US" sz="8000" dirty="0" smtClean="0">
-                <a:solidFill>
-                  <a:srgbClr val="FF3B3B"/>
-                </a:solidFill>
-                <a:latin typeface="Arial"/>
-              </a:rPr>
-            </a:br>
-            <a:r>
-              <a:rPr lang="en-US" sz="8000" dirty="0" smtClean="0">
-                <a:solidFill>
-                  <a:srgbClr val="FF3B3B"/>
-                </a:solidFill>
-                <a:latin typeface="Arial"/>
-              </a:rPr>
               <a:t>10 Times</a:t>
             </a:r>
-            <a:endParaRPr lang="en-US" sz="8000" dirty="0">
-              <a:solidFill>
-                <a:srgbClr val="FF3B3B"/>
-              </a:solidFill>
-              <a:latin typeface="Arial"/>
-            </a:endParaRPr>
           </a:p>
         </p:txBody>
       </p:sp>
@@ -17675,14 +16480,7 @@
   <p:clrMapOvr>
     <a:masterClrMapping/>
   </p:clrMapOvr>
-  <p:transition xmlns:p14="http://schemas.microsoft.com/office/powerpoint/2010/main" advTm="1500"/>
-  <p:timing>
-    <p:tnLst>
-      <p:par>
-        <p:cTn xmlns:p14="http://schemas.microsoft.com/office/powerpoint/2010/main" id="1" dur="indefinite" restart="never" nodeType="tmRoot"/>
-      </p:par>
-    </p:tnLst>
-  </p:timing>
+  <p:transition advTm="1500"/>
 </p:sld>
 </file>
 
@@ -17825,7 +16623,7 @@
               <a:t>7</a:t>
             </a:r>
             <a:r>
-              <a:rPr lang="da-DK" sz="3600" b="1" dirty="0" smtClean="0">
+              <a:rPr lang="da-DK" sz="3600" b="1" dirty="0">
                 <a:solidFill>
                   <a:srgbClr val="000000"/>
                 </a:solidFill>
@@ -17854,7 +16652,7 @@
           </a:p>
           <a:p>
             <a:r>
-              <a:rPr lang="da-DK" sz="3600" dirty="0" smtClean="0">
+              <a:rPr lang="da-DK" sz="3600" dirty="0">
                 <a:solidFill>
                   <a:srgbClr val="000000"/>
                 </a:solidFill>
@@ -17873,7 +16671,7 @@
           </a:p>
           <a:p>
             <a:r>
-              <a:rPr lang="de-DE" sz="3600" dirty="0" smtClean="0">
+              <a:rPr lang="de-DE" sz="3600" dirty="0">
                 <a:solidFill>
                   <a:srgbClr val="000000"/>
                 </a:solidFill>
@@ -17885,7 +16683,7 @@
           </a:p>
           <a:p>
             <a:r>
-              <a:rPr lang="da-DK" sz="3600" dirty="0" smtClean="0">
+              <a:rPr lang="da-DK" sz="3600" dirty="0">
                 <a:solidFill>
                   <a:srgbClr val="000000"/>
                 </a:solidFill>
@@ -17907,14 +16705,7 @@
   <p:clrMapOvr>
     <a:masterClrMapping/>
   </p:clrMapOvr>
-  <p:transition xmlns:p14="http://schemas.microsoft.com/office/powerpoint/2010/main" advTm="3000"/>
-  <p:timing>
-    <p:tnLst>
-      <p:par>
-        <p:cTn xmlns:p14="http://schemas.microsoft.com/office/powerpoint/2010/main" id="1" dur="indefinite" restart="never" nodeType="tmRoot"/>
-      </p:par>
-    </p:tnLst>
-  </p:timing>
+  <p:transition advTm="3000"/>
 </p:sld>
 </file>
 
